--- a/multithreaded servers.pptx
+++ b/multithreaded servers.pptx
@@ -14,13 +14,14 @@
     <p:sldId id="268" r:id="rId11"/>
     <p:sldId id="270" r:id="rId12"/>
     <p:sldId id="260" r:id="rId13"/>
-    <p:sldId id="262" r:id="rId14"/>
-    <p:sldId id="263" r:id="rId15"/>
-    <p:sldId id="264" r:id="rId16"/>
-    <p:sldId id="266" r:id="rId17"/>
-    <p:sldId id="267" r:id="rId18"/>
-    <p:sldId id="272" r:id="rId19"/>
-    <p:sldId id="271" r:id="rId20"/>
+    <p:sldId id="263" r:id="rId14"/>
+    <p:sldId id="262" r:id="rId15"/>
+    <p:sldId id="273" r:id="rId16"/>
+    <p:sldId id="264" r:id="rId17"/>
+    <p:sldId id="266" r:id="rId18"/>
+    <p:sldId id="267" r:id="rId19"/>
+    <p:sldId id="272" r:id="rId20"/>
+    <p:sldId id="271" r:id="rId21"/>
   </p:sldIdLst>
   <p:sldSz cx="12192000" cy="6858000"/>
   <p:notesSz cx="6858000" cy="9144000"/>
@@ -130,7 +131,7 @@
 <file path=ppt/revisionInfo.xml><?xml version="1.0" encoding="utf-8"?>
 <p1510:revInfo xmlns:a="http://schemas.openxmlformats.org/drawingml/2006/main" xmlns:r="http://schemas.openxmlformats.org/officeDocument/2006/relationships" xmlns:p1510="http://schemas.microsoft.com/office/powerpoint/2015/10/main">
   <p1510:revLst>
-    <p1510:client id="{148B0D89-11D8-4496-8FF3-ABFF92655983}" v="5487" dt="2022-07-29T14:44:31.198"/>
+    <p1510:client id="{148B0D89-11D8-4496-8FF3-ABFF92655983}" v="5486" dt="2022-07-29T14:42:56.977"/>
     <p1510:client id="{3BD37EB5-2F9A-4AD9-8121-22337536A0AD}" v="62" dt="2022-07-29T13:18:44.442"/>
     <p1510:client id="{441668F8-0A68-4D7F-BD07-8C8D602AF1AA}" v="1588" dt="2022-07-29T13:09:59.589"/>
     <p1510:client id="{61BA625E-E1D0-2BB5-A656-71C372D59682}" v="2846" dt="2022-07-29T14:41:52.393"/>
@@ -324,7 +325,7 @@
             <a:fld id="{8994394A-E95D-49DE-8614-F37E1FCF0AC3}" type="datetime2">
               <a:rPr lang="en-US" smtClean="0"/>
               <a:pPr/>
-              <a:t>Friday, July 29, 2022</a:t>
+              <a:t>Sunday, July 31, 2022</a:t>
             </a:fld>
             <a:endParaRPr lang="en-US"/>
           </a:p>
@@ -661,7 +662,7 @@
             <a:fld id="{6D51179E-60E8-4F2A-A3F9-6F3CE2ABCAF9}" type="datetime2">
               <a:rPr lang="en-US" smtClean="0"/>
               <a:pPr/>
-              <a:t>Friday, July 29, 2022</a:t>
+              <a:t>Sunday, July 31, 2022</a:t>
             </a:fld>
             <a:endParaRPr lang="en-US">
               <a:latin typeface="+mn-lt"/>
@@ -1008,7 +1009,7 @@
           <a:p>
             <a:fld id="{1C32B061-4DDF-403A-A7DB-3B6FD0BE9165}" type="datetime2">
               <a:rPr lang="en-US" smtClean="0"/>
-              <a:t>Friday, July 29, 2022</a:t>
+              <a:t>Sunday, July 31, 2022</a:t>
             </a:fld>
             <a:endParaRPr lang="en-US"/>
           </a:p>
@@ -1411,7 +1412,7 @@
             <a:fld id="{58D82CC3-100B-41FC-9DB0-99A6D4849F72}" type="datetime2">
               <a:rPr lang="en-US" smtClean="0"/>
               <a:pPr/>
-              <a:t>Friday, July 29, 2022</a:t>
+              <a:t>Sunday, July 31, 2022</a:t>
             </a:fld>
             <a:endParaRPr lang="en-US">
               <a:latin typeface="+mn-lt"/>
@@ -1808,7 +1809,7 @@
           <a:p>
             <a:fld id="{3E58FDCC-AC46-4D9F-98DC-C163BFA43704}" type="datetime2">
               <a:rPr lang="en-US" smtClean="0"/>
-              <a:t>Friday, July 29, 2022</a:t>
+              <a:t>Sunday, July 31, 2022</a:t>
             </a:fld>
             <a:endParaRPr lang="en-US"/>
           </a:p>
@@ -2185,7 +2186,7 @@
           <a:p>
             <a:fld id="{45832F11-C374-493A-BB7E-11B09A67FAD0}" type="datetime2">
               <a:rPr lang="en-US" smtClean="0"/>
-              <a:t>Friday, July 29, 2022</a:t>
+              <a:t>Sunday, July 31, 2022</a:t>
             </a:fld>
             <a:endParaRPr lang="en-US"/>
           </a:p>
@@ -2708,7 +2709,7 @@
           <a:p>
             <a:fld id="{5136546C-EE55-422E-9D57-50E6C4234F80}" type="datetime2">
               <a:rPr lang="en-US" smtClean="0"/>
-              <a:t>Friday, July 29, 2022</a:t>
+              <a:t>Sunday, July 31, 2022</a:t>
             </a:fld>
             <a:endParaRPr lang="en-US"/>
           </a:p>
@@ -2960,7 +2961,7 @@
             <a:fld id="{83685C8A-A1A1-423D-82D7-1ACC187CCA77}" type="datetime2">
               <a:rPr lang="en-US" smtClean="0"/>
               <a:pPr/>
-              <a:t>Friday, July 29, 2022</a:t>
+              <a:t>Sunday, July 31, 2022</a:t>
             </a:fld>
             <a:endParaRPr lang="en-US">
               <a:latin typeface="+mn-lt"/>
@@ -3190,7 +3191,7 @@
             <a:fld id="{325DF798-D264-4BC9-8824-70A25106E4C6}" type="datetime2">
               <a:rPr lang="en-US" smtClean="0"/>
               <a:pPr/>
-              <a:t>Friday, July 29, 2022</a:t>
+              <a:t>Sunday, July 31, 2022</a:t>
             </a:fld>
             <a:endParaRPr lang="en-US">
               <a:latin typeface="+mn-lt"/>
@@ -3672,7 +3673,7 @@
           <a:p>
             <a:fld id="{29ACAD25-C1CF-4F11-8692-066E6505443C}" type="datetime2">
               <a:rPr lang="en-US" smtClean="0"/>
-              <a:t>Friday, July 29, 2022</a:t>
+              <a:t>Sunday, July 31, 2022</a:t>
             </a:fld>
             <a:endParaRPr lang="en-US"/>
           </a:p>
@@ -4075,7 +4076,7 @@
           <a:p>
             <a:fld id="{91688A1C-01B8-42B6-BBF1-2BCF5E311248}" type="datetime2">
               <a:rPr lang="en-US" smtClean="0"/>
-              <a:t>Friday, July 29, 2022</a:t>
+              <a:t>Sunday, July 31, 2022</a:t>
             </a:fld>
             <a:endParaRPr lang="en-US"/>
           </a:p>
@@ -4402,7 +4403,7 @@
             <a:fld id="{6C03BBDD-218C-4B2A-98A0-F5F369754705}" type="datetime2">
               <a:rPr lang="en-US" smtClean="0"/>
               <a:pPr/>
-              <a:t>Friday, July 29, 2022</a:t>
+              <a:t>Sunday, July 31, 2022</a:t>
             </a:fld>
             <a:endParaRPr lang="en-US">
               <a:latin typeface="+mn-lt"/>
@@ -5083,36 +5084,16 @@
           <a:p>
             <a:pPr rtl="1"/>
             <a:r>
-              <a:rPr lang="he-IL" err="1">
+              <a:rPr lang="he-IL" dirty="0">
                 <a:solidFill>
                   <a:srgbClr val="FFFFFF"/>
                 </a:solidFill>
                 <a:ea typeface="+mj-lt"/>
                 <a:cs typeface="+mj-lt"/>
               </a:rPr>
-              <a:t>Multithreaded</a:t>
-            </a:r>
-            <a:r>
-              <a:rPr lang="he-IL">
-                <a:solidFill>
-                  <a:srgbClr val="FFFFFF"/>
-                </a:solidFill>
-                <a:ea typeface="+mj-lt"/>
-                <a:cs typeface="+mj-lt"/>
-              </a:rPr>
-              <a:t> </a:t>
-            </a:r>
-            <a:r>
-              <a:rPr lang="he-IL" err="1">
-                <a:solidFill>
-                  <a:srgbClr val="FFFFFF"/>
-                </a:solidFill>
-                <a:ea typeface="+mj-lt"/>
-                <a:cs typeface="+mj-lt"/>
-              </a:rPr>
-              <a:t>Servers</a:t>
-            </a:r>
-            <a:endParaRPr lang="en-US">
+              <a:t>Multithreaded Servers</a:t>
+            </a:r>
+            <a:endParaRPr lang="en-US" dirty="0">
               <a:solidFill>
                 <a:srgbClr val="FFFFFF"/>
               </a:solidFill>
@@ -5360,1432 +5341,6 @@
 </file>
 
 <file path=ppt/slides/slide10.xml><?xml version="1.0" encoding="utf-8"?>
-<p:sld xmlns:a="http://schemas.openxmlformats.org/drawingml/2006/main" xmlns:r="http://schemas.openxmlformats.org/officeDocument/2006/relationships" xmlns:p="http://schemas.openxmlformats.org/presentationml/2006/main">
-  <p:cSld>
-    <p:spTree>
-      <p:nvGrpSpPr>
-        <p:cNvPr id="1" name=""/>
-        <p:cNvGrpSpPr/>
-        <p:nvPr/>
-      </p:nvGrpSpPr>
-      <p:grpSpPr>
-        <a:xfrm>
-          <a:off x="0" y="0"/>
-          <a:ext cx="0" cy="0"/>
-          <a:chOff x="0" y="0"/>
-          <a:chExt cx="0" cy="0"/>
-        </a:xfrm>
-      </p:grpSpPr>
-      <p:sp>
-        <p:nvSpPr>
-          <p:cNvPr id="2" name="Title 1">
-            <a:extLst>
-              <a:ext uri="{FF2B5EF4-FFF2-40B4-BE49-F238E27FC236}">
-                <a16:creationId xmlns:a16="http://schemas.microsoft.com/office/drawing/2014/main" id="{31788AEA-EDA4-A079-31B3-3ACA75F984AE}"/>
-              </a:ext>
-            </a:extLst>
-          </p:cNvPr>
-          <p:cNvSpPr>
-            <a:spLocks noGrp="1"/>
-          </p:cNvSpPr>
-          <p:nvPr>
-            <p:ph type="title"/>
-          </p:nvPr>
-        </p:nvSpPr>
-        <p:spPr/>
-        <p:txBody>
-          <a:bodyPr/>
-          <a:lstStyle/>
-          <a:p>
-            <a:r>
-              <a:rPr lang="en-US" dirty="0"/>
-              <a:t>Poll</a:t>
-            </a:r>
-            <a:endParaRPr lang="en-IL" dirty="0"/>
-          </a:p>
-        </p:txBody>
-      </p:sp>
-      <p:sp>
-        <p:nvSpPr>
-          <p:cNvPr id="3" name="Content Placeholder 2">
-            <a:extLst>
-              <a:ext uri="{FF2B5EF4-FFF2-40B4-BE49-F238E27FC236}">
-                <a16:creationId xmlns:a16="http://schemas.microsoft.com/office/drawing/2014/main" id="{32DF80F9-448F-4708-4524-123F6B2F1424}"/>
-              </a:ext>
-            </a:extLst>
-          </p:cNvPr>
-          <p:cNvSpPr>
-            <a:spLocks noGrp="1"/>
-          </p:cNvSpPr>
-          <p:nvPr>
-            <p:ph idx="1"/>
-          </p:nvPr>
-        </p:nvSpPr>
-        <p:spPr>
-          <a:xfrm>
-            <a:off x="1333732" y="1454406"/>
-            <a:ext cx="10406063" cy="2578100"/>
-          </a:xfrm>
-        </p:spPr>
-        <p:txBody>
-          <a:bodyPr vert="horz" lIns="0" tIns="0" rIns="0" bIns="0" rtlCol="0" anchor="t">
-            <a:noAutofit/>
-          </a:bodyPr>
-          <a:lstStyle/>
-          <a:p>
-            <a:pPr marL="359410" indent="-359410" algn="r" rtl="1"/>
-            <a:r>
-              <a:rPr lang="he-IL" dirty="0">
-                <a:ea typeface="Microsoft Sans Serif"/>
-                <a:cs typeface="Microsoft Sans Serif"/>
-              </a:rPr>
-              <a:t>עבור </a:t>
-            </a:r>
-            <a:r>
-              <a:rPr lang="en-US" dirty="0">
-                <a:ea typeface="Microsoft Sans Serif"/>
-                <a:cs typeface="Microsoft Sans Serif"/>
-              </a:rPr>
-              <a:t>poll</a:t>
-            </a:r>
-            <a:r>
-              <a:rPr lang="he-IL" dirty="0">
-                <a:ea typeface="Microsoft Sans Serif"/>
-                <a:cs typeface="Microsoft Sans Serif"/>
-              </a:rPr>
-              <a:t> נעביר מערך של אובייקטים המייצגים איזה </a:t>
-            </a:r>
-            <a:r>
-              <a:rPr lang="en-US" dirty="0" err="1">
-                <a:ea typeface="Microsoft Sans Serif"/>
-                <a:cs typeface="Microsoft Sans Serif"/>
-              </a:rPr>
-              <a:t>fd</a:t>
-            </a:r>
-            <a:r>
-              <a:rPr lang="he-IL" dirty="0">
-                <a:ea typeface="Microsoft Sans Serif"/>
-                <a:cs typeface="Microsoft Sans Serif"/>
-              </a:rPr>
-              <a:t> אנחנו רוצים </a:t>
-            </a:r>
-            <a:r>
-              <a:rPr lang="he-IL" dirty="0" err="1">
-                <a:ea typeface="Microsoft Sans Serif"/>
-                <a:cs typeface="Microsoft Sans Serif"/>
-              </a:rPr>
-              <a:t>לנטר</a:t>
-            </a:r>
-            <a:r>
-              <a:rPr lang="he-IL" dirty="0">
-                <a:ea typeface="Microsoft Sans Serif"/>
-                <a:cs typeface="Microsoft Sans Serif"/>
-              </a:rPr>
-              <a:t> ועבור איזה אירועים</a:t>
-            </a:r>
-            <a:endParaRPr lang="en-US" dirty="0">
-              <a:ea typeface="Microsoft Sans Serif"/>
-              <a:cs typeface="Microsoft Sans Serif"/>
-            </a:endParaRPr>
-          </a:p>
-          <a:p>
-            <a:pPr marL="359410" indent="-359410" algn="r" rtl="1"/>
-            <a:endParaRPr lang="he-IL" dirty="0">
-              <a:solidFill>
-                <a:srgbClr val="242E41">
-                  <a:alpha val="77000"/>
-                </a:srgbClr>
-              </a:solidFill>
-            </a:endParaRPr>
-          </a:p>
-          <a:p>
-            <a:pPr marL="359410" indent="-359410" algn="r" rtl="1"/>
-            <a:endParaRPr lang="he-IL" dirty="0">
-              <a:solidFill>
-                <a:srgbClr val="242E41">
-                  <a:alpha val="77000"/>
-                </a:srgbClr>
-              </a:solidFill>
-            </a:endParaRPr>
-          </a:p>
-          <a:p>
-            <a:pPr marL="359410" indent="-359410" algn="r" rtl="1"/>
-            <a:r>
-              <a:rPr lang="he-IL" dirty="0">
-                <a:ea typeface="Microsoft Sans Serif"/>
-                <a:cs typeface="Microsoft Sans Serif"/>
-              </a:rPr>
-              <a:t>ולאחר כמה זמן נבצע </a:t>
-            </a:r>
-            <a:r>
-              <a:rPr lang="en-US" dirty="0">
-                <a:ea typeface="Microsoft Sans Serif"/>
-                <a:cs typeface="Microsoft Sans Serif"/>
-              </a:rPr>
-              <a:t>timeout</a:t>
-            </a:r>
-            <a:r>
-              <a:rPr lang="he-IL" dirty="0">
-                <a:ea typeface="Microsoft Sans Serif"/>
-                <a:cs typeface="Microsoft Sans Serif"/>
-              </a:rPr>
-              <a:t> אם לא הייתה פעילות באף אחד </a:t>
-            </a:r>
-            <a:r>
-              <a:rPr lang="he-IL" dirty="0" err="1">
-                <a:ea typeface="Microsoft Sans Serif"/>
-                <a:cs typeface="Microsoft Sans Serif"/>
-              </a:rPr>
-              <a:t>מהfd</a:t>
-            </a:r>
-            <a:r>
-              <a:rPr lang="he-IL" dirty="0">
-                <a:ea typeface="Microsoft Sans Serif"/>
-                <a:cs typeface="Microsoft Sans Serif"/>
-              </a:rPr>
-              <a:t> </a:t>
-            </a:r>
-            <a:r>
-              <a:rPr lang="he-IL" dirty="0" err="1">
-                <a:ea typeface="Microsoft Sans Serif"/>
-                <a:cs typeface="Microsoft Sans Serif"/>
-              </a:rPr>
-              <a:t>המואזנים</a:t>
-            </a:r>
-            <a:r>
-              <a:rPr lang="he-IL" dirty="0">
-                <a:ea typeface="Microsoft Sans Serif"/>
-                <a:cs typeface="Microsoft Sans Serif"/>
-              </a:rPr>
-              <a:t>.</a:t>
-            </a:r>
-            <a:endParaRPr lang="he-IL" dirty="0">
-              <a:solidFill>
-                <a:srgbClr val="242E41">
-                  <a:alpha val="77000"/>
-                </a:srgbClr>
-              </a:solidFill>
-              <a:ea typeface="Microsoft Sans Serif"/>
-              <a:cs typeface="Microsoft Sans Serif"/>
-            </a:endParaRPr>
-          </a:p>
-          <a:p>
-            <a:pPr marL="359410" indent="-359410" algn="r" rtl="1"/>
-            <a:r>
-              <a:rPr lang="he-IL" dirty="0">
-                <a:ea typeface="Microsoft Sans Serif"/>
-                <a:cs typeface="Microsoft Sans Serif"/>
-              </a:rPr>
-              <a:t>באותם אובייקטים גם נקבל את איזה אירועים קפצו ועבור איזה </a:t>
-            </a:r>
-            <a:r>
-              <a:rPr lang="en-US" err="1">
-                <a:ea typeface="Microsoft Sans Serif"/>
-                <a:cs typeface="Microsoft Sans Serif"/>
-              </a:rPr>
-              <a:t>fds</a:t>
-            </a:r>
-            <a:r>
-              <a:rPr lang="en-US">
-                <a:ea typeface="Microsoft Sans Serif"/>
-                <a:cs typeface="Microsoft Sans Serif"/>
-              </a:rPr>
-              <a:t>,</a:t>
-            </a:r>
-            <a:r>
-              <a:rPr lang="he-IL" dirty="0">
-                <a:ea typeface="Microsoft Sans Serif"/>
-                <a:cs typeface="Microsoft Sans Serif"/>
-              </a:rPr>
-              <a:t> </a:t>
-            </a:r>
-            <a:r>
-              <a:rPr lang="en-US" dirty="0" err="1">
-                <a:ea typeface="Microsoft Sans Serif"/>
-                <a:cs typeface="Microsoft Sans Serif"/>
-              </a:rPr>
-              <a:t>כך</a:t>
-            </a:r>
-            <a:r>
-              <a:rPr lang="en-US" dirty="0">
-                <a:ea typeface="Microsoft Sans Serif"/>
-                <a:cs typeface="Microsoft Sans Serif"/>
-              </a:rPr>
-              <a:t> </a:t>
-            </a:r>
-            <a:r>
-              <a:rPr lang="en-US" dirty="0" err="1">
-                <a:ea typeface="Microsoft Sans Serif"/>
-                <a:cs typeface="Microsoft Sans Serif"/>
-              </a:rPr>
-              <a:t>שנוכל</a:t>
-            </a:r>
-            <a:r>
-              <a:rPr lang="en-US" dirty="0">
-                <a:ea typeface="Microsoft Sans Serif"/>
-                <a:cs typeface="Microsoft Sans Serif"/>
-              </a:rPr>
-              <a:t> </a:t>
-            </a:r>
-            <a:r>
-              <a:rPr lang="en-US" dirty="0" err="1">
-                <a:ea typeface="Microsoft Sans Serif"/>
-                <a:cs typeface="Microsoft Sans Serif"/>
-              </a:rPr>
-              <a:t>לחלץ</a:t>
-            </a:r>
-            <a:r>
-              <a:rPr lang="en-US" dirty="0">
-                <a:ea typeface="Microsoft Sans Serif"/>
-                <a:cs typeface="Microsoft Sans Serif"/>
-              </a:rPr>
-              <a:t> </a:t>
-            </a:r>
-            <a:r>
-              <a:rPr lang="en-US" dirty="0" err="1">
-                <a:ea typeface="Microsoft Sans Serif"/>
-                <a:cs typeface="Microsoft Sans Serif"/>
-              </a:rPr>
-              <a:t>את</a:t>
-            </a:r>
-            <a:r>
-              <a:rPr lang="en-US" dirty="0">
-                <a:ea typeface="Microsoft Sans Serif"/>
-                <a:cs typeface="Microsoft Sans Serif"/>
-              </a:rPr>
-              <a:t> </a:t>
-            </a:r>
-            <a:r>
-              <a:rPr lang="en-US" dirty="0" err="1">
-                <a:ea typeface="Microsoft Sans Serif"/>
-                <a:cs typeface="Microsoft Sans Serif"/>
-              </a:rPr>
-              <a:t>המידע</a:t>
-            </a:r>
-            <a:r>
-              <a:rPr lang="en-US" dirty="0">
-                <a:ea typeface="Microsoft Sans Serif"/>
-                <a:cs typeface="Microsoft Sans Serif"/>
-              </a:rPr>
-              <a:t> </a:t>
-            </a:r>
-            <a:r>
-              <a:rPr lang="en-US" dirty="0" err="1">
-                <a:ea typeface="Microsoft Sans Serif"/>
-                <a:cs typeface="Microsoft Sans Serif"/>
-              </a:rPr>
-              <a:t>ולטפל</a:t>
-            </a:r>
-            <a:r>
-              <a:rPr lang="en-US" dirty="0">
-                <a:ea typeface="Microsoft Sans Serif"/>
-                <a:cs typeface="Microsoft Sans Serif"/>
-              </a:rPr>
-              <a:t> </a:t>
-            </a:r>
-            <a:r>
-              <a:rPr lang="en-US" dirty="0" err="1">
-                <a:ea typeface="Microsoft Sans Serif"/>
-                <a:cs typeface="Microsoft Sans Serif"/>
-              </a:rPr>
-              <a:t>באירוע</a:t>
-            </a:r>
-            <a:r>
-              <a:rPr lang="en-US" dirty="0">
-                <a:ea typeface="Microsoft Sans Serif"/>
-                <a:cs typeface="Microsoft Sans Serif"/>
-              </a:rPr>
-              <a:t> </a:t>
-            </a:r>
-            <a:r>
-              <a:rPr lang="en-US" dirty="0" err="1">
-                <a:ea typeface="Microsoft Sans Serif"/>
-                <a:cs typeface="Microsoft Sans Serif"/>
-              </a:rPr>
-              <a:t>המתאים</a:t>
-            </a:r>
-            <a:r>
-              <a:rPr lang="en-US" dirty="0">
-                <a:ea typeface="Microsoft Sans Serif"/>
-                <a:cs typeface="Microsoft Sans Serif"/>
-              </a:rPr>
-              <a:t>.</a:t>
-            </a:r>
-            <a:endParaRPr lang="en-US">
-              <a:solidFill>
-                <a:srgbClr val="242E41">
-                  <a:alpha val="77000"/>
-                </a:srgbClr>
-              </a:solidFill>
-              <a:ea typeface="Microsoft Sans Serif"/>
-              <a:cs typeface="Microsoft Sans Serif"/>
-            </a:endParaRPr>
-          </a:p>
-          <a:p>
-            <a:pPr marL="359410" indent="-359410" algn="r" rtl="1"/>
-            <a:endParaRPr lang="en-US" dirty="0">
-              <a:solidFill>
-                <a:srgbClr val="242E41">
-                  <a:alpha val="77000"/>
-                </a:srgbClr>
-              </a:solidFill>
-              <a:ea typeface="Microsoft Sans Serif"/>
-              <a:cs typeface="Microsoft Sans Serif"/>
-            </a:endParaRPr>
-          </a:p>
-          <a:p>
-            <a:pPr marL="359410" indent="-359410" algn="r" rtl="1"/>
-            <a:endParaRPr lang="en-US" dirty="0">
-              <a:solidFill>
-                <a:srgbClr val="242E41">
-                  <a:alpha val="77000"/>
-                </a:srgbClr>
-              </a:solidFill>
-              <a:ea typeface="Microsoft Sans Serif"/>
-              <a:cs typeface="Microsoft Sans Serif"/>
-            </a:endParaRPr>
-          </a:p>
-          <a:p>
-            <a:pPr marL="359410" indent="-359410" algn="r" rtl="1"/>
-            <a:endParaRPr lang="en-US" dirty="0">
-              <a:solidFill>
-                <a:srgbClr val="242E41">
-                  <a:alpha val="77000"/>
-                </a:srgbClr>
-              </a:solidFill>
-              <a:ea typeface="Microsoft Sans Serif"/>
-              <a:cs typeface="Microsoft Sans Serif"/>
-            </a:endParaRPr>
-          </a:p>
-          <a:p>
-            <a:pPr marL="0" indent="0" algn="r" rtl="1">
-              <a:buNone/>
-            </a:pPr>
-            <a:endParaRPr lang="en-US" dirty="0">
-              <a:solidFill>
-                <a:srgbClr val="242E41">
-                  <a:alpha val="77000"/>
-                </a:srgbClr>
-              </a:solidFill>
-              <a:ea typeface="Microsoft Sans Serif"/>
-              <a:cs typeface="Microsoft Sans Serif"/>
-            </a:endParaRPr>
-          </a:p>
-          <a:p>
-            <a:pPr marL="0" indent="0" algn="r" rtl="1">
-              <a:buNone/>
-            </a:pPr>
-            <a:r>
-              <a:rPr lang="en-US" b="1" dirty="0" err="1">
-                <a:solidFill>
-                  <a:srgbClr val="242E41">
-                    <a:alpha val="77000"/>
-                  </a:srgbClr>
-                </a:solidFill>
-                <a:ea typeface="Microsoft Sans Serif"/>
-                <a:cs typeface="Microsoft Sans Serif"/>
-              </a:rPr>
-              <a:t>נציג</a:t>
-            </a:r>
-            <a:r>
-              <a:rPr lang="en-US" b="1" dirty="0">
-                <a:solidFill>
-                  <a:srgbClr val="242E41">
-                    <a:alpha val="77000"/>
-                  </a:srgbClr>
-                </a:solidFill>
-                <a:ea typeface="Microsoft Sans Serif"/>
-                <a:cs typeface="Microsoft Sans Serif"/>
-              </a:rPr>
-              <a:t> </a:t>
-            </a:r>
-            <a:r>
-              <a:rPr lang="en-US" b="1" dirty="0" err="1">
-                <a:solidFill>
-                  <a:srgbClr val="242E41">
-                    <a:alpha val="77000"/>
-                  </a:srgbClr>
-                </a:solidFill>
-                <a:ea typeface="Microsoft Sans Serif"/>
-                <a:cs typeface="Microsoft Sans Serif"/>
-              </a:rPr>
-              <a:t>דוגמת</a:t>
-            </a:r>
-            <a:r>
-              <a:rPr lang="en-US" b="1" dirty="0">
-                <a:solidFill>
-                  <a:srgbClr val="242E41">
-                    <a:alpha val="77000"/>
-                  </a:srgbClr>
-                </a:solidFill>
-                <a:ea typeface="Microsoft Sans Serif"/>
-                <a:cs typeface="Microsoft Sans Serif"/>
-              </a:rPr>
-              <a:t> </a:t>
-            </a:r>
-            <a:r>
-              <a:rPr lang="en-US" b="1" dirty="0" err="1">
-                <a:solidFill>
-                  <a:srgbClr val="242E41">
-                    <a:alpha val="77000"/>
-                  </a:srgbClr>
-                </a:solidFill>
-                <a:ea typeface="Microsoft Sans Serif"/>
-                <a:cs typeface="Microsoft Sans Serif"/>
-              </a:rPr>
-              <a:t>קוד</a:t>
-            </a:r>
-            <a:r>
-              <a:rPr lang="en-US" b="1" dirty="0">
-                <a:solidFill>
-                  <a:srgbClr val="242E41">
-                    <a:alpha val="77000"/>
-                  </a:srgbClr>
-                </a:solidFill>
-                <a:ea typeface="Microsoft Sans Serif"/>
-                <a:cs typeface="Microsoft Sans Serif"/>
-              </a:rPr>
-              <a:t> </a:t>
-            </a:r>
-            <a:r>
-              <a:rPr lang="en-US" b="1" dirty="0" err="1">
-                <a:solidFill>
-                  <a:srgbClr val="242E41">
-                    <a:alpha val="77000"/>
-                  </a:srgbClr>
-                </a:solidFill>
-                <a:ea typeface="Microsoft Sans Serif"/>
-                <a:cs typeface="Microsoft Sans Serif"/>
-              </a:rPr>
-              <a:t>עבור</a:t>
-            </a:r>
-            <a:r>
-              <a:rPr lang="en-US" b="1" dirty="0">
-                <a:solidFill>
-                  <a:srgbClr val="242E41">
-                    <a:alpha val="77000"/>
-                  </a:srgbClr>
-                </a:solidFill>
-                <a:ea typeface="Microsoft Sans Serif"/>
-                <a:cs typeface="Microsoft Sans Serif"/>
-              </a:rPr>
-              <a:t> </a:t>
-            </a:r>
-            <a:r>
-              <a:rPr lang="en-US" b="1" dirty="0" err="1">
-                <a:solidFill>
-                  <a:srgbClr val="242E41">
-                    <a:alpha val="77000"/>
-                  </a:srgbClr>
-                </a:solidFill>
-                <a:ea typeface="Microsoft Sans Serif"/>
-                <a:cs typeface="Microsoft Sans Serif"/>
-              </a:rPr>
-              <a:t>שרת</a:t>
-            </a:r>
-            <a:r>
-              <a:rPr lang="en-US" b="1" dirty="0">
-                <a:solidFill>
-                  <a:srgbClr val="242E41">
-                    <a:alpha val="77000"/>
-                  </a:srgbClr>
-                </a:solidFill>
-                <a:ea typeface="Microsoft Sans Serif"/>
-                <a:cs typeface="Microsoft Sans Serif"/>
-              </a:rPr>
-              <a:t> </a:t>
-            </a:r>
-            <a:r>
-              <a:rPr lang="en-US" b="1" dirty="0" err="1">
-                <a:solidFill>
-                  <a:srgbClr val="242E41">
-                    <a:alpha val="77000"/>
-                  </a:srgbClr>
-                </a:solidFill>
-                <a:ea typeface="Microsoft Sans Serif"/>
-                <a:cs typeface="Microsoft Sans Serif"/>
-              </a:rPr>
-              <a:t>פשוט</a:t>
-            </a:r>
-            <a:r>
-              <a:rPr lang="en-US" b="1" dirty="0">
-                <a:solidFill>
-                  <a:srgbClr val="242E41">
-                    <a:alpha val="77000"/>
-                  </a:srgbClr>
-                </a:solidFill>
-                <a:ea typeface="Microsoft Sans Serif"/>
-                <a:cs typeface="Microsoft Sans Serif"/>
-              </a:rPr>
-              <a:t> </a:t>
-            </a:r>
-            <a:r>
-              <a:rPr lang="en-US" b="1" dirty="0" err="1">
-                <a:solidFill>
-                  <a:srgbClr val="242E41">
-                    <a:alpha val="77000"/>
-                  </a:srgbClr>
-                </a:solidFill>
-                <a:ea typeface="Microsoft Sans Serif"/>
-                <a:cs typeface="Microsoft Sans Serif"/>
-              </a:rPr>
-              <a:t>שמשתמש</a:t>
-            </a:r>
-            <a:r>
-              <a:rPr lang="en-US" b="1" dirty="0">
-                <a:solidFill>
-                  <a:srgbClr val="242E41">
-                    <a:alpha val="77000"/>
-                  </a:srgbClr>
-                </a:solidFill>
-                <a:ea typeface="Microsoft Sans Serif"/>
-                <a:cs typeface="Microsoft Sans Serif"/>
-              </a:rPr>
-              <a:t> </a:t>
-            </a:r>
-            <a:r>
-              <a:rPr lang="en-US" b="1" dirty="0" err="1">
-                <a:solidFill>
-                  <a:srgbClr val="242E41">
-                    <a:alpha val="77000"/>
-                  </a:srgbClr>
-                </a:solidFill>
-                <a:ea typeface="Microsoft Sans Serif"/>
-                <a:cs typeface="Microsoft Sans Serif"/>
-              </a:rPr>
-              <a:t>בpoll</a:t>
-            </a:r>
-            <a:r>
-              <a:rPr lang="he-IL" b="1" dirty="0">
-                <a:solidFill>
-                  <a:srgbClr val="242E41">
-                    <a:alpha val="77000"/>
-                  </a:srgbClr>
-                </a:solidFill>
-                <a:ea typeface="Microsoft Sans Serif"/>
-                <a:cs typeface="Microsoft Sans Serif"/>
-              </a:rPr>
-              <a:t> </a:t>
-            </a:r>
-            <a:r>
-              <a:rPr lang="en-US" b="1" dirty="0" err="1">
-                <a:solidFill>
-                  <a:srgbClr val="242E41">
-                    <a:alpha val="77000"/>
-                  </a:srgbClr>
-                </a:solidFill>
-                <a:ea typeface="Microsoft Sans Serif"/>
-                <a:cs typeface="Microsoft Sans Serif"/>
-              </a:rPr>
-              <a:t>כדי</a:t>
-            </a:r>
-            <a:r>
-              <a:rPr lang="en-US" b="1" dirty="0">
-                <a:solidFill>
-                  <a:srgbClr val="242E41">
-                    <a:alpha val="77000"/>
-                  </a:srgbClr>
-                </a:solidFill>
-                <a:ea typeface="Microsoft Sans Serif"/>
-                <a:cs typeface="Microsoft Sans Serif"/>
-              </a:rPr>
-              <a:t> </a:t>
-            </a:r>
-            <a:r>
-              <a:rPr lang="en-US" b="1" dirty="0" err="1">
-                <a:solidFill>
-                  <a:srgbClr val="242E41">
-                    <a:alpha val="77000"/>
-                  </a:srgbClr>
-                </a:solidFill>
-                <a:ea typeface="Microsoft Sans Serif"/>
-                <a:cs typeface="Microsoft Sans Serif"/>
-              </a:rPr>
-              <a:t>להאזין</a:t>
-            </a:r>
-            <a:r>
-              <a:rPr lang="en-US" b="1" dirty="0">
-                <a:solidFill>
-                  <a:srgbClr val="242E41">
-                    <a:alpha val="77000"/>
-                  </a:srgbClr>
-                </a:solidFill>
-                <a:ea typeface="Microsoft Sans Serif"/>
-                <a:cs typeface="Microsoft Sans Serif"/>
-              </a:rPr>
-              <a:t> </a:t>
-            </a:r>
-            <a:r>
-              <a:rPr lang="en-US" b="1" dirty="0" err="1">
-                <a:solidFill>
-                  <a:srgbClr val="242E41">
-                    <a:alpha val="77000"/>
-                  </a:srgbClr>
-                </a:solidFill>
-                <a:ea typeface="Microsoft Sans Serif"/>
-                <a:cs typeface="Microsoft Sans Serif"/>
-              </a:rPr>
-              <a:t>גם</a:t>
-            </a:r>
-            <a:r>
-              <a:rPr lang="en-US" b="1" dirty="0">
-                <a:solidFill>
-                  <a:srgbClr val="242E41">
-                    <a:alpha val="77000"/>
-                  </a:srgbClr>
-                </a:solidFill>
-                <a:ea typeface="Microsoft Sans Serif"/>
-                <a:cs typeface="Microsoft Sans Serif"/>
-              </a:rPr>
-              <a:t> </a:t>
-            </a:r>
-            <a:r>
-              <a:rPr lang="en-US" b="1" dirty="0" err="1">
-                <a:solidFill>
-                  <a:srgbClr val="242E41">
-                    <a:alpha val="77000"/>
-                  </a:srgbClr>
-                </a:solidFill>
-                <a:ea typeface="Microsoft Sans Serif"/>
-                <a:cs typeface="Microsoft Sans Serif"/>
-              </a:rPr>
-              <a:t>ללקוחות</a:t>
-            </a:r>
-            <a:r>
-              <a:rPr lang="en-US" b="1" dirty="0">
-                <a:solidFill>
-                  <a:srgbClr val="242E41">
-                    <a:alpha val="77000"/>
-                  </a:srgbClr>
-                </a:solidFill>
-                <a:ea typeface="Microsoft Sans Serif"/>
-                <a:cs typeface="Microsoft Sans Serif"/>
-              </a:rPr>
-              <a:t> </a:t>
-            </a:r>
-            <a:r>
-              <a:rPr lang="en-US" b="1" dirty="0" err="1">
-                <a:solidFill>
-                  <a:srgbClr val="242E41">
-                    <a:alpha val="77000"/>
-                  </a:srgbClr>
-                </a:solidFill>
-                <a:ea typeface="Microsoft Sans Serif"/>
-                <a:cs typeface="Microsoft Sans Serif"/>
-              </a:rPr>
-              <a:t>חדשים</a:t>
-            </a:r>
-            <a:r>
-              <a:rPr lang="he-IL" b="1" dirty="0">
-                <a:solidFill>
-                  <a:srgbClr val="242E41">
-                    <a:alpha val="77000"/>
-                  </a:srgbClr>
-                </a:solidFill>
-                <a:ea typeface="Microsoft Sans Serif"/>
-                <a:cs typeface="Microsoft Sans Serif"/>
-              </a:rPr>
-              <a:t>,</a:t>
-            </a:r>
-            <a:r>
-              <a:rPr lang="en-US" b="1" dirty="0">
-                <a:solidFill>
-                  <a:srgbClr val="242E41">
-                    <a:alpha val="77000"/>
-                  </a:srgbClr>
-                </a:solidFill>
-                <a:ea typeface="Microsoft Sans Serif"/>
-                <a:cs typeface="Microsoft Sans Serif"/>
-              </a:rPr>
-              <a:t> </a:t>
-            </a:r>
-            <a:r>
-              <a:rPr lang="en-US" b="1" dirty="0" err="1">
-                <a:solidFill>
-                  <a:srgbClr val="242E41">
-                    <a:alpha val="77000"/>
-                  </a:srgbClr>
-                </a:solidFill>
-                <a:ea typeface="Microsoft Sans Serif"/>
-                <a:cs typeface="Microsoft Sans Serif"/>
-              </a:rPr>
-              <a:t>וגם</a:t>
-            </a:r>
-            <a:r>
-              <a:rPr lang="en-US" b="1" dirty="0">
-                <a:solidFill>
-                  <a:srgbClr val="242E41">
-                    <a:alpha val="77000"/>
-                  </a:srgbClr>
-                </a:solidFill>
-                <a:ea typeface="Microsoft Sans Serif"/>
-                <a:cs typeface="Microsoft Sans Serif"/>
-              </a:rPr>
-              <a:t> </a:t>
-            </a:r>
-            <a:r>
-              <a:rPr lang="en-US" b="1" dirty="0" err="1">
-                <a:solidFill>
-                  <a:srgbClr val="242E41">
-                    <a:alpha val="77000"/>
-                  </a:srgbClr>
-                </a:solidFill>
-                <a:ea typeface="Microsoft Sans Serif"/>
-                <a:cs typeface="Microsoft Sans Serif"/>
-              </a:rPr>
-              <a:t>לאירועים</a:t>
-            </a:r>
-            <a:r>
-              <a:rPr lang="en-US" b="1" dirty="0">
-                <a:solidFill>
-                  <a:srgbClr val="242E41">
-                    <a:alpha val="77000"/>
-                  </a:srgbClr>
-                </a:solidFill>
-                <a:ea typeface="Microsoft Sans Serif"/>
-                <a:cs typeface="Microsoft Sans Serif"/>
-              </a:rPr>
-              <a:t> </a:t>
-            </a:r>
-            <a:r>
-              <a:rPr lang="en-US" b="1" dirty="0" err="1">
-                <a:solidFill>
-                  <a:srgbClr val="242E41">
-                    <a:alpha val="77000"/>
-                  </a:srgbClr>
-                </a:solidFill>
-                <a:ea typeface="Microsoft Sans Serif"/>
-                <a:cs typeface="Microsoft Sans Serif"/>
-              </a:rPr>
-              <a:t>מהלקוחות</a:t>
-            </a:r>
-            <a:r>
-              <a:rPr lang="en-US" b="1" dirty="0">
-                <a:solidFill>
-                  <a:srgbClr val="242E41">
-                    <a:alpha val="77000"/>
-                  </a:srgbClr>
-                </a:solidFill>
-                <a:ea typeface="Microsoft Sans Serif"/>
-                <a:cs typeface="Microsoft Sans Serif"/>
-              </a:rPr>
-              <a:t> </a:t>
-            </a:r>
-            <a:r>
-              <a:rPr lang="en-US" b="1" dirty="0" err="1">
-                <a:solidFill>
-                  <a:srgbClr val="242E41">
-                    <a:alpha val="77000"/>
-                  </a:srgbClr>
-                </a:solidFill>
-                <a:ea typeface="Microsoft Sans Serif"/>
-                <a:cs typeface="Microsoft Sans Serif"/>
-              </a:rPr>
-              <a:t>הקיימים</a:t>
-            </a:r>
-            <a:r>
-              <a:rPr lang="en-US" b="1" dirty="0">
-                <a:solidFill>
-                  <a:srgbClr val="242E41">
-                    <a:alpha val="77000"/>
-                  </a:srgbClr>
-                </a:solidFill>
-                <a:ea typeface="Microsoft Sans Serif"/>
-                <a:cs typeface="Microsoft Sans Serif"/>
-              </a:rPr>
-              <a:t>.</a:t>
-            </a:r>
-            <a:endParaRPr lang="en-US" b="1" dirty="0">
-              <a:solidFill>
-                <a:srgbClr val="242E41">
-                  <a:alpha val="77000"/>
-                </a:srgbClr>
-              </a:solidFill>
-            </a:endParaRPr>
-          </a:p>
-        </p:txBody>
-      </p:sp>
-      <p:pic>
-        <p:nvPicPr>
-          <p:cNvPr id="7" name="Picture 6">
-            <a:extLst>
-              <a:ext uri="{FF2B5EF4-FFF2-40B4-BE49-F238E27FC236}">
-                <a16:creationId xmlns:a16="http://schemas.microsoft.com/office/drawing/2014/main" id="{B38199C4-547D-B21A-3B06-FB57C97E15EA}"/>
-              </a:ext>
-            </a:extLst>
-          </p:cNvPr>
-          <p:cNvPicPr>
-            <a:picLocks noChangeAspect="1"/>
-          </p:cNvPicPr>
-          <p:nvPr/>
-        </p:nvPicPr>
-        <p:blipFill>
-          <a:blip r:embed="rId2"/>
-          <a:stretch>
-            <a:fillRect/>
-          </a:stretch>
-        </p:blipFill>
-        <p:spPr>
-          <a:xfrm>
-            <a:off x="1475096" y="2045767"/>
-            <a:ext cx="6257925" cy="647700"/>
-          </a:xfrm>
-          <a:prstGeom prst="rect">
-            <a:avLst/>
-          </a:prstGeom>
-        </p:spPr>
-      </p:pic>
-      <p:sp>
-        <p:nvSpPr>
-          <p:cNvPr id="4" name="Rectangle 3">
-            <a:extLst>
-              <a:ext uri="{FF2B5EF4-FFF2-40B4-BE49-F238E27FC236}">
-                <a16:creationId xmlns:a16="http://schemas.microsoft.com/office/drawing/2014/main" id="{1B681C9B-7FC8-F811-059B-8C4404690AA1}"/>
-              </a:ext>
-            </a:extLst>
-          </p:cNvPr>
-          <p:cNvSpPr/>
-          <p:nvPr/>
-        </p:nvSpPr>
-        <p:spPr>
-          <a:xfrm>
-            <a:off x="1398953" y="4554413"/>
-            <a:ext cx="1992922" cy="1084384"/>
-          </a:xfrm>
-          <a:prstGeom prst="rect">
-            <a:avLst/>
-          </a:prstGeom>
-          <a:solidFill>
-            <a:schemeClr val="accent6">
-              <a:lumMod val="75000"/>
-            </a:schemeClr>
-          </a:solidFill>
-        </p:spPr>
-        <p:style>
-          <a:lnRef idx="2">
-            <a:schemeClr val="accent1">
-              <a:shade val="50000"/>
-            </a:schemeClr>
-          </a:lnRef>
-          <a:fillRef idx="1">
-            <a:schemeClr val="accent1"/>
-          </a:fillRef>
-          <a:effectRef idx="0">
-            <a:schemeClr val="accent1"/>
-          </a:effectRef>
-          <a:fontRef idx="minor">
-            <a:schemeClr val="lt1"/>
-          </a:fontRef>
-        </p:style>
-        <p:txBody>
-          <a:bodyPr rtlCol="0" anchor="ctr"/>
-          <a:lstStyle/>
-          <a:p>
-            <a:pPr algn="ctr"/>
-            <a:r>
-              <a:rPr lang="en-US"/>
-              <a:t>main</a:t>
-            </a:r>
-          </a:p>
-        </p:txBody>
-      </p:sp>
-      <p:sp>
-        <p:nvSpPr>
-          <p:cNvPr id="5" name="Rectangle 4">
-            <a:extLst>
-              <a:ext uri="{FF2B5EF4-FFF2-40B4-BE49-F238E27FC236}">
-                <a16:creationId xmlns:a16="http://schemas.microsoft.com/office/drawing/2014/main" id="{075BF170-52F2-FC28-B802-658539EE2BC0}"/>
-              </a:ext>
-            </a:extLst>
-          </p:cNvPr>
-          <p:cNvSpPr/>
-          <p:nvPr/>
-        </p:nvSpPr>
-        <p:spPr>
-          <a:xfrm>
-            <a:off x="4788876" y="4173413"/>
-            <a:ext cx="2696305" cy="381000"/>
-          </a:xfrm>
-          <a:prstGeom prst="rect">
-            <a:avLst/>
-          </a:prstGeom>
-          <a:solidFill>
-            <a:schemeClr val="accent6">
-              <a:lumMod val="75000"/>
-            </a:schemeClr>
-          </a:solidFill>
-        </p:spPr>
-        <p:style>
-          <a:lnRef idx="2">
-            <a:schemeClr val="accent1">
-              <a:shade val="50000"/>
-            </a:schemeClr>
-          </a:lnRef>
-          <a:fillRef idx="1">
-            <a:schemeClr val="accent1"/>
-          </a:fillRef>
-          <a:effectRef idx="0">
-            <a:schemeClr val="accent1"/>
-          </a:effectRef>
-          <a:fontRef idx="minor">
-            <a:schemeClr val="lt1"/>
-          </a:fontRef>
-        </p:style>
-        <p:txBody>
-          <a:bodyPr lIns="91440" tIns="45720" rIns="91440" bIns="45720" rtlCol="0" anchor="ctr"/>
-          <a:lstStyle/>
-          <a:p>
-            <a:pPr algn="ctr"/>
-            <a:r>
-              <a:rPr lang="en-US"/>
-              <a:t>FD = 0 (New Client)</a:t>
-            </a:r>
-          </a:p>
-        </p:txBody>
-      </p:sp>
-      <p:sp>
-        <p:nvSpPr>
-          <p:cNvPr id="6" name="Rectangle 5">
-            <a:extLst>
-              <a:ext uri="{FF2B5EF4-FFF2-40B4-BE49-F238E27FC236}">
-                <a16:creationId xmlns:a16="http://schemas.microsoft.com/office/drawing/2014/main" id="{43D43EB5-39F1-6D1E-F6D5-8450E08C34E3}"/>
-              </a:ext>
-            </a:extLst>
-          </p:cNvPr>
-          <p:cNvSpPr/>
-          <p:nvPr/>
-        </p:nvSpPr>
-        <p:spPr>
-          <a:xfrm>
-            <a:off x="4788876" y="4554413"/>
-            <a:ext cx="2696305" cy="381000"/>
-          </a:xfrm>
-          <a:prstGeom prst="rect">
-            <a:avLst/>
-          </a:prstGeom>
-          <a:solidFill>
-            <a:schemeClr val="accent6">
-              <a:lumMod val="75000"/>
-            </a:schemeClr>
-          </a:solidFill>
-        </p:spPr>
-        <p:style>
-          <a:lnRef idx="2">
-            <a:schemeClr val="accent1">
-              <a:shade val="50000"/>
-            </a:schemeClr>
-          </a:lnRef>
-          <a:fillRef idx="1">
-            <a:schemeClr val="accent1"/>
-          </a:fillRef>
-          <a:effectRef idx="0">
-            <a:schemeClr val="accent1"/>
-          </a:effectRef>
-          <a:fontRef idx="minor">
-            <a:schemeClr val="lt1"/>
-          </a:fontRef>
-        </p:style>
-        <p:txBody>
-          <a:bodyPr lIns="91440" tIns="45720" rIns="91440" bIns="45720" rtlCol="0" anchor="ctr"/>
-          <a:lstStyle/>
-          <a:p>
-            <a:pPr algn="ctr"/>
-            <a:r>
-              <a:rPr lang="en-US"/>
-              <a:t>FD = 1 (Client #1 Msg)</a:t>
-            </a:r>
-          </a:p>
-        </p:txBody>
-      </p:sp>
-      <p:sp>
-        <p:nvSpPr>
-          <p:cNvPr id="8" name="Rectangle 7">
-            <a:extLst>
-              <a:ext uri="{FF2B5EF4-FFF2-40B4-BE49-F238E27FC236}">
-                <a16:creationId xmlns:a16="http://schemas.microsoft.com/office/drawing/2014/main" id="{F2387463-1A0A-7A7F-4F53-A8B5B1EDB291}"/>
-              </a:ext>
-            </a:extLst>
-          </p:cNvPr>
-          <p:cNvSpPr/>
-          <p:nvPr/>
-        </p:nvSpPr>
-        <p:spPr>
-          <a:xfrm>
-            <a:off x="4788876" y="4935412"/>
-            <a:ext cx="2696305" cy="381000"/>
-          </a:xfrm>
-          <a:prstGeom prst="rect">
-            <a:avLst/>
-          </a:prstGeom>
-          <a:solidFill>
-            <a:schemeClr val="accent6">
-              <a:lumMod val="75000"/>
-            </a:schemeClr>
-          </a:solidFill>
-        </p:spPr>
-        <p:style>
-          <a:lnRef idx="2">
-            <a:schemeClr val="accent1">
-              <a:shade val="50000"/>
-            </a:schemeClr>
-          </a:lnRef>
-          <a:fillRef idx="1">
-            <a:schemeClr val="accent1"/>
-          </a:fillRef>
-          <a:effectRef idx="0">
-            <a:schemeClr val="accent1"/>
-          </a:effectRef>
-          <a:fontRef idx="minor">
-            <a:schemeClr val="lt1"/>
-          </a:fontRef>
-        </p:style>
-        <p:txBody>
-          <a:bodyPr lIns="91440" tIns="45720" rIns="91440" bIns="45720" rtlCol="0" anchor="ctr"/>
-          <a:lstStyle/>
-          <a:p>
-            <a:pPr algn="ctr"/>
-            <a:r>
-              <a:rPr lang="en-US"/>
-              <a:t>FD = 2 (Client #2 Msg)</a:t>
-            </a:r>
-          </a:p>
-        </p:txBody>
-      </p:sp>
-      <p:sp>
-        <p:nvSpPr>
-          <p:cNvPr id="9" name="Rectangle 8">
-            <a:extLst>
-              <a:ext uri="{FF2B5EF4-FFF2-40B4-BE49-F238E27FC236}">
-                <a16:creationId xmlns:a16="http://schemas.microsoft.com/office/drawing/2014/main" id="{FA1C1481-C4D1-3422-FFE7-3244C2535776}"/>
-              </a:ext>
-            </a:extLst>
-          </p:cNvPr>
-          <p:cNvSpPr/>
-          <p:nvPr/>
-        </p:nvSpPr>
-        <p:spPr>
-          <a:xfrm>
-            <a:off x="4788876" y="5316412"/>
-            <a:ext cx="2696305" cy="381000"/>
-          </a:xfrm>
-          <a:prstGeom prst="rect">
-            <a:avLst/>
-          </a:prstGeom>
-          <a:solidFill>
-            <a:schemeClr val="accent6">
-              <a:lumMod val="75000"/>
-            </a:schemeClr>
-          </a:solidFill>
-        </p:spPr>
-        <p:style>
-          <a:lnRef idx="2">
-            <a:schemeClr val="accent1">
-              <a:shade val="50000"/>
-            </a:schemeClr>
-          </a:lnRef>
-          <a:fillRef idx="1">
-            <a:schemeClr val="accent1"/>
-          </a:fillRef>
-          <a:effectRef idx="0">
-            <a:schemeClr val="accent1"/>
-          </a:effectRef>
-          <a:fontRef idx="minor">
-            <a:schemeClr val="lt1"/>
-          </a:fontRef>
-        </p:style>
-        <p:txBody>
-          <a:bodyPr lIns="91440" tIns="45720" rIns="91440" bIns="45720" rtlCol="0" anchor="ctr"/>
-          <a:lstStyle/>
-          <a:p>
-            <a:pPr algn="ctr"/>
-            <a:r>
-              <a:rPr lang="en-US"/>
-              <a:t>...</a:t>
-            </a:r>
-          </a:p>
-        </p:txBody>
-      </p:sp>
-      <p:sp>
-        <p:nvSpPr>
-          <p:cNvPr id="10" name="Arrow: Right 9">
-            <a:extLst>
-              <a:ext uri="{FF2B5EF4-FFF2-40B4-BE49-F238E27FC236}">
-                <a16:creationId xmlns:a16="http://schemas.microsoft.com/office/drawing/2014/main" id="{5ECFF36A-0449-5774-E082-4542B727588F}"/>
-              </a:ext>
-            </a:extLst>
-          </p:cNvPr>
-          <p:cNvSpPr/>
-          <p:nvPr/>
-        </p:nvSpPr>
-        <p:spPr>
-          <a:xfrm>
-            <a:off x="3629747" y="4550712"/>
-            <a:ext cx="976923" cy="488461"/>
-          </a:xfrm>
-          <a:prstGeom prst="rightArrow">
-            <a:avLst/>
-          </a:prstGeom>
-          <a:solidFill>
-            <a:schemeClr val="accent6">
-              <a:lumMod val="75000"/>
-            </a:schemeClr>
-          </a:solidFill>
-        </p:spPr>
-        <p:style>
-          <a:lnRef idx="2">
-            <a:schemeClr val="accent1">
-              <a:shade val="50000"/>
-            </a:schemeClr>
-          </a:lnRef>
-          <a:fillRef idx="1">
-            <a:schemeClr val="accent1"/>
-          </a:fillRef>
-          <a:effectRef idx="0">
-            <a:schemeClr val="accent1"/>
-          </a:effectRef>
-          <a:fontRef idx="minor">
-            <a:schemeClr val="lt1"/>
-          </a:fontRef>
-        </p:style>
-        <p:txBody>
-          <a:bodyPr rtlCol="0" anchor="ctr"/>
-          <a:lstStyle/>
-          <a:p>
-            <a:pPr algn="ctr"/>
-            <a:r>
-              <a:rPr lang="en-US"/>
-              <a:t>poll</a:t>
-            </a:r>
-          </a:p>
-        </p:txBody>
-      </p:sp>
-      <p:sp>
-        <p:nvSpPr>
-          <p:cNvPr id="11" name="Right Brace 10">
-            <a:extLst>
-              <a:ext uri="{FF2B5EF4-FFF2-40B4-BE49-F238E27FC236}">
-                <a16:creationId xmlns:a16="http://schemas.microsoft.com/office/drawing/2014/main" id="{4395F9CF-C028-86F8-6FCE-10227CCA2D03}"/>
-              </a:ext>
-            </a:extLst>
-          </p:cNvPr>
-          <p:cNvSpPr/>
-          <p:nvPr/>
-        </p:nvSpPr>
-        <p:spPr>
-          <a:xfrm>
-            <a:off x="7671716" y="4263780"/>
-            <a:ext cx="429845" cy="1406768"/>
-          </a:xfrm>
-          <a:prstGeom prst="rightBrace">
-            <a:avLst/>
-          </a:prstGeom>
-        </p:spPr>
-        <p:style>
-          <a:lnRef idx="1">
-            <a:schemeClr val="accent1"/>
-          </a:lnRef>
-          <a:fillRef idx="0">
-            <a:schemeClr val="accent1"/>
-          </a:fillRef>
-          <a:effectRef idx="0">
-            <a:schemeClr val="accent1"/>
-          </a:effectRef>
-          <a:fontRef idx="minor">
-            <a:schemeClr val="tx1"/>
-          </a:fontRef>
-        </p:style>
-        <p:txBody>
-          <a:bodyPr rtlCol="0" anchor="ctr"/>
-          <a:lstStyle/>
-          <a:p>
-            <a:pPr algn="ctr"/>
-            <a:endParaRPr lang="en-US"/>
-          </a:p>
-        </p:txBody>
-      </p:sp>
-      <p:sp>
-        <p:nvSpPr>
-          <p:cNvPr id="12" name="TextBox 11">
-            <a:extLst>
-              <a:ext uri="{FF2B5EF4-FFF2-40B4-BE49-F238E27FC236}">
-                <a16:creationId xmlns:a16="http://schemas.microsoft.com/office/drawing/2014/main" id="{C55C4922-1A5D-E4EE-02CB-3628338141B0}"/>
-              </a:ext>
-            </a:extLst>
-          </p:cNvPr>
-          <p:cNvSpPr txBox="1"/>
-          <p:nvPr/>
-        </p:nvSpPr>
-        <p:spPr>
-          <a:xfrm>
-            <a:off x="8157307" y="4747845"/>
-            <a:ext cx="742461" cy="369332"/>
-          </a:xfrm>
-          <a:prstGeom prst="rect">
-            <a:avLst/>
-          </a:prstGeom>
-          <a:noFill/>
-        </p:spPr>
-        <p:txBody>
-          <a:bodyPr rot="0" spcFirstLastPara="0" vertOverflow="overflow" horzOverflow="overflow" vert="horz" wrap="square" lIns="91440" tIns="45720" rIns="91440" bIns="45720" numCol="1" spcCol="0" rtlCol="0" fromWordArt="0" anchor="t" anchorCtr="0" forceAA="0" compatLnSpc="1">
-            <a:prstTxWarp prst="textNoShape">
-              <a:avLst/>
-            </a:prstTxWarp>
-            <a:spAutoFit/>
-          </a:bodyPr>
-          <a:lstStyle/>
-          <a:p>
-            <a:pPr algn="l"/>
-            <a:r>
-              <a:rPr lang="en-US" b="1" i="1" err="1"/>
-              <a:t>nfds</a:t>
-            </a:r>
-            <a:endParaRPr lang="en-US" b="1" i="1"/>
-          </a:p>
-        </p:txBody>
-      </p:sp>
-      <p:sp>
-        <p:nvSpPr>
-          <p:cNvPr id="13" name="Arrow: Right 12">
-            <a:extLst>
-              <a:ext uri="{FF2B5EF4-FFF2-40B4-BE49-F238E27FC236}">
-                <a16:creationId xmlns:a16="http://schemas.microsoft.com/office/drawing/2014/main" id="{7A8A734A-EEC2-E79F-2DA7-D5BB025C4D3A}"/>
-              </a:ext>
-            </a:extLst>
-          </p:cNvPr>
-          <p:cNvSpPr/>
-          <p:nvPr/>
-        </p:nvSpPr>
-        <p:spPr>
-          <a:xfrm flipH="1">
-            <a:off x="3492978" y="5312711"/>
-            <a:ext cx="1113692" cy="253999"/>
-          </a:xfrm>
-          <a:prstGeom prst="rightArrow">
-            <a:avLst/>
-          </a:prstGeom>
-          <a:solidFill>
-            <a:schemeClr val="accent6">
-              <a:lumMod val="75000"/>
-            </a:schemeClr>
-          </a:solidFill>
-        </p:spPr>
-        <p:style>
-          <a:lnRef idx="2">
-            <a:schemeClr val="accent1">
-              <a:shade val="50000"/>
-            </a:schemeClr>
-          </a:lnRef>
-          <a:fillRef idx="1">
-            <a:schemeClr val="accent1"/>
-          </a:fillRef>
-          <a:effectRef idx="0">
-            <a:schemeClr val="accent1"/>
-          </a:effectRef>
-          <a:fontRef idx="minor">
-            <a:schemeClr val="lt1"/>
-          </a:fontRef>
-        </p:style>
-        <p:txBody>
-          <a:bodyPr lIns="91440" tIns="45720" rIns="91440" bIns="45720" rtlCol="0" anchor="ctr"/>
-          <a:lstStyle/>
-          <a:p>
-            <a:pPr algn="ctr"/>
-            <a:endParaRPr lang="en-US"/>
-          </a:p>
-        </p:txBody>
-      </p:sp>
-      <p:sp>
-        <p:nvSpPr>
-          <p:cNvPr id="14" name="TextBox 13">
-            <a:extLst>
-              <a:ext uri="{FF2B5EF4-FFF2-40B4-BE49-F238E27FC236}">
-                <a16:creationId xmlns:a16="http://schemas.microsoft.com/office/drawing/2014/main" id="{8855976E-86D1-3187-BED4-D4941D6A0166}"/>
-              </a:ext>
-            </a:extLst>
-          </p:cNvPr>
-          <p:cNvSpPr txBox="1"/>
-          <p:nvPr/>
-        </p:nvSpPr>
-        <p:spPr>
-          <a:xfrm>
-            <a:off x="5851768" y="3770921"/>
-            <a:ext cx="742461" cy="369332"/>
-          </a:xfrm>
-          <a:prstGeom prst="rect">
-            <a:avLst/>
-          </a:prstGeom>
-          <a:noFill/>
-        </p:spPr>
-        <p:txBody>
-          <a:bodyPr rot="0" spcFirstLastPara="0" vertOverflow="overflow" horzOverflow="overflow" vert="horz" wrap="square" lIns="91440" tIns="45720" rIns="91440" bIns="45720" numCol="1" spcCol="0" rtlCol="0" fromWordArt="0" anchor="t" anchorCtr="0" forceAA="0" compatLnSpc="1">
-            <a:prstTxWarp prst="textNoShape">
-              <a:avLst/>
-            </a:prstTxWarp>
-            <a:spAutoFit/>
-          </a:bodyPr>
-          <a:lstStyle/>
-          <a:p>
-            <a:pPr algn="l"/>
-            <a:r>
-              <a:rPr lang="en-US" b="1" i="1" err="1"/>
-              <a:t>fds</a:t>
-            </a:r>
-          </a:p>
-        </p:txBody>
-      </p:sp>
-      <p:sp>
-        <p:nvSpPr>
-          <p:cNvPr id="15" name="TextBox 14">
-            <a:extLst>
-              <a:ext uri="{FF2B5EF4-FFF2-40B4-BE49-F238E27FC236}">
-                <a16:creationId xmlns:a16="http://schemas.microsoft.com/office/drawing/2014/main" id="{353EB30B-3EF9-048E-B634-37B15D2C22E1}"/>
-              </a:ext>
-            </a:extLst>
-          </p:cNvPr>
-          <p:cNvSpPr txBox="1"/>
-          <p:nvPr/>
-        </p:nvSpPr>
-        <p:spPr>
-          <a:xfrm>
-            <a:off x="3634152" y="5070228"/>
-            <a:ext cx="1084384" cy="369332"/>
-          </a:xfrm>
-          <a:prstGeom prst="rect">
-            <a:avLst/>
-          </a:prstGeom>
-          <a:noFill/>
-        </p:spPr>
-        <p:txBody>
-          <a:bodyPr rot="0" spcFirstLastPara="0" vertOverflow="overflow" horzOverflow="overflow" vert="horz" wrap="square" lIns="91440" tIns="45720" rIns="91440" bIns="45720" numCol="1" spcCol="0" rtlCol="0" fromWordArt="0" anchor="t" anchorCtr="0" forceAA="0" compatLnSpc="1">
-            <a:prstTxWarp prst="textNoShape">
-              <a:avLst/>
-            </a:prstTxWarp>
-            <a:spAutoFit/>
-          </a:bodyPr>
-          <a:lstStyle/>
-          <a:p>
-            <a:pPr algn="l"/>
-            <a:r>
-              <a:rPr lang="en-US" b="1" i="1"/>
-              <a:t>timeout</a:t>
-            </a:r>
-          </a:p>
-        </p:txBody>
-      </p:sp>
-    </p:spTree>
-    <p:extLst>
-      <p:ext uri="{BB962C8B-B14F-4D97-AF65-F5344CB8AC3E}">
-        <p14:creationId xmlns:p14="http://schemas.microsoft.com/office/powerpoint/2010/main" val="1419595654"/>
-      </p:ext>
-    </p:extLst>
-  </p:cSld>
-  <p:clrMapOvr>
-    <a:masterClrMapping/>
-  </p:clrMapOvr>
-</p:sld>
-</file>
-
-<file path=ppt/slides/slide11.xml><?xml version="1.0" encoding="utf-8"?>
 <p:sld xmlns:a="http://schemas.openxmlformats.org/drawingml/2006/main" xmlns:r="http://schemas.openxmlformats.org/officeDocument/2006/relationships" xmlns:p="http://schemas.openxmlformats.org/presentationml/2006/main">
   <p:cSld>
     <p:spTree>
@@ -7627,10 +6182,1484 @@
           </a:p>
         </p:txBody>
       </p:sp>
+      <p:pic>
+        <p:nvPicPr>
+          <p:cNvPr id="10" name="Picture 9">
+            <a:extLst>
+              <a:ext uri="{FF2B5EF4-FFF2-40B4-BE49-F238E27FC236}">
+                <a16:creationId xmlns:a16="http://schemas.microsoft.com/office/drawing/2014/main" id="{51B1A27B-F194-ED6D-F176-1BB4CAEC3BF6}"/>
+              </a:ext>
+            </a:extLst>
+          </p:cNvPr>
+          <p:cNvPicPr>
+            <a:picLocks noChangeAspect="1"/>
+          </p:cNvPicPr>
+          <p:nvPr/>
+        </p:nvPicPr>
+        <p:blipFill>
+          <a:blip r:embed="rId3"/>
+          <a:stretch>
+            <a:fillRect/>
+          </a:stretch>
+        </p:blipFill>
+        <p:spPr>
+          <a:xfrm>
+            <a:off x="1612181" y="4980918"/>
+            <a:ext cx="4076700" cy="1247775"/>
+          </a:xfrm>
+          <a:prstGeom prst="rect">
+            <a:avLst/>
+          </a:prstGeom>
+        </p:spPr>
+      </p:pic>
+      <p:pic>
+        <p:nvPicPr>
+          <p:cNvPr id="14" name="Picture 13">
+            <a:extLst>
+              <a:ext uri="{FF2B5EF4-FFF2-40B4-BE49-F238E27FC236}">
+                <a16:creationId xmlns:a16="http://schemas.microsoft.com/office/drawing/2014/main" id="{4A787DE9-C6B7-9BF8-4ACD-AE9B1E7F6045}"/>
+              </a:ext>
+            </a:extLst>
+          </p:cNvPr>
+          <p:cNvPicPr>
+            <a:picLocks noChangeAspect="1"/>
+          </p:cNvPicPr>
+          <p:nvPr/>
+        </p:nvPicPr>
+        <p:blipFill>
+          <a:blip r:embed="rId4"/>
+          <a:stretch>
+            <a:fillRect/>
+          </a:stretch>
+        </p:blipFill>
+        <p:spPr>
+          <a:xfrm>
+            <a:off x="5432487" y="5800068"/>
+            <a:ext cx="3067050" cy="857250"/>
+          </a:xfrm>
+          <a:prstGeom prst="rect">
+            <a:avLst/>
+          </a:prstGeom>
+        </p:spPr>
+      </p:pic>
     </p:spTree>
     <p:extLst>
       <p:ext uri="{BB962C8B-B14F-4D97-AF65-F5344CB8AC3E}">
         <p14:creationId xmlns:p14="http://schemas.microsoft.com/office/powerpoint/2010/main" val="1699122070"/>
+      </p:ext>
+    </p:extLst>
+  </p:cSld>
+  <p:clrMapOvr>
+    <a:masterClrMapping/>
+  </p:clrMapOvr>
+</p:sld>
+</file>
+
+<file path=ppt/slides/slide11.xml><?xml version="1.0" encoding="utf-8"?>
+<p:sld xmlns:a="http://schemas.openxmlformats.org/drawingml/2006/main" xmlns:r="http://schemas.openxmlformats.org/officeDocument/2006/relationships" xmlns:p="http://schemas.openxmlformats.org/presentationml/2006/main">
+  <p:cSld>
+    <p:spTree>
+      <p:nvGrpSpPr>
+        <p:cNvPr id="1" name=""/>
+        <p:cNvGrpSpPr/>
+        <p:nvPr/>
+      </p:nvGrpSpPr>
+      <p:grpSpPr>
+        <a:xfrm>
+          <a:off x="0" y="0"/>
+          <a:ext cx="0" cy="0"/>
+          <a:chOff x="0" y="0"/>
+          <a:chExt cx="0" cy="0"/>
+        </a:xfrm>
+      </p:grpSpPr>
+      <p:sp>
+        <p:nvSpPr>
+          <p:cNvPr id="2" name="Title 1">
+            <a:extLst>
+              <a:ext uri="{FF2B5EF4-FFF2-40B4-BE49-F238E27FC236}">
+                <a16:creationId xmlns:a16="http://schemas.microsoft.com/office/drawing/2014/main" id="{31788AEA-EDA4-A079-31B3-3ACA75F984AE}"/>
+              </a:ext>
+            </a:extLst>
+          </p:cNvPr>
+          <p:cNvSpPr>
+            <a:spLocks noGrp="1"/>
+          </p:cNvSpPr>
+          <p:nvPr>
+            <p:ph type="title"/>
+          </p:nvPr>
+        </p:nvSpPr>
+        <p:spPr/>
+        <p:txBody>
+          <a:bodyPr/>
+          <a:lstStyle/>
+          <a:p>
+            <a:r>
+              <a:rPr lang="en-US"/>
+              <a:t>Poll</a:t>
+            </a:r>
+            <a:endParaRPr lang="en-IL"/>
+          </a:p>
+        </p:txBody>
+      </p:sp>
+      <p:sp>
+        <p:nvSpPr>
+          <p:cNvPr id="3" name="Content Placeholder 2">
+            <a:extLst>
+              <a:ext uri="{FF2B5EF4-FFF2-40B4-BE49-F238E27FC236}">
+                <a16:creationId xmlns:a16="http://schemas.microsoft.com/office/drawing/2014/main" id="{32DF80F9-448F-4708-4524-123F6B2F1424}"/>
+              </a:ext>
+            </a:extLst>
+          </p:cNvPr>
+          <p:cNvSpPr>
+            <a:spLocks noGrp="1"/>
+          </p:cNvSpPr>
+          <p:nvPr>
+            <p:ph idx="1"/>
+          </p:nvPr>
+        </p:nvSpPr>
+        <p:spPr>
+          <a:xfrm>
+            <a:off x="1333732" y="1454406"/>
+            <a:ext cx="10406063" cy="2578100"/>
+          </a:xfrm>
+        </p:spPr>
+        <p:txBody>
+          <a:bodyPr vert="horz" lIns="0" tIns="0" rIns="0" bIns="0" rtlCol="0" anchor="t">
+            <a:noAutofit/>
+          </a:bodyPr>
+          <a:lstStyle/>
+          <a:p>
+            <a:pPr marL="359410" indent="-359410" algn="r" rtl="1"/>
+            <a:r>
+              <a:rPr lang="he-IL" dirty="0">
+                <a:ea typeface="Microsoft Sans Serif"/>
+                <a:cs typeface="Microsoft Sans Serif"/>
+              </a:rPr>
+              <a:t>עבור </a:t>
+            </a:r>
+            <a:r>
+              <a:rPr lang="en-US" dirty="0">
+                <a:ea typeface="Microsoft Sans Serif"/>
+                <a:cs typeface="Microsoft Sans Serif"/>
+              </a:rPr>
+              <a:t>poll</a:t>
+            </a:r>
+            <a:r>
+              <a:rPr lang="he-IL" dirty="0">
+                <a:ea typeface="Microsoft Sans Serif"/>
+                <a:cs typeface="Microsoft Sans Serif"/>
+              </a:rPr>
+              <a:t> נעביר מערך של אובייקטים המייצגים איזה </a:t>
+            </a:r>
+            <a:r>
+              <a:rPr lang="en-US" dirty="0" err="1">
+                <a:ea typeface="Microsoft Sans Serif"/>
+                <a:cs typeface="Microsoft Sans Serif"/>
+              </a:rPr>
+              <a:t>fd</a:t>
+            </a:r>
+            <a:r>
+              <a:rPr lang="he-IL" dirty="0">
+                <a:ea typeface="Microsoft Sans Serif"/>
+                <a:cs typeface="Microsoft Sans Serif"/>
+              </a:rPr>
+              <a:t> אנחנו רוצים לנטר ועבור איזה אירועים</a:t>
+            </a:r>
+            <a:endParaRPr lang="en-US" dirty="0">
+              <a:ea typeface="Microsoft Sans Serif"/>
+              <a:cs typeface="Microsoft Sans Serif"/>
+            </a:endParaRPr>
+          </a:p>
+          <a:p>
+            <a:pPr marL="359410" indent="-359410" algn="r" rtl="1"/>
+            <a:endParaRPr lang="he-IL" dirty="0">
+              <a:solidFill>
+                <a:srgbClr val="242E41">
+                  <a:alpha val="77000"/>
+                </a:srgbClr>
+              </a:solidFill>
+            </a:endParaRPr>
+          </a:p>
+          <a:p>
+            <a:pPr marL="359410" indent="-359410" algn="r" rtl="1"/>
+            <a:endParaRPr lang="he-IL" dirty="0">
+              <a:solidFill>
+                <a:srgbClr val="242E41">
+                  <a:alpha val="77000"/>
+                </a:srgbClr>
+              </a:solidFill>
+            </a:endParaRPr>
+          </a:p>
+          <a:p>
+            <a:pPr marL="359410" indent="-359410" algn="r" rtl="1"/>
+            <a:r>
+              <a:rPr lang="he-IL" dirty="0">
+                <a:ea typeface="Microsoft Sans Serif"/>
+                <a:cs typeface="Microsoft Sans Serif"/>
+              </a:rPr>
+              <a:t>ולאחר כמה זמן נבצע </a:t>
+            </a:r>
+            <a:r>
+              <a:rPr lang="en-US" dirty="0">
+                <a:ea typeface="Microsoft Sans Serif"/>
+                <a:cs typeface="Microsoft Sans Serif"/>
+              </a:rPr>
+              <a:t>timeout</a:t>
+            </a:r>
+            <a:r>
+              <a:rPr lang="he-IL" dirty="0">
+                <a:ea typeface="Microsoft Sans Serif"/>
+                <a:cs typeface="Microsoft Sans Serif"/>
+              </a:rPr>
+              <a:t> אם לא הייתה פעילות באף אחד מהfd המואזנים.</a:t>
+            </a:r>
+            <a:endParaRPr lang="he-IL" dirty="0">
+              <a:solidFill>
+                <a:srgbClr val="242E41">
+                  <a:alpha val="77000"/>
+                </a:srgbClr>
+              </a:solidFill>
+              <a:ea typeface="Microsoft Sans Serif"/>
+              <a:cs typeface="Microsoft Sans Serif"/>
+            </a:endParaRPr>
+          </a:p>
+          <a:p>
+            <a:pPr marL="359410" indent="-359410" algn="r" rtl="1"/>
+            <a:r>
+              <a:rPr lang="he-IL" dirty="0">
+                <a:ea typeface="Microsoft Sans Serif"/>
+                <a:cs typeface="Microsoft Sans Serif"/>
+              </a:rPr>
+              <a:t>באותם אובייקטים גם נקבל את איזה אירועים קפצו ועבור איזה </a:t>
+            </a:r>
+            <a:r>
+              <a:rPr lang="en-US" dirty="0" err="1">
+                <a:ea typeface="Microsoft Sans Serif"/>
+                <a:cs typeface="Microsoft Sans Serif"/>
+              </a:rPr>
+              <a:t>fds</a:t>
+            </a:r>
+            <a:r>
+              <a:rPr lang="en-US" dirty="0">
+                <a:ea typeface="Microsoft Sans Serif"/>
+                <a:cs typeface="Microsoft Sans Serif"/>
+              </a:rPr>
+              <a:t>,</a:t>
+            </a:r>
+            <a:r>
+              <a:rPr lang="he-IL" dirty="0">
+                <a:ea typeface="Microsoft Sans Serif"/>
+                <a:cs typeface="Microsoft Sans Serif"/>
+              </a:rPr>
+              <a:t> </a:t>
+            </a:r>
+            <a:r>
+              <a:rPr lang="en-US" dirty="0" err="1">
+                <a:ea typeface="Microsoft Sans Serif"/>
+                <a:cs typeface="Microsoft Sans Serif"/>
+              </a:rPr>
+              <a:t>כך</a:t>
+            </a:r>
+            <a:r>
+              <a:rPr lang="en-US" dirty="0">
+                <a:ea typeface="Microsoft Sans Serif"/>
+                <a:cs typeface="Microsoft Sans Serif"/>
+              </a:rPr>
+              <a:t> </a:t>
+            </a:r>
+            <a:r>
+              <a:rPr lang="en-US" dirty="0" err="1">
+                <a:ea typeface="Microsoft Sans Serif"/>
+                <a:cs typeface="Microsoft Sans Serif"/>
+              </a:rPr>
+              <a:t>שנוכל</a:t>
+            </a:r>
+            <a:r>
+              <a:rPr lang="en-US" dirty="0">
+                <a:ea typeface="Microsoft Sans Serif"/>
+                <a:cs typeface="Microsoft Sans Serif"/>
+              </a:rPr>
+              <a:t> </a:t>
+            </a:r>
+            <a:r>
+              <a:rPr lang="en-US" dirty="0" err="1">
+                <a:ea typeface="Microsoft Sans Serif"/>
+                <a:cs typeface="Microsoft Sans Serif"/>
+              </a:rPr>
+              <a:t>לחלץ</a:t>
+            </a:r>
+            <a:r>
+              <a:rPr lang="en-US" dirty="0">
+                <a:ea typeface="Microsoft Sans Serif"/>
+                <a:cs typeface="Microsoft Sans Serif"/>
+              </a:rPr>
+              <a:t> </a:t>
+            </a:r>
+            <a:r>
+              <a:rPr lang="en-US" dirty="0" err="1">
+                <a:ea typeface="Microsoft Sans Serif"/>
+                <a:cs typeface="Microsoft Sans Serif"/>
+              </a:rPr>
+              <a:t>את</a:t>
+            </a:r>
+            <a:r>
+              <a:rPr lang="en-US" dirty="0">
+                <a:ea typeface="Microsoft Sans Serif"/>
+                <a:cs typeface="Microsoft Sans Serif"/>
+              </a:rPr>
+              <a:t> </a:t>
+            </a:r>
+            <a:r>
+              <a:rPr lang="en-US" dirty="0" err="1">
+                <a:ea typeface="Microsoft Sans Serif"/>
+                <a:cs typeface="Microsoft Sans Serif"/>
+              </a:rPr>
+              <a:t>המידע</a:t>
+            </a:r>
+            <a:r>
+              <a:rPr lang="en-US" dirty="0">
+                <a:ea typeface="Microsoft Sans Serif"/>
+                <a:cs typeface="Microsoft Sans Serif"/>
+              </a:rPr>
+              <a:t> </a:t>
+            </a:r>
+            <a:r>
+              <a:rPr lang="en-US" dirty="0" err="1">
+                <a:ea typeface="Microsoft Sans Serif"/>
+                <a:cs typeface="Microsoft Sans Serif"/>
+              </a:rPr>
+              <a:t>ולטפל</a:t>
+            </a:r>
+            <a:r>
+              <a:rPr lang="en-US" dirty="0">
+                <a:ea typeface="Microsoft Sans Serif"/>
+                <a:cs typeface="Microsoft Sans Serif"/>
+              </a:rPr>
+              <a:t> </a:t>
+            </a:r>
+            <a:r>
+              <a:rPr lang="en-US" dirty="0" err="1">
+                <a:ea typeface="Microsoft Sans Serif"/>
+                <a:cs typeface="Microsoft Sans Serif"/>
+              </a:rPr>
+              <a:t>באירוע</a:t>
+            </a:r>
+            <a:r>
+              <a:rPr lang="en-US" dirty="0">
+                <a:ea typeface="Microsoft Sans Serif"/>
+                <a:cs typeface="Microsoft Sans Serif"/>
+              </a:rPr>
+              <a:t> </a:t>
+            </a:r>
+            <a:r>
+              <a:rPr lang="en-US" dirty="0" err="1">
+                <a:ea typeface="Microsoft Sans Serif"/>
+                <a:cs typeface="Microsoft Sans Serif"/>
+              </a:rPr>
+              <a:t>המתאים</a:t>
+            </a:r>
+            <a:r>
+              <a:rPr lang="en-US" dirty="0">
+                <a:ea typeface="Microsoft Sans Serif"/>
+                <a:cs typeface="Microsoft Sans Serif"/>
+              </a:rPr>
+              <a:t>.</a:t>
+            </a:r>
+            <a:endParaRPr lang="en-US" dirty="0">
+              <a:solidFill>
+                <a:srgbClr val="242E41">
+                  <a:alpha val="77000"/>
+                </a:srgbClr>
+              </a:solidFill>
+              <a:ea typeface="Microsoft Sans Serif"/>
+              <a:cs typeface="Microsoft Sans Serif"/>
+            </a:endParaRPr>
+          </a:p>
+          <a:p>
+            <a:pPr marL="359410" indent="-359410" algn="r" rtl="1"/>
+            <a:endParaRPr lang="en-US" dirty="0">
+              <a:solidFill>
+                <a:srgbClr val="242E41">
+                  <a:alpha val="77000"/>
+                </a:srgbClr>
+              </a:solidFill>
+              <a:ea typeface="Microsoft Sans Serif"/>
+              <a:cs typeface="Microsoft Sans Serif"/>
+            </a:endParaRPr>
+          </a:p>
+          <a:p>
+            <a:pPr marL="359410" indent="-359410" algn="r" rtl="1"/>
+            <a:endParaRPr lang="en-US" dirty="0">
+              <a:solidFill>
+                <a:srgbClr val="242E41">
+                  <a:alpha val="77000"/>
+                </a:srgbClr>
+              </a:solidFill>
+              <a:ea typeface="Microsoft Sans Serif"/>
+              <a:cs typeface="Microsoft Sans Serif"/>
+            </a:endParaRPr>
+          </a:p>
+          <a:p>
+            <a:pPr marL="359410" indent="-359410" algn="r" rtl="1"/>
+            <a:endParaRPr lang="en-US" dirty="0">
+              <a:solidFill>
+                <a:srgbClr val="242E41">
+                  <a:alpha val="77000"/>
+                </a:srgbClr>
+              </a:solidFill>
+              <a:ea typeface="Microsoft Sans Serif"/>
+              <a:cs typeface="Microsoft Sans Serif"/>
+            </a:endParaRPr>
+          </a:p>
+          <a:p>
+            <a:pPr marL="0" indent="0" algn="r" rtl="1">
+              <a:buNone/>
+            </a:pPr>
+            <a:endParaRPr lang="en-US" dirty="0">
+              <a:solidFill>
+                <a:srgbClr val="242E41">
+                  <a:alpha val="77000"/>
+                </a:srgbClr>
+              </a:solidFill>
+              <a:ea typeface="Microsoft Sans Serif"/>
+              <a:cs typeface="Microsoft Sans Serif"/>
+            </a:endParaRPr>
+          </a:p>
+          <a:p>
+            <a:pPr marL="0" indent="0" algn="r" rtl="1">
+              <a:buNone/>
+            </a:pPr>
+            <a:r>
+              <a:rPr lang="en-US" b="1" dirty="0" err="1">
+                <a:solidFill>
+                  <a:srgbClr val="242E41">
+                    <a:alpha val="77000"/>
+                  </a:srgbClr>
+                </a:solidFill>
+                <a:ea typeface="Microsoft Sans Serif"/>
+                <a:cs typeface="Microsoft Sans Serif"/>
+              </a:rPr>
+              <a:t>נציג</a:t>
+            </a:r>
+            <a:r>
+              <a:rPr lang="en-US" b="1" dirty="0">
+                <a:solidFill>
+                  <a:srgbClr val="242E41">
+                    <a:alpha val="77000"/>
+                  </a:srgbClr>
+                </a:solidFill>
+                <a:ea typeface="Microsoft Sans Serif"/>
+                <a:cs typeface="Microsoft Sans Serif"/>
+              </a:rPr>
+              <a:t> </a:t>
+            </a:r>
+            <a:r>
+              <a:rPr lang="en-US" b="1" dirty="0" err="1">
+                <a:solidFill>
+                  <a:srgbClr val="242E41">
+                    <a:alpha val="77000"/>
+                  </a:srgbClr>
+                </a:solidFill>
+                <a:ea typeface="Microsoft Sans Serif"/>
+                <a:cs typeface="Microsoft Sans Serif"/>
+              </a:rPr>
+              <a:t>דוגמת</a:t>
+            </a:r>
+            <a:r>
+              <a:rPr lang="en-US" b="1" dirty="0">
+                <a:solidFill>
+                  <a:srgbClr val="242E41">
+                    <a:alpha val="77000"/>
+                  </a:srgbClr>
+                </a:solidFill>
+                <a:ea typeface="Microsoft Sans Serif"/>
+                <a:cs typeface="Microsoft Sans Serif"/>
+              </a:rPr>
+              <a:t> </a:t>
+            </a:r>
+            <a:r>
+              <a:rPr lang="en-US" b="1" dirty="0" err="1">
+                <a:solidFill>
+                  <a:srgbClr val="242E41">
+                    <a:alpha val="77000"/>
+                  </a:srgbClr>
+                </a:solidFill>
+                <a:ea typeface="Microsoft Sans Serif"/>
+                <a:cs typeface="Microsoft Sans Serif"/>
+              </a:rPr>
+              <a:t>קוד</a:t>
+            </a:r>
+            <a:r>
+              <a:rPr lang="en-US" b="1" dirty="0">
+                <a:solidFill>
+                  <a:srgbClr val="242E41">
+                    <a:alpha val="77000"/>
+                  </a:srgbClr>
+                </a:solidFill>
+                <a:ea typeface="Microsoft Sans Serif"/>
+                <a:cs typeface="Microsoft Sans Serif"/>
+              </a:rPr>
+              <a:t> </a:t>
+            </a:r>
+            <a:r>
+              <a:rPr lang="en-US" b="1" dirty="0" err="1">
+                <a:solidFill>
+                  <a:srgbClr val="242E41">
+                    <a:alpha val="77000"/>
+                  </a:srgbClr>
+                </a:solidFill>
+                <a:ea typeface="Microsoft Sans Serif"/>
+                <a:cs typeface="Microsoft Sans Serif"/>
+              </a:rPr>
+              <a:t>עבור</a:t>
+            </a:r>
+            <a:r>
+              <a:rPr lang="en-US" b="1" dirty="0">
+                <a:solidFill>
+                  <a:srgbClr val="242E41">
+                    <a:alpha val="77000"/>
+                  </a:srgbClr>
+                </a:solidFill>
+                <a:ea typeface="Microsoft Sans Serif"/>
+                <a:cs typeface="Microsoft Sans Serif"/>
+              </a:rPr>
+              <a:t> </a:t>
+            </a:r>
+            <a:r>
+              <a:rPr lang="en-US" b="1" dirty="0" err="1">
+                <a:solidFill>
+                  <a:srgbClr val="242E41">
+                    <a:alpha val="77000"/>
+                  </a:srgbClr>
+                </a:solidFill>
+                <a:ea typeface="Microsoft Sans Serif"/>
+                <a:cs typeface="Microsoft Sans Serif"/>
+              </a:rPr>
+              <a:t>שרת</a:t>
+            </a:r>
+            <a:r>
+              <a:rPr lang="en-US" b="1" dirty="0">
+                <a:solidFill>
+                  <a:srgbClr val="242E41">
+                    <a:alpha val="77000"/>
+                  </a:srgbClr>
+                </a:solidFill>
+                <a:ea typeface="Microsoft Sans Serif"/>
+                <a:cs typeface="Microsoft Sans Serif"/>
+              </a:rPr>
+              <a:t> </a:t>
+            </a:r>
+            <a:r>
+              <a:rPr lang="en-US" b="1" dirty="0" err="1">
+                <a:solidFill>
+                  <a:srgbClr val="242E41">
+                    <a:alpha val="77000"/>
+                  </a:srgbClr>
+                </a:solidFill>
+                <a:ea typeface="Microsoft Sans Serif"/>
+                <a:cs typeface="Microsoft Sans Serif"/>
+              </a:rPr>
+              <a:t>פשוט</a:t>
+            </a:r>
+            <a:r>
+              <a:rPr lang="en-US" b="1" dirty="0">
+                <a:solidFill>
+                  <a:srgbClr val="242E41">
+                    <a:alpha val="77000"/>
+                  </a:srgbClr>
+                </a:solidFill>
+                <a:ea typeface="Microsoft Sans Serif"/>
+                <a:cs typeface="Microsoft Sans Serif"/>
+              </a:rPr>
+              <a:t> </a:t>
+            </a:r>
+            <a:r>
+              <a:rPr lang="en-US" b="1" dirty="0" err="1">
+                <a:solidFill>
+                  <a:srgbClr val="242E41">
+                    <a:alpha val="77000"/>
+                  </a:srgbClr>
+                </a:solidFill>
+                <a:ea typeface="Microsoft Sans Serif"/>
+                <a:cs typeface="Microsoft Sans Serif"/>
+              </a:rPr>
+              <a:t>שמשתמש</a:t>
+            </a:r>
+            <a:r>
+              <a:rPr lang="en-US" b="1" dirty="0">
+                <a:solidFill>
+                  <a:srgbClr val="242E41">
+                    <a:alpha val="77000"/>
+                  </a:srgbClr>
+                </a:solidFill>
+                <a:ea typeface="Microsoft Sans Serif"/>
+                <a:cs typeface="Microsoft Sans Serif"/>
+              </a:rPr>
+              <a:t> </a:t>
+            </a:r>
+            <a:r>
+              <a:rPr lang="en-US" b="1" dirty="0" err="1">
+                <a:solidFill>
+                  <a:srgbClr val="242E41">
+                    <a:alpha val="77000"/>
+                  </a:srgbClr>
+                </a:solidFill>
+                <a:ea typeface="Microsoft Sans Serif"/>
+                <a:cs typeface="Microsoft Sans Serif"/>
+              </a:rPr>
+              <a:t>בpoll</a:t>
+            </a:r>
+            <a:r>
+              <a:rPr lang="he-IL" b="1" dirty="0">
+                <a:solidFill>
+                  <a:srgbClr val="242E41">
+                    <a:alpha val="77000"/>
+                  </a:srgbClr>
+                </a:solidFill>
+                <a:ea typeface="Microsoft Sans Serif"/>
+                <a:cs typeface="Microsoft Sans Serif"/>
+              </a:rPr>
+              <a:t> </a:t>
+            </a:r>
+            <a:r>
+              <a:rPr lang="en-US" b="1" dirty="0" err="1">
+                <a:solidFill>
+                  <a:srgbClr val="242E41">
+                    <a:alpha val="77000"/>
+                  </a:srgbClr>
+                </a:solidFill>
+                <a:ea typeface="Microsoft Sans Serif"/>
+                <a:cs typeface="Microsoft Sans Serif"/>
+              </a:rPr>
+              <a:t>כדי</a:t>
+            </a:r>
+            <a:r>
+              <a:rPr lang="en-US" b="1" dirty="0">
+                <a:solidFill>
+                  <a:srgbClr val="242E41">
+                    <a:alpha val="77000"/>
+                  </a:srgbClr>
+                </a:solidFill>
+                <a:ea typeface="Microsoft Sans Serif"/>
+                <a:cs typeface="Microsoft Sans Serif"/>
+              </a:rPr>
+              <a:t> </a:t>
+            </a:r>
+            <a:r>
+              <a:rPr lang="en-US" b="1" dirty="0" err="1">
+                <a:solidFill>
+                  <a:srgbClr val="242E41">
+                    <a:alpha val="77000"/>
+                  </a:srgbClr>
+                </a:solidFill>
+                <a:ea typeface="Microsoft Sans Serif"/>
+                <a:cs typeface="Microsoft Sans Serif"/>
+              </a:rPr>
+              <a:t>להאזין</a:t>
+            </a:r>
+            <a:r>
+              <a:rPr lang="en-US" b="1" dirty="0">
+                <a:solidFill>
+                  <a:srgbClr val="242E41">
+                    <a:alpha val="77000"/>
+                  </a:srgbClr>
+                </a:solidFill>
+                <a:ea typeface="Microsoft Sans Serif"/>
+                <a:cs typeface="Microsoft Sans Serif"/>
+              </a:rPr>
+              <a:t> </a:t>
+            </a:r>
+            <a:r>
+              <a:rPr lang="en-US" b="1" dirty="0" err="1">
+                <a:solidFill>
+                  <a:srgbClr val="242E41">
+                    <a:alpha val="77000"/>
+                  </a:srgbClr>
+                </a:solidFill>
+                <a:ea typeface="Microsoft Sans Serif"/>
+                <a:cs typeface="Microsoft Sans Serif"/>
+              </a:rPr>
+              <a:t>גם</a:t>
+            </a:r>
+            <a:r>
+              <a:rPr lang="en-US" b="1" dirty="0">
+                <a:solidFill>
+                  <a:srgbClr val="242E41">
+                    <a:alpha val="77000"/>
+                  </a:srgbClr>
+                </a:solidFill>
+                <a:ea typeface="Microsoft Sans Serif"/>
+                <a:cs typeface="Microsoft Sans Serif"/>
+              </a:rPr>
+              <a:t> </a:t>
+            </a:r>
+            <a:r>
+              <a:rPr lang="en-US" b="1" dirty="0" err="1">
+                <a:solidFill>
+                  <a:srgbClr val="242E41">
+                    <a:alpha val="77000"/>
+                  </a:srgbClr>
+                </a:solidFill>
+                <a:ea typeface="Microsoft Sans Serif"/>
+                <a:cs typeface="Microsoft Sans Serif"/>
+              </a:rPr>
+              <a:t>ללקוחות</a:t>
+            </a:r>
+            <a:r>
+              <a:rPr lang="en-US" b="1" dirty="0">
+                <a:solidFill>
+                  <a:srgbClr val="242E41">
+                    <a:alpha val="77000"/>
+                  </a:srgbClr>
+                </a:solidFill>
+                <a:ea typeface="Microsoft Sans Serif"/>
+                <a:cs typeface="Microsoft Sans Serif"/>
+              </a:rPr>
+              <a:t> </a:t>
+            </a:r>
+            <a:r>
+              <a:rPr lang="en-US" b="1" dirty="0" err="1">
+                <a:solidFill>
+                  <a:srgbClr val="242E41">
+                    <a:alpha val="77000"/>
+                  </a:srgbClr>
+                </a:solidFill>
+                <a:ea typeface="Microsoft Sans Serif"/>
+                <a:cs typeface="Microsoft Sans Serif"/>
+              </a:rPr>
+              <a:t>חדשים</a:t>
+            </a:r>
+            <a:r>
+              <a:rPr lang="he-IL" b="1" dirty="0">
+                <a:solidFill>
+                  <a:srgbClr val="242E41">
+                    <a:alpha val="77000"/>
+                  </a:srgbClr>
+                </a:solidFill>
+                <a:ea typeface="Microsoft Sans Serif"/>
+                <a:cs typeface="Microsoft Sans Serif"/>
+              </a:rPr>
+              <a:t>,</a:t>
+            </a:r>
+            <a:r>
+              <a:rPr lang="en-US" b="1" dirty="0">
+                <a:solidFill>
+                  <a:srgbClr val="242E41">
+                    <a:alpha val="77000"/>
+                  </a:srgbClr>
+                </a:solidFill>
+                <a:ea typeface="Microsoft Sans Serif"/>
+                <a:cs typeface="Microsoft Sans Serif"/>
+              </a:rPr>
+              <a:t> </a:t>
+            </a:r>
+            <a:r>
+              <a:rPr lang="en-US" b="1" dirty="0" err="1">
+                <a:solidFill>
+                  <a:srgbClr val="242E41">
+                    <a:alpha val="77000"/>
+                  </a:srgbClr>
+                </a:solidFill>
+                <a:ea typeface="Microsoft Sans Serif"/>
+                <a:cs typeface="Microsoft Sans Serif"/>
+              </a:rPr>
+              <a:t>וגם</a:t>
+            </a:r>
+            <a:r>
+              <a:rPr lang="en-US" b="1" dirty="0">
+                <a:solidFill>
+                  <a:srgbClr val="242E41">
+                    <a:alpha val="77000"/>
+                  </a:srgbClr>
+                </a:solidFill>
+                <a:ea typeface="Microsoft Sans Serif"/>
+                <a:cs typeface="Microsoft Sans Serif"/>
+              </a:rPr>
+              <a:t> </a:t>
+            </a:r>
+            <a:r>
+              <a:rPr lang="en-US" b="1" dirty="0" err="1">
+                <a:solidFill>
+                  <a:srgbClr val="242E41">
+                    <a:alpha val="77000"/>
+                  </a:srgbClr>
+                </a:solidFill>
+                <a:ea typeface="Microsoft Sans Serif"/>
+                <a:cs typeface="Microsoft Sans Serif"/>
+              </a:rPr>
+              <a:t>לאירועים</a:t>
+            </a:r>
+            <a:r>
+              <a:rPr lang="en-US" b="1" dirty="0">
+                <a:solidFill>
+                  <a:srgbClr val="242E41">
+                    <a:alpha val="77000"/>
+                  </a:srgbClr>
+                </a:solidFill>
+                <a:ea typeface="Microsoft Sans Serif"/>
+                <a:cs typeface="Microsoft Sans Serif"/>
+              </a:rPr>
+              <a:t> </a:t>
+            </a:r>
+            <a:r>
+              <a:rPr lang="en-US" b="1" dirty="0" err="1">
+                <a:solidFill>
+                  <a:srgbClr val="242E41">
+                    <a:alpha val="77000"/>
+                  </a:srgbClr>
+                </a:solidFill>
+                <a:ea typeface="Microsoft Sans Serif"/>
+                <a:cs typeface="Microsoft Sans Serif"/>
+              </a:rPr>
+              <a:t>מהלקוחות</a:t>
+            </a:r>
+            <a:r>
+              <a:rPr lang="en-US" b="1" dirty="0">
+                <a:solidFill>
+                  <a:srgbClr val="242E41">
+                    <a:alpha val="77000"/>
+                  </a:srgbClr>
+                </a:solidFill>
+                <a:ea typeface="Microsoft Sans Serif"/>
+                <a:cs typeface="Microsoft Sans Serif"/>
+              </a:rPr>
+              <a:t> </a:t>
+            </a:r>
+            <a:r>
+              <a:rPr lang="en-US" b="1" dirty="0" err="1">
+                <a:solidFill>
+                  <a:srgbClr val="242E41">
+                    <a:alpha val="77000"/>
+                  </a:srgbClr>
+                </a:solidFill>
+                <a:ea typeface="Microsoft Sans Serif"/>
+                <a:cs typeface="Microsoft Sans Serif"/>
+              </a:rPr>
+              <a:t>הקיימים</a:t>
+            </a:r>
+            <a:r>
+              <a:rPr lang="en-US" b="1" dirty="0">
+                <a:solidFill>
+                  <a:srgbClr val="242E41">
+                    <a:alpha val="77000"/>
+                  </a:srgbClr>
+                </a:solidFill>
+                <a:ea typeface="Microsoft Sans Serif"/>
+                <a:cs typeface="Microsoft Sans Serif"/>
+              </a:rPr>
+              <a:t>.</a:t>
+            </a:r>
+            <a:endParaRPr lang="en-US" b="1" dirty="0">
+              <a:solidFill>
+                <a:srgbClr val="242E41">
+                  <a:alpha val="77000"/>
+                </a:srgbClr>
+              </a:solidFill>
+            </a:endParaRPr>
+          </a:p>
+        </p:txBody>
+      </p:sp>
+      <p:pic>
+        <p:nvPicPr>
+          <p:cNvPr id="7" name="Picture 6">
+            <a:extLst>
+              <a:ext uri="{FF2B5EF4-FFF2-40B4-BE49-F238E27FC236}">
+                <a16:creationId xmlns:a16="http://schemas.microsoft.com/office/drawing/2014/main" id="{B38199C4-547D-B21A-3B06-FB57C97E15EA}"/>
+              </a:ext>
+            </a:extLst>
+          </p:cNvPr>
+          <p:cNvPicPr>
+            <a:picLocks noChangeAspect="1"/>
+          </p:cNvPicPr>
+          <p:nvPr/>
+        </p:nvPicPr>
+        <p:blipFill>
+          <a:blip r:embed="rId2"/>
+          <a:stretch>
+            <a:fillRect/>
+          </a:stretch>
+        </p:blipFill>
+        <p:spPr>
+          <a:xfrm>
+            <a:off x="1475096" y="2045767"/>
+            <a:ext cx="6257925" cy="647700"/>
+          </a:xfrm>
+          <a:prstGeom prst="rect">
+            <a:avLst/>
+          </a:prstGeom>
+        </p:spPr>
+      </p:pic>
+      <p:sp>
+        <p:nvSpPr>
+          <p:cNvPr id="4" name="Rectangle 3">
+            <a:extLst>
+              <a:ext uri="{FF2B5EF4-FFF2-40B4-BE49-F238E27FC236}">
+                <a16:creationId xmlns:a16="http://schemas.microsoft.com/office/drawing/2014/main" id="{1B681C9B-7FC8-F811-059B-8C4404690AA1}"/>
+              </a:ext>
+            </a:extLst>
+          </p:cNvPr>
+          <p:cNvSpPr/>
+          <p:nvPr/>
+        </p:nvSpPr>
+        <p:spPr>
+          <a:xfrm>
+            <a:off x="1398953" y="4554413"/>
+            <a:ext cx="1992922" cy="1084384"/>
+          </a:xfrm>
+          <a:prstGeom prst="rect">
+            <a:avLst/>
+          </a:prstGeom>
+          <a:solidFill>
+            <a:schemeClr val="accent6">
+              <a:lumMod val="75000"/>
+            </a:schemeClr>
+          </a:solidFill>
+        </p:spPr>
+        <p:style>
+          <a:lnRef idx="2">
+            <a:schemeClr val="accent1">
+              <a:shade val="50000"/>
+            </a:schemeClr>
+          </a:lnRef>
+          <a:fillRef idx="1">
+            <a:schemeClr val="accent1"/>
+          </a:fillRef>
+          <a:effectRef idx="0">
+            <a:schemeClr val="accent1"/>
+          </a:effectRef>
+          <a:fontRef idx="minor">
+            <a:schemeClr val="lt1"/>
+          </a:fontRef>
+        </p:style>
+        <p:txBody>
+          <a:bodyPr rtlCol="0" anchor="ctr"/>
+          <a:lstStyle/>
+          <a:p>
+            <a:pPr algn="ctr"/>
+            <a:r>
+              <a:rPr lang="en-US"/>
+              <a:t>main</a:t>
+            </a:r>
+          </a:p>
+        </p:txBody>
+      </p:sp>
+      <p:sp>
+        <p:nvSpPr>
+          <p:cNvPr id="5" name="Rectangle 4">
+            <a:extLst>
+              <a:ext uri="{FF2B5EF4-FFF2-40B4-BE49-F238E27FC236}">
+                <a16:creationId xmlns:a16="http://schemas.microsoft.com/office/drawing/2014/main" id="{075BF170-52F2-FC28-B802-658539EE2BC0}"/>
+              </a:ext>
+            </a:extLst>
+          </p:cNvPr>
+          <p:cNvSpPr/>
+          <p:nvPr/>
+        </p:nvSpPr>
+        <p:spPr>
+          <a:xfrm>
+            <a:off x="4788876" y="4173413"/>
+            <a:ext cx="2696305" cy="381000"/>
+          </a:xfrm>
+          <a:prstGeom prst="rect">
+            <a:avLst/>
+          </a:prstGeom>
+          <a:solidFill>
+            <a:schemeClr val="accent6">
+              <a:lumMod val="75000"/>
+            </a:schemeClr>
+          </a:solidFill>
+        </p:spPr>
+        <p:style>
+          <a:lnRef idx="2">
+            <a:schemeClr val="accent1">
+              <a:shade val="50000"/>
+            </a:schemeClr>
+          </a:lnRef>
+          <a:fillRef idx="1">
+            <a:schemeClr val="accent1"/>
+          </a:fillRef>
+          <a:effectRef idx="0">
+            <a:schemeClr val="accent1"/>
+          </a:effectRef>
+          <a:fontRef idx="minor">
+            <a:schemeClr val="lt1"/>
+          </a:fontRef>
+        </p:style>
+        <p:txBody>
+          <a:bodyPr lIns="91440" tIns="45720" rIns="91440" bIns="45720" rtlCol="0" anchor="ctr"/>
+          <a:lstStyle/>
+          <a:p>
+            <a:pPr algn="ctr"/>
+            <a:r>
+              <a:rPr lang="en-US"/>
+              <a:t>FD = 0 (New Client)</a:t>
+            </a:r>
+          </a:p>
+        </p:txBody>
+      </p:sp>
+      <p:sp>
+        <p:nvSpPr>
+          <p:cNvPr id="6" name="Rectangle 5">
+            <a:extLst>
+              <a:ext uri="{FF2B5EF4-FFF2-40B4-BE49-F238E27FC236}">
+                <a16:creationId xmlns:a16="http://schemas.microsoft.com/office/drawing/2014/main" id="{43D43EB5-39F1-6D1E-F6D5-8450E08C34E3}"/>
+              </a:ext>
+            </a:extLst>
+          </p:cNvPr>
+          <p:cNvSpPr/>
+          <p:nvPr/>
+        </p:nvSpPr>
+        <p:spPr>
+          <a:xfrm>
+            <a:off x="4788876" y="4554413"/>
+            <a:ext cx="2696305" cy="381000"/>
+          </a:xfrm>
+          <a:prstGeom prst="rect">
+            <a:avLst/>
+          </a:prstGeom>
+          <a:solidFill>
+            <a:schemeClr val="accent6">
+              <a:lumMod val="75000"/>
+            </a:schemeClr>
+          </a:solidFill>
+        </p:spPr>
+        <p:style>
+          <a:lnRef idx="2">
+            <a:schemeClr val="accent1">
+              <a:shade val="50000"/>
+            </a:schemeClr>
+          </a:lnRef>
+          <a:fillRef idx="1">
+            <a:schemeClr val="accent1"/>
+          </a:fillRef>
+          <a:effectRef idx="0">
+            <a:schemeClr val="accent1"/>
+          </a:effectRef>
+          <a:fontRef idx="minor">
+            <a:schemeClr val="lt1"/>
+          </a:fontRef>
+        </p:style>
+        <p:txBody>
+          <a:bodyPr lIns="91440" tIns="45720" rIns="91440" bIns="45720" rtlCol="0" anchor="ctr"/>
+          <a:lstStyle/>
+          <a:p>
+            <a:pPr algn="ctr"/>
+            <a:r>
+              <a:rPr lang="en-US"/>
+              <a:t>FD = 1 (Client #1 Msg)</a:t>
+            </a:r>
+          </a:p>
+        </p:txBody>
+      </p:sp>
+      <p:sp>
+        <p:nvSpPr>
+          <p:cNvPr id="8" name="Rectangle 7">
+            <a:extLst>
+              <a:ext uri="{FF2B5EF4-FFF2-40B4-BE49-F238E27FC236}">
+                <a16:creationId xmlns:a16="http://schemas.microsoft.com/office/drawing/2014/main" id="{F2387463-1A0A-7A7F-4F53-A8B5B1EDB291}"/>
+              </a:ext>
+            </a:extLst>
+          </p:cNvPr>
+          <p:cNvSpPr/>
+          <p:nvPr/>
+        </p:nvSpPr>
+        <p:spPr>
+          <a:xfrm>
+            <a:off x="4788876" y="4935412"/>
+            <a:ext cx="2696305" cy="381000"/>
+          </a:xfrm>
+          <a:prstGeom prst="rect">
+            <a:avLst/>
+          </a:prstGeom>
+          <a:solidFill>
+            <a:schemeClr val="accent6">
+              <a:lumMod val="75000"/>
+            </a:schemeClr>
+          </a:solidFill>
+        </p:spPr>
+        <p:style>
+          <a:lnRef idx="2">
+            <a:schemeClr val="accent1">
+              <a:shade val="50000"/>
+            </a:schemeClr>
+          </a:lnRef>
+          <a:fillRef idx="1">
+            <a:schemeClr val="accent1"/>
+          </a:fillRef>
+          <a:effectRef idx="0">
+            <a:schemeClr val="accent1"/>
+          </a:effectRef>
+          <a:fontRef idx="minor">
+            <a:schemeClr val="lt1"/>
+          </a:fontRef>
+        </p:style>
+        <p:txBody>
+          <a:bodyPr lIns="91440" tIns="45720" rIns="91440" bIns="45720" rtlCol="0" anchor="ctr"/>
+          <a:lstStyle/>
+          <a:p>
+            <a:pPr algn="ctr"/>
+            <a:r>
+              <a:rPr lang="en-US"/>
+              <a:t>FD = 2 (Client #2 Msg)</a:t>
+            </a:r>
+          </a:p>
+        </p:txBody>
+      </p:sp>
+      <p:sp>
+        <p:nvSpPr>
+          <p:cNvPr id="9" name="Rectangle 8">
+            <a:extLst>
+              <a:ext uri="{FF2B5EF4-FFF2-40B4-BE49-F238E27FC236}">
+                <a16:creationId xmlns:a16="http://schemas.microsoft.com/office/drawing/2014/main" id="{FA1C1481-C4D1-3422-FFE7-3244C2535776}"/>
+              </a:ext>
+            </a:extLst>
+          </p:cNvPr>
+          <p:cNvSpPr/>
+          <p:nvPr/>
+        </p:nvSpPr>
+        <p:spPr>
+          <a:xfrm>
+            <a:off x="4788876" y="5316412"/>
+            <a:ext cx="2696305" cy="381000"/>
+          </a:xfrm>
+          <a:prstGeom prst="rect">
+            <a:avLst/>
+          </a:prstGeom>
+          <a:solidFill>
+            <a:schemeClr val="accent6">
+              <a:lumMod val="75000"/>
+            </a:schemeClr>
+          </a:solidFill>
+        </p:spPr>
+        <p:style>
+          <a:lnRef idx="2">
+            <a:schemeClr val="accent1">
+              <a:shade val="50000"/>
+            </a:schemeClr>
+          </a:lnRef>
+          <a:fillRef idx="1">
+            <a:schemeClr val="accent1"/>
+          </a:fillRef>
+          <a:effectRef idx="0">
+            <a:schemeClr val="accent1"/>
+          </a:effectRef>
+          <a:fontRef idx="minor">
+            <a:schemeClr val="lt1"/>
+          </a:fontRef>
+        </p:style>
+        <p:txBody>
+          <a:bodyPr lIns="91440" tIns="45720" rIns="91440" bIns="45720" rtlCol="0" anchor="ctr"/>
+          <a:lstStyle/>
+          <a:p>
+            <a:pPr algn="ctr"/>
+            <a:r>
+              <a:rPr lang="en-US"/>
+              <a:t>...</a:t>
+            </a:r>
+          </a:p>
+        </p:txBody>
+      </p:sp>
+      <p:sp>
+        <p:nvSpPr>
+          <p:cNvPr id="10" name="Arrow: Right 9">
+            <a:extLst>
+              <a:ext uri="{FF2B5EF4-FFF2-40B4-BE49-F238E27FC236}">
+                <a16:creationId xmlns:a16="http://schemas.microsoft.com/office/drawing/2014/main" id="{5ECFF36A-0449-5774-E082-4542B727588F}"/>
+              </a:ext>
+            </a:extLst>
+          </p:cNvPr>
+          <p:cNvSpPr/>
+          <p:nvPr/>
+        </p:nvSpPr>
+        <p:spPr>
+          <a:xfrm>
+            <a:off x="3629747" y="4550712"/>
+            <a:ext cx="976923" cy="488461"/>
+          </a:xfrm>
+          <a:prstGeom prst="rightArrow">
+            <a:avLst/>
+          </a:prstGeom>
+          <a:solidFill>
+            <a:schemeClr val="accent6">
+              <a:lumMod val="75000"/>
+            </a:schemeClr>
+          </a:solidFill>
+        </p:spPr>
+        <p:style>
+          <a:lnRef idx="2">
+            <a:schemeClr val="accent1">
+              <a:shade val="50000"/>
+            </a:schemeClr>
+          </a:lnRef>
+          <a:fillRef idx="1">
+            <a:schemeClr val="accent1"/>
+          </a:fillRef>
+          <a:effectRef idx="0">
+            <a:schemeClr val="accent1"/>
+          </a:effectRef>
+          <a:fontRef idx="minor">
+            <a:schemeClr val="lt1"/>
+          </a:fontRef>
+        </p:style>
+        <p:txBody>
+          <a:bodyPr rtlCol="0" anchor="ctr"/>
+          <a:lstStyle/>
+          <a:p>
+            <a:pPr algn="ctr"/>
+            <a:r>
+              <a:rPr lang="en-US"/>
+              <a:t>poll</a:t>
+            </a:r>
+          </a:p>
+        </p:txBody>
+      </p:sp>
+      <p:sp>
+        <p:nvSpPr>
+          <p:cNvPr id="11" name="Right Brace 10">
+            <a:extLst>
+              <a:ext uri="{FF2B5EF4-FFF2-40B4-BE49-F238E27FC236}">
+                <a16:creationId xmlns:a16="http://schemas.microsoft.com/office/drawing/2014/main" id="{4395F9CF-C028-86F8-6FCE-10227CCA2D03}"/>
+              </a:ext>
+            </a:extLst>
+          </p:cNvPr>
+          <p:cNvSpPr/>
+          <p:nvPr/>
+        </p:nvSpPr>
+        <p:spPr>
+          <a:xfrm>
+            <a:off x="7671716" y="4263780"/>
+            <a:ext cx="429845" cy="1406768"/>
+          </a:xfrm>
+          <a:prstGeom prst="rightBrace">
+            <a:avLst/>
+          </a:prstGeom>
+        </p:spPr>
+        <p:style>
+          <a:lnRef idx="1">
+            <a:schemeClr val="accent1"/>
+          </a:lnRef>
+          <a:fillRef idx="0">
+            <a:schemeClr val="accent1"/>
+          </a:fillRef>
+          <a:effectRef idx="0">
+            <a:schemeClr val="accent1"/>
+          </a:effectRef>
+          <a:fontRef idx="minor">
+            <a:schemeClr val="tx1"/>
+          </a:fontRef>
+        </p:style>
+        <p:txBody>
+          <a:bodyPr rtlCol="0" anchor="ctr"/>
+          <a:lstStyle/>
+          <a:p>
+            <a:pPr algn="ctr"/>
+            <a:endParaRPr lang="en-US"/>
+          </a:p>
+        </p:txBody>
+      </p:sp>
+      <p:sp>
+        <p:nvSpPr>
+          <p:cNvPr id="12" name="TextBox 11">
+            <a:extLst>
+              <a:ext uri="{FF2B5EF4-FFF2-40B4-BE49-F238E27FC236}">
+                <a16:creationId xmlns:a16="http://schemas.microsoft.com/office/drawing/2014/main" id="{C55C4922-1A5D-E4EE-02CB-3628338141B0}"/>
+              </a:ext>
+            </a:extLst>
+          </p:cNvPr>
+          <p:cNvSpPr txBox="1"/>
+          <p:nvPr/>
+        </p:nvSpPr>
+        <p:spPr>
+          <a:xfrm>
+            <a:off x="8157307" y="4747845"/>
+            <a:ext cx="742461" cy="369332"/>
+          </a:xfrm>
+          <a:prstGeom prst="rect">
+            <a:avLst/>
+          </a:prstGeom>
+          <a:noFill/>
+        </p:spPr>
+        <p:txBody>
+          <a:bodyPr rot="0" spcFirstLastPara="0" vertOverflow="overflow" horzOverflow="overflow" vert="horz" wrap="square" lIns="91440" tIns="45720" rIns="91440" bIns="45720" numCol="1" spcCol="0" rtlCol="0" fromWordArt="0" anchor="t" anchorCtr="0" forceAA="0" compatLnSpc="1">
+            <a:prstTxWarp prst="textNoShape">
+              <a:avLst/>
+            </a:prstTxWarp>
+            <a:spAutoFit/>
+          </a:bodyPr>
+          <a:lstStyle/>
+          <a:p>
+            <a:pPr algn="l"/>
+            <a:r>
+              <a:rPr lang="en-US" b="1" i="1" err="1"/>
+              <a:t>nfds</a:t>
+            </a:r>
+            <a:endParaRPr lang="en-US" b="1" i="1"/>
+          </a:p>
+        </p:txBody>
+      </p:sp>
+      <p:sp>
+        <p:nvSpPr>
+          <p:cNvPr id="13" name="Arrow: Right 12">
+            <a:extLst>
+              <a:ext uri="{FF2B5EF4-FFF2-40B4-BE49-F238E27FC236}">
+                <a16:creationId xmlns:a16="http://schemas.microsoft.com/office/drawing/2014/main" id="{7A8A734A-EEC2-E79F-2DA7-D5BB025C4D3A}"/>
+              </a:ext>
+            </a:extLst>
+          </p:cNvPr>
+          <p:cNvSpPr/>
+          <p:nvPr/>
+        </p:nvSpPr>
+        <p:spPr>
+          <a:xfrm flipH="1">
+            <a:off x="3492978" y="5312711"/>
+            <a:ext cx="1113692" cy="253999"/>
+          </a:xfrm>
+          <a:prstGeom prst="rightArrow">
+            <a:avLst/>
+          </a:prstGeom>
+          <a:solidFill>
+            <a:schemeClr val="accent6">
+              <a:lumMod val="75000"/>
+            </a:schemeClr>
+          </a:solidFill>
+        </p:spPr>
+        <p:style>
+          <a:lnRef idx="2">
+            <a:schemeClr val="accent1">
+              <a:shade val="50000"/>
+            </a:schemeClr>
+          </a:lnRef>
+          <a:fillRef idx="1">
+            <a:schemeClr val="accent1"/>
+          </a:fillRef>
+          <a:effectRef idx="0">
+            <a:schemeClr val="accent1"/>
+          </a:effectRef>
+          <a:fontRef idx="minor">
+            <a:schemeClr val="lt1"/>
+          </a:fontRef>
+        </p:style>
+        <p:txBody>
+          <a:bodyPr lIns="91440" tIns="45720" rIns="91440" bIns="45720" rtlCol="0" anchor="ctr"/>
+          <a:lstStyle/>
+          <a:p>
+            <a:pPr algn="ctr"/>
+            <a:endParaRPr lang="en-US"/>
+          </a:p>
+        </p:txBody>
+      </p:sp>
+      <p:sp>
+        <p:nvSpPr>
+          <p:cNvPr id="14" name="TextBox 13">
+            <a:extLst>
+              <a:ext uri="{FF2B5EF4-FFF2-40B4-BE49-F238E27FC236}">
+                <a16:creationId xmlns:a16="http://schemas.microsoft.com/office/drawing/2014/main" id="{8855976E-86D1-3187-BED4-D4941D6A0166}"/>
+              </a:ext>
+            </a:extLst>
+          </p:cNvPr>
+          <p:cNvSpPr txBox="1"/>
+          <p:nvPr/>
+        </p:nvSpPr>
+        <p:spPr>
+          <a:xfrm>
+            <a:off x="5851768" y="3770921"/>
+            <a:ext cx="742461" cy="369332"/>
+          </a:xfrm>
+          <a:prstGeom prst="rect">
+            <a:avLst/>
+          </a:prstGeom>
+          <a:noFill/>
+        </p:spPr>
+        <p:txBody>
+          <a:bodyPr rot="0" spcFirstLastPara="0" vertOverflow="overflow" horzOverflow="overflow" vert="horz" wrap="square" lIns="91440" tIns="45720" rIns="91440" bIns="45720" numCol="1" spcCol="0" rtlCol="0" fromWordArt="0" anchor="t" anchorCtr="0" forceAA="0" compatLnSpc="1">
+            <a:prstTxWarp prst="textNoShape">
+              <a:avLst/>
+            </a:prstTxWarp>
+            <a:spAutoFit/>
+          </a:bodyPr>
+          <a:lstStyle/>
+          <a:p>
+            <a:pPr algn="l"/>
+            <a:r>
+              <a:rPr lang="en-US" b="1" i="1" err="1"/>
+              <a:t>fds</a:t>
+            </a:r>
+          </a:p>
+        </p:txBody>
+      </p:sp>
+      <p:sp>
+        <p:nvSpPr>
+          <p:cNvPr id="15" name="TextBox 14">
+            <a:extLst>
+              <a:ext uri="{FF2B5EF4-FFF2-40B4-BE49-F238E27FC236}">
+                <a16:creationId xmlns:a16="http://schemas.microsoft.com/office/drawing/2014/main" id="{353EB30B-3EF9-048E-B634-37B15D2C22E1}"/>
+              </a:ext>
+            </a:extLst>
+          </p:cNvPr>
+          <p:cNvSpPr txBox="1"/>
+          <p:nvPr/>
+        </p:nvSpPr>
+        <p:spPr>
+          <a:xfrm>
+            <a:off x="3634152" y="5070228"/>
+            <a:ext cx="1084384" cy="369332"/>
+          </a:xfrm>
+          <a:prstGeom prst="rect">
+            <a:avLst/>
+          </a:prstGeom>
+          <a:noFill/>
+        </p:spPr>
+        <p:txBody>
+          <a:bodyPr rot="0" spcFirstLastPara="0" vertOverflow="overflow" horzOverflow="overflow" vert="horz" wrap="square" lIns="91440" tIns="45720" rIns="91440" bIns="45720" numCol="1" spcCol="0" rtlCol="0" fromWordArt="0" anchor="t" anchorCtr="0" forceAA="0" compatLnSpc="1">
+            <a:prstTxWarp prst="textNoShape">
+              <a:avLst/>
+            </a:prstTxWarp>
+            <a:spAutoFit/>
+          </a:bodyPr>
+          <a:lstStyle/>
+          <a:p>
+            <a:pPr algn="l"/>
+            <a:r>
+              <a:rPr lang="en-US" b="1" i="1"/>
+              <a:t>timeout</a:t>
+            </a:r>
+          </a:p>
+        </p:txBody>
+      </p:sp>
+      <p:pic>
+        <p:nvPicPr>
+          <p:cNvPr id="21" name="Picture 20">
+            <a:extLst>
+              <a:ext uri="{FF2B5EF4-FFF2-40B4-BE49-F238E27FC236}">
+                <a16:creationId xmlns:a16="http://schemas.microsoft.com/office/drawing/2014/main" id="{7AEA39ED-50ED-DCD5-9227-E329863086A1}"/>
+              </a:ext>
+            </a:extLst>
+          </p:cNvPr>
+          <p:cNvPicPr>
+            <a:picLocks noChangeAspect="1"/>
+          </p:cNvPicPr>
+          <p:nvPr/>
+        </p:nvPicPr>
+        <p:blipFill>
+          <a:blip r:embed="rId3"/>
+          <a:stretch>
+            <a:fillRect/>
+          </a:stretch>
+        </p:blipFill>
+        <p:spPr>
+          <a:xfrm>
+            <a:off x="8413526" y="1896208"/>
+            <a:ext cx="1881012" cy="946818"/>
+          </a:xfrm>
+          <a:prstGeom prst="rect">
+            <a:avLst/>
+          </a:prstGeom>
+        </p:spPr>
+      </p:pic>
+    </p:spTree>
+    <p:extLst>
+      <p:ext uri="{BB962C8B-B14F-4D97-AF65-F5344CB8AC3E}">
+        <p14:creationId xmlns:p14="http://schemas.microsoft.com/office/powerpoint/2010/main" val="1419595654"/>
       </p:ext>
     </p:extLst>
   </p:cSld>
@@ -7662,7 +7691,7 @@
           <p:cNvPr id="2" name="Title 1">
             <a:extLst>
               <a:ext uri="{FF2B5EF4-FFF2-40B4-BE49-F238E27FC236}">
-                <a16:creationId xmlns:a16="http://schemas.microsoft.com/office/drawing/2014/main" id="{7AA86D0D-08C4-FA73-57DA-498549BF939F}"/>
+                <a16:creationId xmlns:a16="http://schemas.microsoft.com/office/drawing/2014/main" id="{A2BB1E98-4D2C-18DA-351B-3F8D7CB51A8D}"/>
               </a:ext>
             </a:extLst>
           </p:cNvPr>
@@ -7675,142 +7704,38 @@
         </p:nvSpPr>
         <p:spPr/>
         <p:txBody>
-          <a:bodyPr/>
+          <a:bodyPr>
+            <a:normAutofit fontScale="90000"/>
+          </a:bodyPr>
           <a:lstStyle/>
           <a:p>
             <a:pPr algn="r" rtl="1"/>
             <a:r>
-              <a:rPr lang="he-IL">
-                <a:ea typeface="Microsoft Sans Serif"/>
-                <a:cs typeface="Microsoft Sans Serif"/>
-              </a:rPr>
-              <a:t>חידושים ואלטרנטיבות נוספות</a:t>
-            </a:r>
-            <a:endParaRPr lang="en-IL"/>
-          </a:p>
-        </p:txBody>
-      </p:sp>
-      <p:sp>
-        <p:nvSpPr>
-          <p:cNvPr id="3" name="Content Placeholder 2">
-            <a:extLst>
-              <a:ext uri="{FF2B5EF4-FFF2-40B4-BE49-F238E27FC236}">
-                <a16:creationId xmlns:a16="http://schemas.microsoft.com/office/drawing/2014/main" id="{C0DF4BDD-09DC-A6B9-C1C0-9740E529493C}"/>
-              </a:ext>
-            </a:extLst>
-          </p:cNvPr>
-          <p:cNvSpPr>
-            <a:spLocks noGrp="1"/>
-          </p:cNvSpPr>
-          <p:nvPr>
-            <p:ph idx="1"/>
-          </p:nvPr>
-        </p:nvSpPr>
-        <p:spPr>
-          <a:xfrm>
-            <a:off x="1528879" y="1437965"/>
-            <a:ext cx="10406063" cy="4356100"/>
-          </a:xfrm>
-        </p:spPr>
-        <p:txBody>
-          <a:bodyPr/>
-          <a:lstStyle/>
-          <a:p>
-            <a:pPr algn="r" rtl="1"/>
-            <a:r>
               <a:rPr lang="he-IL" dirty="0"/>
-              <a:t>היום קיימות מספר גישות נוספות לעבודה עם תקשורת בצורה מקבילית. </a:t>
-            </a:r>
-          </a:p>
-          <a:p>
-            <a:pPr lvl="1" algn="r" rtl="1"/>
-            <a:r>
-              <a:rPr lang="en-US" dirty="0"/>
-              <a:t>Epoll</a:t>
-            </a:r>
-            <a:r>
-              <a:rPr lang="he-IL" dirty="0"/>
-              <a:t> שהוא שדרוג של </a:t>
+              <a:t>נעבור בקצרה על איזה ארועים נוכל לקבל מ</a:t>
             </a:r>
             <a:r>
               <a:rPr lang="en-US" dirty="0"/>
               <a:t>poll</a:t>
             </a:r>
-            <a:r>
-              <a:rPr lang="he-IL" dirty="0"/>
-              <a:t> שמשפר את העילות שלו אך לא ממומש ברוב מערכות </a:t>
-            </a:r>
-            <a:r>
-              <a:rPr lang="en-US" dirty="0" err="1"/>
-              <a:t>posix</a:t>
-            </a:r>
-            <a:r>
-              <a:rPr lang="he-IL" dirty="0"/>
-              <a:t> אלא מגיע כספרייה חיצונית כאשר הייתרון שלו הוא זמן הריצה.</a:t>
-            </a:r>
-            <a:endParaRPr lang="en-US" dirty="0"/>
-          </a:p>
-          <a:p>
-            <a:pPr lvl="1" algn="r" rtl="1"/>
-            <a:r>
-              <a:rPr lang="en-US" dirty="0"/>
-              <a:t>Async</a:t>
-            </a:r>
-            <a:r>
-              <a:rPr lang="he-IL" dirty="0"/>
-              <a:t> – קונספט נוספת שעובדים איתו לרוב הוא פעולות אסינכרוניות שגר ושכח, אנחנו דורשים איזה שהיא פעולה לדוגמא קריאה או כתיבה ממערכת ההפעלה ומעבירים לה פונקציה לחזרה </a:t>
-            </a:r>
-            <a:r>
-              <a:rPr lang="en-US" dirty="0"/>
-              <a:t>(callback)</a:t>
-            </a:r>
-            <a:r>
-              <a:rPr lang="he-IL" dirty="0"/>
-              <a:t> וכך בעצם הקוד שלנו תמיד ניראה כאילו הוא סינכרוני ורץ ברצף אבל מערכת ההפעלה דואגת לקרוא לפעולות המתאימות כאשר</a:t>
-            </a:r>
-            <a:br>
-              <a:rPr lang="en-US" dirty="0"/>
-            </a:br>
-            <a:r>
-              <a:rPr lang="he-IL" dirty="0"/>
-              <a:t>הזמן הגיע, והתוכנה לא צריכה לחכות ל</a:t>
-            </a:r>
-            <a:r>
-              <a:rPr lang="en-US" dirty="0"/>
-              <a:t>I/O</a:t>
-            </a:r>
-            <a:r>
-              <a:rPr lang="he-IL" dirty="0"/>
-              <a:t> </a:t>
-            </a:r>
-            <a:br>
-              <a:rPr lang="en-US" dirty="0"/>
-            </a:br>
-            <a:r>
-              <a:rPr lang="he-IL" dirty="0" err="1"/>
-              <a:t>שבדר"כ</a:t>
-            </a:r>
-            <a:r>
-              <a:rPr lang="he-IL" dirty="0"/>
-              <a:t> לוקח הרבה זמן. </a:t>
-            </a:r>
-            <a:endParaRPr lang="en-IL" dirty="0"/>
           </a:p>
         </p:txBody>
       </p:sp>
       <p:pic>
         <p:nvPicPr>
-          <p:cNvPr id="4" name="Picture 4" descr="A picture containing text&#10;&#10;Description automatically generated">
-            <a:extLst>
-              <a:ext uri="{FF2B5EF4-FFF2-40B4-BE49-F238E27FC236}">
-                <a16:creationId xmlns:a16="http://schemas.microsoft.com/office/drawing/2014/main" id="{B7582ADA-BD04-ABA2-D650-DEC90139B482}"/>
+          <p:cNvPr id="9" name="Content Placeholder 8">
+            <a:extLst>
+              <a:ext uri="{FF2B5EF4-FFF2-40B4-BE49-F238E27FC236}">
+                <a16:creationId xmlns:a16="http://schemas.microsoft.com/office/drawing/2014/main" id="{12DD2257-B397-AC20-09E4-5A56B542514D}"/>
               </a:ext>
             </a:extLst>
           </p:cNvPr>
           <p:cNvPicPr>
-            <a:picLocks noChangeAspect="1"/>
+            <a:picLocks noGrp="1" noChangeAspect="1"/>
           </p:cNvPicPr>
-          <p:nvPr/>
+          <p:nvPr>
+            <p:ph idx="1"/>
+          </p:nvPr>
         </p:nvPicPr>
         <p:blipFill>
           <a:blip r:embed="rId2"/>
@@ -7820,8 +7745,64 @@
         </p:blipFill>
         <p:spPr>
           <a:xfrm>
-            <a:off x="1930401" y="3923245"/>
-            <a:ext cx="3925277" cy="2938741"/>
+            <a:off x="1442503" y="1757556"/>
+            <a:ext cx="3171825" cy="371475"/>
+          </a:xfrm>
+        </p:spPr>
+      </p:pic>
+      <p:pic>
+        <p:nvPicPr>
+          <p:cNvPr id="11" name="Picture 10">
+            <a:extLst>
+              <a:ext uri="{FF2B5EF4-FFF2-40B4-BE49-F238E27FC236}">
+                <a16:creationId xmlns:a16="http://schemas.microsoft.com/office/drawing/2014/main" id="{FDB29B84-1D24-1292-84CC-0618D65EC492}"/>
+              </a:ext>
+            </a:extLst>
+          </p:cNvPr>
+          <p:cNvPicPr>
+            <a:picLocks noChangeAspect="1"/>
+          </p:cNvPicPr>
+          <p:nvPr/>
+        </p:nvPicPr>
+        <p:blipFill rotWithShape="1">
+          <a:blip r:embed="rId3"/>
+          <a:srcRect l="1829" t="11064"/>
+          <a:stretch/>
+        </p:blipFill>
+        <p:spPr>
+          <a:xfrm>
+            <a:off x="1442503" y="2351897"/>
+            <a:ext cx="6134100" cy="965718"/>
+          </a:xfrm>
+          <a:prstGeom prst="rect">
+            <a:avLst/>
+          </a:prstGeom>
+        </p:spPr>
+      </p:pic>
+      <p:pic>
+        <p:nvPicPr>
+          <p:cNvPr id="13" name="Picture 12">
+            <a:extLst>
+              <a:ext uri="{FF2B5EF4-FFF2-40B4-BE49-F238E27FC236}">
+                <a16:creationId xmlns:a16="http://schemas.microsoft.com/office/drawing/2014/main" id="{51AFCECA-9665-A5DD-1656-F075E886EB3A}"/>
+              </a:ext>
+            </a:extLst>
+          </p:cNvPr>
+          <p:cNvPicPr>
+            <a:picLocks noChangeAspect="1"/>
+          </p:cNvPicPr>
+          <p:nvPr/>
+        </p:nvPicPr>
+        <p:blipFill>
+          <a:blip r:embed="rId4"/>
+          <a:stretch>
+            <a:fillRect/>
+          </a:stretch>
+        </p:blipFill>
+        <p:spPr>
+          <a:xfrm>
+            <a:off x="1442503" y="3540385"/>
+            <a:ext cx="6134100" cy="1152525"/>
           </a:xfrm>
           <a:prstGeom prst="rect">
             <a:avLst/>
@@ -7831,7 +7812,7 @@
     </p:spTree>
     <p:extLst>
       <p:ext uri="{BB962C8B-B14F-4D97-AF65-F5344CB8AC3E}">
-        <p14:creationId xmlns:p14="http://schemas.microsoft.com/office/powerpoint/2010/main" val="1494716947"/>
+        <p14:creationId xmlns:p14="http://schemas.microsoft.com/office/powerpoint/2010/main" val="2519012126"/>
       </p:ext>
     </p:extLst>
   </p:cSld>
@@ -7863,7 +7844,7 @@
           <p:cNvPr id="2" name="Title 1">
             <a:extLst>
               <a:ext uri="{FF2B5EF4-FFF2-40B4-BE49-F238E27FC236}">
-                <a16:creationId xmlns:a16="http://schemas.microsoft.com/office/drawing/2014/main" id="{46AF4466-727A-8FFA-89E7-9757056BBEB6}"/>
+                <a16:creationId xmlns:a16="http://schemas.microsoft.com/office/drawing/2014/main" id="{7AA86D0D-08C4-FA73-57DA-498549BF939F}"/>
               </a:ext>
             </a:extLst>
           </p:cNvPr>
@@ -7879,14 +7860,15 @@
           <a:bodyPr/>
           <a:lstStyle/>
           <a:p>
-            <a:r>
-              <a:rPr lang="en-US" dirty="0">
-                <a:ea typeface="Microsoft Sans Serif"/>
-                <a:cs typeface="Microsoft Sans Serif"/>
-              </a:rPr>
-              <a:t>Broadcast</a:t>
-            </a:r>
-            <a:endParaRPr lang="en-US" dirty="0"/>
+            <a:pPr algn="r" rtl="1"/>
+            <a:r>
+              <a:rPr lang="he-IL">
+                <a:ea typeface="Microsoft Sans Serif"/>
+                <a:cs typeface="Microsoft Sans Serif"/>
+              </a:rPr>
+              <a:t>חידושים ואלטרנטיבות נוספות</a:t>
+            </a:r>
+            <a:endParaRPr lang="en-IL"/>
           </a:p>
         </p:txBody>
       </p:sp>
@@ -7895,7 +7877,7 @@
           <p:cNvPr id="3" name="Content Placeholder 2">
             <a:extLst>
               <a:ext uri="{FF2B5EF4-FFF2-40B4-BE49-F238E27FC236}">
-                <a16:creationId xmlns:a16="http://schemas.microsoft.com/office/drawing/2014/main" id="{3609B897-E196-E9A0-3AF1-1579229527D7}"/>
+                <a16:creationId xmlns:a16="http://schemas.microsoft.com/office/drawing/2014/main" id="{C0DF4BDD-09DC-A6B9-C1C0-9740E529493C}"/>
               </a:ext>
             </a:extLst>
           </p:cNvPr>
@@ -7908,190 +7890,102 @@
         </p:nvSpPr>
         <p:spPr>
           <a:xfrm>
-            <a:off x="1343025" y="1493721"/>
+            <a:off x="1528879" y="1437965"/>
             <a:ext cx="10406063" cy="4356100"/>
           </a:xfrm>
         </p:spPr>
         <p:txBody>
-          <a:bodyPr vert="horz" lIns="0" tIns="0" rIns="0" bIns="0" rtlCol="0" anchor="t">
-            <a:noAutofit/>
-          </a:bodyPr>
+          <a:bodyPr/>
           <a:lstStyle/>
           <a:p>
-            <a:pPr marL="342900" indent="-342900" algn="r" rtl="1"/>
-            <a:r>
-              <a:rPr lang="he-IL" dirty="0">
-                <a:ea typeface="Microsoft Sans Serif"/>
-                <a:cs typeface="Microsoft Sans Serif"/>
-              </a:rPr>
-              <a:t>בשרתים מסוימים נרצה להשתמש ביכולות שונה,</a:t>
-            </a:r>
-            <a:r>
-              <a:rPr lang="he-IL">
-                <a:ea typeface="Microsoft Sans Serif"/>
-                <a:cs typeface="Microsoft Sans Serif"/>
-              </a:rPr>
-              <a:t> </a:t>
-            </a:r>
-            <a:r>
-              <a:rPr lang="he-IL" dirty="0">
-                <a:ea typeface="Microsoft Sans Serif"/>
-                <a:cs typeface="Microsoft Sans Serif"/>
-              </a:rPr>
-              <a:t>בה השרת לא תמיד יודע מי </a:t>
-            </a:r>
-            <a:r>
-              <a:rPr lang="he-IL">
-                <a:ea typeface="Microsoft Sans Serif"/>
-                <a:cs typeface="Microsoft Sans Serif"/>
-              </a:rPr>
-              <a:t>הלקוחות</a:t>
-            </a:r>
-            <a:r>
-              <a:rPr lang="he-IL" dirty="0">
-                <a:ea typeface="Microsoft Sans Serif"/>
-                <a:cs typeface="Microsoft Sans Serif"/>
-              </a:rPr>
-              <a:t> או שהלקוחות לא יודעים היכן נמצא השרת. </a:t>
-            </a:r>
-            <a:endParaRPr lang="he-IL"/>
-          </a:p>
-          <a:p>
-            <a:pPr marL="342900" indent="-342900" algn="r" rtl="1"/>
-            <a:r>
-              <a:rPr lang="he-IL" dirty="0">
-                <a:ea typeface="Microsoft Sans Serif"/>
-                <a:cs typeface="Microsoft Sans Serif"/>
-              </a:rPr>
-              <a:t>דוגמא נפוצה </a:t>
-            </a:r>
-            <a:r>
-              <a:rPr lang="he-IL">
-                <a:ea typeface="Microsoft Sans Serif"/>
-                <a:cs typeface="Microsoft Sans Serif"/>
-              </a:rPr>
-              <a:t>לכך היא</a:t>
-            </a:r>
-            <a:r>
-              <a:rPr lang="he-IL" dirty="0">
-                <a:ea typeface="Microsoft Sans Serif"/>
-                <a:cs typeface="Microsoft Sans Serif"/>
-              </a:rPr>
-              <a:t> לקוח חדש שמתחבר לרשת חדשה, הוא שולח </a:t>
-            </a:r>
-            <a:r>
-              <a:rPr lang="en-US" dirty="0">
-                <a:ea typeface="Microsoft Sans Serif"/>
-                <a:cs typeface="Microsoft Sans Serif"/>
-              </a:rPr>
-              <a:t>broadcast</a:t>
-            </a:r>
-            <a:r>
-              <a:rPr lang="he-IL" dirty="0">
-                <a:ea typeface="Microsoft Sans Serif"/>
-                <a:cs typeface="Microsoft Sans Serif"/>
-              </a:rPr>
-              <a:t> ומחכה לשרת ה</a:t>
-            </a:r>
-            <a:r>
-              <a:rPr lang="en-US" dirty="0" err="1">
-                <a:ea typeface="Microsoft Sans Serif"/>
-                <a:cs typeface="Microsoft Sans Serif"/>
-              </a:rPr>
-              <a:t>dhcp</a:t>
-            </a:r>
-            <a:r>
-              <a:rPr lang="he-IL" dirty="0">
-                <a:ea typeface="Microsoft Sans Serif"/>
-                <a:cs typeface="Microsoft Sans Serif"/>
-              </a:rPr>
-              <a:t> ברשת </a:t>
-            </a:r>
-            <a:r>
-              <a:rPr lang="he-IL">
-                <a:ea typeface="Microsoft Sans Serif"/>
-                <a:cs typeface="Microsoft Sans Serif"/>
-              </a:rPr>
-              <a:t>שישלח</a:t>
-            </a:r>
-            <a:r>
-              <a:rPr lang="he-IL" dirty="0">
-                <a:ea typeface="Microsoft Sans Serif"/>
-                <a:cs typeface="Microsoft Sans Serif"/>
-              </a:rPr>
-              <a:t> לו הודעה עם הפרטים שלו וכך הוא יוכל להתחיל מולו תהליך לקבלת </a:t>
-            </a:r>
-            <a:r>
-              <a:rPr lang="en-US" dirty="0" err="1">
-                <a:ea typeface="Microsoft Sans Serif"/>
-                <a:cs typeface="Microsoft Sans Serif"/>
-              </a:rPr>
-              <a:t>ip</a:t>
-            </a:r>
-            <a:r>
-              <a:rPr lang="he-IL" dirty="0">
-                <a:ea typeface="Microsoft Sans Serif"/>
-                <a:cs typeface="Microsoft Sans Serif"/>
-              </a:rPr>
-              <a:t> ברשת. </a:t>
-            </a:r>
-            <a:endParaRPr lang="he-IL">
-              <a:solidFill>
-                <a:srgbClr val="242E41">
-                  <a:alpha val="77000"/>
-                </a:srgbClr>
-              </a:solidFill>
-            </a:endParaRPr>
-          </a:p>
-          <a:p>
-            <a:pPr marL="342900" indent="-342900" algn="r" rtl="1"/>
-            <a:r>
-              <a:rPr lang="he-IL" dirty="0">
-                <a:ea typeface="Microsoft Sans Serif"/>
-                <a:cs typeface="Microsoft Sans Serif"/>
-              </a:rPr>
-              <a:t>לא יכולנו לבצע את זה בצורה אחרת כי בכל רשת השרת הזה יכול לשבת על כל </a:t>
-            </a:r>
-            <a:r>
-              <a:rPr lang="en-US" dirty="0" err="1">
-                <a:ea typeface="Microsoft Sans Serif"/>
-                <a:cs typeface="Microsoft Sans Serif"/>
-              </a:rPr>
-              <a:t>ip</a:t>
-            </a:r>
-            <a:r>
-              <a:rPr lang="he-IL" dirty="0">
-                <a:ea typeface="Microsoft Sans Serif"/>
-                <a:cs typeface="Microsoft Sans Serif"/>
-              </a:rPr>
-              <a:t> בטווח, והלקוח לא יודע מראש באיזה כתובת להשתמש או איך להזדהות </a:t>
-            </a:r>
-            <a:endParaRPr lang="he-IL">
-              <a:solidFill>
-                <a:srgbClr val="242E41">
-                  <a:alpha val="77000"/>
-                </a:srgbClr>
-              </a:solidFill>
-            </a:endParaRPr>
-          </a:p>
-          <a:p>
-            <a:pPr marL="342900" indent="-342900" algn="r" rtl="1"/>
-            <a:endParaRPr lang="en-US">
-              <a:solidFill>
-                <a:srgbClr val="242E41">
-                  <a:alpha val="77000"/>
-                </a:srgbClr>
-              </a:solidFill>
-            </a:endParaRPr>
+            <a:pPr algn="r" rtl="1"/>
+            <a:r>
+              <a:rPr lang="he-IL"/>
+              <a:t>היום קיימות מספר גישות נוספות לעבודה עם תקשורת בצורה מקבילית. </a:t>
+            </a:r>
+          </a:p>
+          <a:p>
+            <a:pPr lvl="1" algn="r" rtl="1"/>
+            <a:r>
+              <a:rPr lang="en-US"/>
+              <a:t>Epoll</a:t>
+            </a:r>
+            <a:r>
+              <a:rPr lang="he-IL"/>
+              <a:t> שהוא שדרוג של </a:t>
+            </a:r>
+            <a:r>
+              <a:rPr lang="en-US"/>
+              <a:t>poll</a:t>
+            </a:r>
+            <a:r>
+              <a:rPr lang="he-IL"/>
+              <a:t> שמשפר את העילות שלו אך לא ממומש ברוב מערכות </a:t>
+            </a:r>
+            <a:r>
+              <a:rPr lang="en-US" err="1"/>
+              <a:t>posix</a:t>
+            </a:r>
+            <a:r>
+              <a:rPr lang="he-IL"/>
+              <a:t> אלא מגיע כספרייה חיצונית כאשר הייתרון שלו הוא זמן הריצה.</a:t>
+            </a:r>
+            <a:endParaRPr lang="en-US"/>
+          </a:p>
+          <a:p>
+            <a:pPr lvl="1" algn="r" rtl="1"/>
+            <a:r>
+              <a:rPr lang="en-US"/>
+              <a:t>Async</a:t>
+            </a:r>
+            <a:r>
+              <a:rPr lang="he-IL"/>
+              <a:t> – קונספט נוספת שעובדים איתו לרוב הוא פעולות אסינכרוניות שגר ושכח, אנחנו דורשים איזה שהיא פעולה לדוגמא קריאה או כתיבה ממערכת ההפעלה ומעבירים לה פונקציה לחזרה </a:t>
+            </a:r>
+            <a:r>
+              <a:rPr lang="en-US"/>
+              <a:t>(callback)</a:t>
+            </a:r>
+            <a:r>
+              <a:rPr lang="he-IL"/>
+              <a:t> וכך בעצם הקוד שלנו תמיד ניראה כאילו הוא סינכרוני ורץ ברצף אבל מערכת ההפעלה דואגת לקרוא לפעולות המתאימות כאשר</a:t>
+            </a:r>
+            <a:br>
+              <a:rPr lang="en-US"/>
+            </a:br>
+            <a:r>
+              <a:rPr lang="he-IL"/>
+              <a:t>הזמן הגיע, והתוכנה לא צריכה לחכות ל</a:t>
+            </a:r>
+            <a:r>
+              <a:rPr lang="en-US"/>
+              <a:t>I/O</a:t>
+            </a:r>
+            <a:r>
+              <a:rPr lang="he-IL"/>
+              <a:t> </a:t>
+            </a:r>
+            <a:br>
+              <a:rPr lang="en-US"/>
+            </a:br>
+            <a:r>
+              <a:rPr lang="he-IL" err="1"/>
+              <a:t>שבדר"כ</a:t>
+            </a:r>
+            <a:r>
+              <a:rPr lang="he-IL"/>
+              <a:t> לוקח הרבה זמן. </a:t>
+            </a:r>
+            <a:endParaRPr lang="en-IL"/>
           </a:p>
         </p:txBody>
       </p:sp>
       <p:pic>
         <p:nvPicPr>
-          <p:cNvPr id="4" name="Picture 4" descr="A picture containing vector graphics&#10;&#10;Description automatically generated">
-            <a:extLst>
-              <a:ext uri="{FF2B5EF4-FFF2-40B4-BE49-F238E27FC236}">
-                <a16:creationId xmlns:a16="http://schemas.microsoft.com/office/drawing/2014/main" id="{2AEDDBEF-C1BF-3918-2768-802882E26BAB}"/>
+          <p:cNvPr id="4" name="Picture 4" descr="A picture containing text&#10;&#10;Description automatically generated">
+            <a:extLst>
+              <a:ext uri="{FF2B5EF4-FFF2-40B4-BE49-F238E27FC236}">
+                <a16:creationId xmlns:a16="http://schemas.microsoft.com/office/drawing/2014/main" id="{B7582ADA-BD04-ABA2-D650-DEC90139B482}"/>
               </a:ext>
             </a:extLst>
           </p:cNvPr>
@@ -8108,8 +8002,8 @@
         </p:blipFill>
         <p:spPr>
           <a:xfrm>
-            <a:off x="1344246" y="3989753"/>
-            <a:ext cx="4413738" cy="2952261"/>
+            <a:off x="1930401" y="3923245"/>
+            <a:ext cx="3925277" cy="2938741"/>
           </a:xfrm>
           <a:prstGeom prst="rect">
             <a:avLst/>
@@ -8119,7 +8013,7 @@
     </p:spTree>
     <p:extLst>
       <p:ext uri="{BB962C8B-B14F-4D97-AF65-F5344CB8AC3E}">
-        <p14:creationId xmlns:p14="http://schemas.microsoft.com/office/powerpoint/2010/main" val="3590266986"/>
+        <p14:creationId xmlns:p14="http://schemas.microsoft.com/office/powerpoint/2010/main" val="1494716947"/>
       </p:ext>
     </p:extLst>
   </p:cSld>
@@ -8151,7 +8045,7 @@
           <p:cNvPr id="2" name="Title 1">
             <a:extLst>
               <a:ext uri="{FF2B5EF4-FFF2-40B4-BE49-F238E27FC236}">
-                <a16:creationId xmlns:a16="http://schemas.microsoft.com/office/drawing/2014/main" id="{3D01D95F-251E-6E47-D55B-D60FF87F9AD9}"/>
+                <a16:creationId xmlns:a16="http://schemas.microsoft.com/office/drawing/2014/main" id="{46AF4466-727A-8FFA-89E7-9757056BBEB6}"/>
               </a:ext>
             </a:extLst>
           </p:cNvPr>
@@ -8172,48 +8066,165 @@
                 <a:ea typeface="Microsoft Sans Serif"/>
                 <a:cs typeface="Microsoft Sans Serif"/>
               </a:rPr>
-              <a:t>DHCP</a:t>
-            </a:r>
+              <a:t>Broadcast</a:t>
+            </a:r>
+            <a:endParaRPr lang="en-US"/>
+          </a:p>
+        </p:txBody>
+      </p:sp>
+      <p:sp>
+        <p:nvSpPr>
+          <p:cNvPr id="3" name="Content Placeholder 2">
+            <a:extLst>
+              <a:ext uri="{FF2B5EF4-FFF2-40B4-BE49-F238E27FC236}">
+                <a16:creationId xmlns:a16="http://schemas.microsoft.com/office/drawing/2014/main" id="{3609B897-E196-E9A0-3AF1-1579229527D7}"/>
+              </a:ext>
+            </a:extLst>
+          </p:cNvPr>
+          <p:cNvSpPr>
+            <a:spLocks noGrp="1"/>
+          </p:cNvSpPr>
+          <p:nvPr>
+            <p:ph idx="1"/>
+          </p:nvPr>
+        </p:nvSpPr>
+        <p:spPr>
+          <a:xfrm>
+            <a:off x="1343025" y="1493721"/>
+            <a:ext cx="10406063" cy="4356100"/>
+          </a:xfrm>
+        </p:spPr>
+        <p:txBody>
+          <a:bodyPr vert="horz" lIns="0" tIns="0" rIns="0" bIns="0" rtlCol="0" anchor="t">
+            <a:noAutofit/>
+          </a:bodyPr>
+          <a:lstStyle/>
+          <a:p>
+            <a:pPr marL="342900" indent="-342900" algn="r" rtl="1"/>
             <a:r>
               <a:rPr lang="he-IL">
                 <a:ea typeface="Microsoft Sans Serif"/>
                 <a:cs typeface="Microsoft Sans Serif"/>
               </a:rPr>
-              <a:t> </a:t>
-            </a:r>
-            <a:r>
-              <a:rPr lang="en-US" dirty="0">
-                <a:ea typeface="Microsoft Sans Serif"/>
-                <a:cs typeface="Microsoft Sans Serif"/>
-              </a:rPr>
-              <a:t>Broadcast</a:t>
+              <a:t>בשרתים מסוימים נרצה להשתמש ביכולות שונה, בה השרת לא תמיד יודע מי הלקוחות או שהלקוחות לא יודעים היכן נמצא השרת. </a:t>
+            </a:r>
+            <a:endParaRPr lang="he-IL"/>
+          </a:p>
+          <a:p>
+            <a:pPr marL="342900" indent="-342900" algn="r" rtl="1"/>
+            <a:r>
+              <a:rPr lang="he-IL">
+                <a:ea typeface="Microsoft Sans Serif"/>
+                <a:cs typeface="Microsoft Sans Serif"/>
+              </a:rPr>
+              <a:t>דוגמא נפוצה לכך היא לקוח חדש שמתחבר לרשת חדשה, הוא שולח </a:t>
             </a:r>
             <a:r>
               <a:rPr lang="en-US">
                 <a:ea typeface="Microsoft Sans Serif"/>
                 <a:cs typeface="Microsoft Sans Serif"/>
               </a:rPr>
-              <a:t> Example</a:t>
-            </a:r>
-            <a:endParaRPr lang="en-IL" dirty="0"/>
+              <a:t>broadcast</a:t>
+            </a:r>
+            <a:r>
+              <a:rPr lang="he-IL">
+                <a:ea typeface="Microsoft Sans Serif"/>
+                <a:cs typeface="Microsoft Sans Serif"/>
+              </a:rPr>
+              <a:t> ומחכה לשרת ה</a:t>
+            </a:r>
+            <a:r>
+              <a:rPr lang="en-US" err="1">
+                <a:ea typeface="Microsoft Sans Serif"/>
+                <a:cs typeface="Microsoft Sans Serif"/>
+              </a:rPr>
+              <a:t>dhcp</a:t>
+            </a:r>
+            <a:r>
+              <a:rPr lang="he-IL">
+                <a:ea typeface="Microsoft Sans Serif"/>
+                <a:cs typeface="Microsoft Sans Serif"/>
+              </a:rPr>
+              <a:t> ברשת שישלח לו הודעה עם הפרטים שלו וכך הוא יוכל להתחיל מולו תהליך לקבלת </a:t>
+            </a:r>
+            <a:r>
+              <a:rPr lang="en-US" err="1">
+                <a:ea typeface="Microsoft Sans Serif"/>
+                <a:cs typeface="Microsoft Sans Serif"/>
+              </a:rPr>
+              <a:t>ip</a:t>
+            </a:r>
+            <a:r>
+              <a:rPr lang="he-IL">
+                <a:ea typeface="Microsoft Sans Serif"/>
+                <a:cs typeface="Microsoft Sans Serif"/>
+              </a:rPr>
+              <a:t> ברשת. </a:t>
+            </a:r>
+            <a:endParaRPr lang="he-IL">
+              <a:solidFill>
+                <a:srgbClr val="242E41">
+                  <a:alpha val="77000"/>
+                </a:srgbClr>
+              </a:solidFill>
+            </a:endParaRPr>
+          </a:p>
+          <a:p>
+            <a:pPr marL="342900" indent="-342900" algn="r" rtl="1"/>
+            <a:r>
+              <a:rPr lang="he-IL">
+                <a:ea typeface="Microsoft Sans Serif"/>
+                <a:cs typeface="Microsoft Sans Serif"/>
+              </a:rPr>
+              <a:t>לא יכולנו לבצע את זה בצורה אחרת כי בכל רשת השרת הזה יכול לשבת על כל </a:t>
+            </a:r>
+            <a:r>
+              <a:rPr lang="en-US" err="1">
+                <a:ea typeface="Microsoft Sans Serif"/>
+                <a:cs typeface="Microsoft Sans Serif"/>
+              </a:rPr>
+              <a:t>ip</a:t>
+            </a:r>
+            <a:r>
+              <a:rPr lang="he-IL">
+                <a:ea typeface="Microsoft Sans Serif"/>
+                <a:cs typeface="Microsoft Sans Serif"/>
+              </a:rPr>
+              <a:t> בטווח, והלקוח לא יודע מראש באיזה כתובת להשתמש או איך להזדהות </a:t>
+            </a:r>
+            <a:endParaRPr lang="he-IL">
+              <a:solidFill>
+                <a:srgbClr val="242E41">
+                  <a:alpha val="77000"/>
+                </a:srgbClr>
+              </a:solidFill>
+            </a:endParaRPr>
+          </a:p>
+          <a:p>
+            <a:pPr marL="342900" indent="-342900" algn="r" rtl="1"/>
+            <a:endParaRPr lang="en-US">
+              <a:solidFill>
+                <a:srgbClr val="242E41">
+                  <a:alpha val="77000"/>
+                </a:srgbClr>
+              </a:solidFill>
+            </a:endParaRPr>
           </a:p>
         </p:txBody>
       </p:sp>
       <p:pic>
         <p:nvPicPr>
-          <p:cNvPr id="5" name="Content Placeholder 4">
-            <a:extLst>
-              <a:ext uri="{FF2B5EF4-FFF2-40B4-BE49-F238E27FC236}">
-                <a16:creationId xmlns:a16="http://schemas.microsoft.com/office/drawing/2014/main" id="{054966FB-1840-476A-4742-80B8F7372641}"/>
+          <p:cNvPr id="4" name="Picture 4" descr="A picture containing vector graphics&#10;&#10;Description automatically generated">
+            <a:extLst>
+              <a:ext uri="{FF2B5EF4-FFF2-40B4-BE49-F238E27FC236}">
+                <a16:creationId xmlns:a16="http://schemas.microsoft.com/office/drawing/2014/main" id="{2AEDDBEF-C1BF-3918-2768-802882E26BAB}"/>
               </a:ext>
             </a:extLst>
           </p:cNvPr>
           <p:cNvPicPr>
-            <a:picLocks noGrp="1" noChangeAspect="1"/>
+            <a:picLocks noChangeAspect="1"/>
           </p:cNvPicPr>
-          <p:nvPr>
-            <p:ph idx="1"/>
-          </p:nvPr>
+          <p:nvPr/>
         </p:nvPicPr>
         <p:blipFill>
           <a:blip r:embed="rId2"/>
@@ -8223,8 +8234,8 @@
         </p:blipFill>
         <p:spPr>
           <a:xfrm>
-            <a:off x="1517904" y="1513214"/>
-            <a:ext cx="9729215" cy="5178049"/>
+            <a:off x="1344246" y="3989753"/>
+            <a:ext cx="4413738" cy="2952261"/>
           </a:xfrm>
           <a:prstGeom prst="rect">
             <a:avLst/>
@@ -8234,7 +8245,7 @@
     </p:spTree>
     <p:extLst>
       <p:ext uri="{BB962C8B-B14F-4D97-AF65-F5344CB8AC3E}">
-        <p14:creationId xmlns:p14="http://schemas.microsoft.com/office/powerpoint/2010/main" val="3210288049"/>
+        <p14:creationId xmlns:p14="http://schemas.microsoft.com/office/powerpoint/2010/main" val="3590266986"/>
       </p:ext>
     </p:extLst>
   </p:cSld>
@@ -8266,7 +8277,7 @@
           <p:cNvPr id="2" name="Title 1">
             <a:extLst>
               <a:ext uri="{FF2B5EF4-FFF2-40B4-BE49-F238E27FC236}">
-                <a16:creationId xmlns:a16="http://schemas.microsoft.com/office/drawing/2014/main" id="{30CED136-8066-987B-F720-72E5DA038866}"/>
+                <a16:creationId xmlns:a16="http://schemas.microsoft.com/office/drawing/2014/main" id="{3D01D95F-251E-6E47-D55B-D60FF87F9AD9}"/>
               </a:ext>
             </a:extLst>
           </p:cNvPr>
@@ -8282,15 +8293,123 @@
           <a:bodyPr/>
           <a:lstStyle/>
           <a:p>
+            <a:r>
+              <a:rPr lang="en-US">
+                <a:ea typeface="Microsoft Sans Serif"/>
+                <a:cs typeface="Microsoft Sans Serif"/>
+              </a:rPr>
+              <a:t>DHCP</a:t>
+            </a:r>
+            <a:r>
+              <a:rPr lang="he-IL">
+                <a:ea typeface="Microsoft Sans Serif"/>
+                <a:cs typeface="Microsoft Sans Serif"/>
+              </a:rPr>
+              <a:t> </a:t>
+            </a:r>
+            <a:r>
+              <a:rPr lang="en-US">
+                <a:ea typeface="Microsoft Sans Serif"/>
+                <a:cs typeface="Microsoft Sans Serif"/>
+              </a:rPr>
+              <a:t>Broadcast Example</a:t>
+            </a:r>
+            <a:endParaRPr lang="en-IL"/>
+          </a:p>
+        </p:txBody>
+      </p:sp>
+      <p:pic>
+        <p:nvPicPr>
+          <p:cNvPr id="5" name="Content Placeholder 4">
+            <a:extLst>
+              <a:ext uri="{FF2B5EF4-FFF2-40B4-BE49-F238E27FC236}">
+                <a16:creationId xmlns:a16="http://schemas.microsoft.com/office/drawing/2014/main" id="{054966FB-1840-476A-4742-80B8F7372641}"/>
+              </a:ext>
+            </a:extLst>
+          </p:cNvPr>
+          <p:cNvPicPr>
+            <a:picLocks noGrp="1" noChangeAspect="1"/>
+          </p:cNvPicPr>
+          <p:nvPr>
+            <p:ph idx="1"/>
+          </p:nvPr>
+        </p:nvPicPr>
+        <p:blipFill>
+          <a:blip r:embed="rId2"/>
+          <a:stretch>
+            <a:fillRect/>
+          </a:stretch>
+        </p:blipFill>
+        <p:spPr>
+          <a:xfrm>
+            <a:off x="1517904" y="1513214"/>
+            <a:ext cx="9729215" cy="5178049"/>
+          </a:xfrm>
+          <a:prstGeom prst="rect">
+            <a:avLst/>
+          </a:prstGeom>
+        </p:spPr>
+      </p:pic>
+    </p:spTree>
+    <p:extLst>
+      <p:ext uri="{BB962C8B-B14F-4D97-AF65-F5344CB8AC3E}">
+        <p14:creationId xmlns:p14="http://schemas.microsoft.com/office/powerpoint/2010/main" val="3210288049"/>
+      </p:ext>
+    </p:extLst>
+  </p:cSld>
+  <p:clrMapOvr>
+    <a:masterClrMapping/>
+  </p:clrMapOvr>
+</p:sld>
+</file>
+
+<file path=ppt/slides/slide16.xml><?xml version="1.0" encoding="utf-8"?>
+<p:sld xmlns:a="http://schemas.openxmlformats.org/drawingml/2006/main" xmlns:r="http://schemas.openxmlformats.org/officeDocument/2006/relationships" xmlns:p="http://schemas.openxmlformats.org/presentationml/2006/main">
+  <p:cSld>
+    <p:spTree>
+      <p:nvGrpSpPr>
+        <p:cNvPr id="1" name=""/>
+        <p:cNvGrpSpPr/>
+        <p:nvPr/>
+      </p:nvGrpSpPr>
+      <p:grpSpPr>
+        <a:xfrm>
+          <a:off x="0" y="0"/>
+          <a:ext cx="0" cy="0"/>
+          <a:chOff x="0" y="0"/>
+          <a:chExt cx="0" cy="0"/>
+        </a:xfrm>
+      </p:grpSpPr>
+      <p:sp>
+        <p:nvSpPr>
+          <p:cNvPr id="2" name="Title 1">
+            <a:extLst>
+              <a:ext uri="{FF2B5EF4-FFF2-40B4-BE49-F238E27FC236}">
+                <a16:creationId xmlns:a16="http://schemas.microsoft.com/office/drawing/2014/main" id="{30CED136-8066-987B-F720-72E5DA038866}"/>
+              </a:ext>
+            </a:extLst>
+          </p:cNvPr>
+          <p:cNvSpPr>
+            <a:spLocks noGrp="1"/>
+          </p:cNvSpPr>
+          <p:nvPr>
+            <p:ph type="title"/>
+          </p:nvPr>
+        </p:nvSpPr>
+        <p:spPr/>
+        <p:txBody>
+          <a:bodyPr/>
+          <a:lstStyle/>
+          <a:p>
             <a:pPr algn="r" rtl="1"/>
             <a:r>
-              <a:rPr lang="he-IL" dirty="0">
+              <a:rPr lang="he-IL">
                 <a:ea typeface="Microsoft Sans Serif"/>
                 <a:cs typeface="Microsoft Sans Serif"/>
               </a:rPr>
               <a:t>ולסיכום..</a:t>
             </a:r>
-            <a:endParaRPr lang="en-US" dirty="0"/>
+            <a:endParaRPr lang="en-US"/>
           </a:p>
         </p:txBody>
       </p:sp>
@@ -8324,35 +8443,35 @@
           <a:p>
             <a:pPr marL="342900" indent="-342900" algn="r" rtl="1"/>
             <a:r>
-              <a:rPr lang="he-IL" dirty="0">
+              <a:rPr lang="he-IL">
                 <a:ea typeface="Microsoft Sans Serif"/>
                 <a:cs typeface="Microsoft Sans Serif"/>
               </a:rPr>
               <a:t>תכנות מקבילי (</a:t>
             </a:r>
             <a:r>
-              <a:rPr lang="he-IL" dirty="0" err="1">
+              <a:rPr lang="he-IL" err="1">
                 <a:ea typeface="Microsoft Sans Serif"/>
                 <a:cs typeface="Microsoft Sans Serif"/>
               </a:rPr>
               <a:t>Multithreaded</a:t>
             </a:r>
             <a:r>
-              <a:rPr lang="he-IL" dirty="0">
+              <a:rPr lang="he-IL">
                 <a:ea typeface="Microsoft Sans Serif"/>
                 <a:cs typeface="Microsoft Sans Serif"/>
               </a:rPr>
               <a:t> </a:t>
             </a:r>
             <a:r>
-              <a:rPr lang="he-IL" dirty="0" err="1">
+              <a:rPr lang="he-IL" err="1">
                 <a:ea typeface="Microsoft Sans Serif"/>
                 <a:cs typeface="Microsoft Sans Serif"/>
               </a:rPr>
               <a:t>Programming</a:t>
             </a:r>
             <a:r>
-              <a:rPr lang="he-IL" dirty="0">
+              <a:rPr lang="he-IL">
                 <a:ea typeface="Microsoft Sans Serif"/>
                 <a:cs typeface="Microsoft Sans Serif"/>
               </a:rPr>
@@ -8362,13 +8481,13 @@
           <a:p>
             <a:pPr marL="342900" indent="-342900" algn="r" rtl="1"/>
             <a:r>
-              <a:rPr lang="he-IL" dirty="0">
+              <a:rPr lang="he-IL">
                 <a:ea typeface="Microsoft Sans Serif"/>
                 <a:cs typeface="Microsoft Sans Serif"/>
               </a:rPr>
               <a:t> ישנן מספר גישות עיצוב לתכנון מערכות מרובות תהליכונים כאשר לכל אחת היתרונות והחסרונות שלה.</a:t>
             </a:r>
-            <a:endParaRPr lang="he-IL" dirty="0">
+            <a:endParaRPr lang="he-IL">
               <a:solidFill>
                 <a:srgbClr val="242E41">
                   <a:alpha val="77000"/>
@@ -8381,13 +8500,13 @@
           <a:p>
             <a:pPr marL="342900" indent="-342900" algn="r" rtl="1"/>
             <a:r>
-              <a:rPr lang="he-IL" dirty="0">
+              <a:rPr lang="he-IL">
                 <a:ea typeface="Microsoft Sans Serif"/>
                 <a:cs typeface="Microsoft Sans Serif"/>
               </a:rPr>
               <a:t> עברנו על כמה מהמרכזיות שבהן במהלך ההרצאה:</a:t>
             </a:r>
-            <a:endParaRPr lang="he-IL" dirty="0">
+            <a:endParaRPr lang="he-IL">
               <a:solidFill>
                 <a:srgbClr val="242E41">
                   <a:alpha val="77000"/>
@@ -8400,7 +8519,7 @@
           <a:p>
             <a:pPr marL="702945" lvl="1" indent="-342900" algn="r" rtl="1"/>
             <a:r>
-              <a:rPr lang="en-US" dirty="0" err="1">
+              <a:rPr lang="en-US" err="1">
                 <a:solidFill>
                   <a:srgbClr val="242E41">
                     <a:alpha val="77000"/>
@@ -8412,7 +8531,7 @@
               <a:t>הקצאה</a:t>
             </a:r>
             <a:r>
-              <a:rPr lang="en-US" dirty="0">
+              <a:rPr lang="en-US">
                 <a:solidFill>
                   <a:srgbClr val="242E41">
                     <a:alpha val="77000"/>
@@ -8424,7 +8543,7 @@
               <a:t> </a:t>
             </a:r>
             <a:r>
-              <a:rPr lang="en-US" dirty="0" err="1">
+              <a:rPr lang="en-US" err="1">
                 <a:solidFill>
                   <a:srgbClr val="242E41">
                     <a:alpha val="77000"/>
@@ -8436,7 +8555,7 @@
               <a:t>תהליכון</a:t>
             </a:r>
             <a:r>
-              <a:rPr lang="en-US" dirty="0">
+              <a:rPr lang="en-US">
                 <a:solidFill>
                   <a:srgbClr val="242E41">
                     <a:alpha val="77000"/>
@@ -8448,7 +8567,7 @@
               <a:t> </a:t>
             </a:r>
             <a:r>
-              <a:rPr lang="en-US" dirty="0" err="1">
+              <a:rPr lang="en-US" err="1">
                 <a:solidFill>
                   <a:srgbClr val="242E41">
                     <a:alpha val="77000"/>
@@ -8460,7 +8579,7 @@
               <a:t>עבור</a:t>
             </a:r>
             <a:r>
-              <a:rPr lang="en-US" dirty="0">
+              <a:rPr lang="en-US">
                 <a:solidFill>
                   <a:srgbClr val="242E41">
                     <a:alpha val="77000"/>
@@ -8472,7 +8591,7 @@
               <a:t> </a:t>
             </a:r>
             <a:r>
-              <a:rPr lang="en-US" dirty="0" err="1">
+              <a:rPr lang="en-US" err="1">
                 <a:solidFill>
                   <a:srgbClr val="242E41">
                     <a:alpha val="77000"/>
@@ -8484,7 +8603,7 @@
               <a:t>לקוח</a:t>
             </a:r>
             <a:r>
-              <a:rPr lang="en-US" dirty="0">
+              <a:rPr lang="en-US">
                 <a:solidFill>
                   <a:srgbClr val="242E41">
                     <a:alpha val="77000"/>
@@ -8496,7 +8615,7 @@
               <a:t> </a:t>
             </a:r>
             <a:r>
-              <a:rPr lang="en-US" dirty="0" err="1">
+              <a:rPr lang="en-US" err="1">
                 <a:solidFill>
                   <a:srgbClr val="242E41">
                     <a:alpha val="77000"/>
@@ -8508,7 +8627,7 @@
               <a:t>או</a:t>
             </a:r>
             <a:r>
-              <a:rPr lang="en-US" dirty="0">
+              <a:rPr lang="en-US">
                 <a:solidFill>
                   <a:srgbClr val="242E41">
                     <a:alpha val="77000"/>
@@ -8520,7 +8639,7 @@
               <a:t> </a:t>
             </a:r>
             <a:r>
-              <a:rPr lang="en-US" dirty="0" err="1">
+              <a:rPr lang="en-US" err="1">
                 <a:solidFill>
                   <a:srgbClr val="242E41">
                     <a:alpha val="77000"/>
@@ -8532,7 +8651,7 @@
               <a:t>תהליך</a:t>
             </a:r>
             <a:r>
-              <a:rPr lang="en-US" dirty="0">
+              <a:rPr lang="en-US">
                 <a:solidFill>
                   <a:srgbClr val="242E41">
                     <a:alpha val="77000"/>
@@ -8544,7 +8663,7 @@
               <a:t> </a:t>
             </a:r>
             <a:r>
-              <a:rPr lang="en-US" dirty="0" err="1">
+              <a:rPr lang="en-US" err="1">
                 <a:solidFill>
                   <a:srgbClr val="242E41">
                     <a:alpha val="77000"/>
@@ -8556,7 +8675,7 @@
               <a:t>עבור</a:t>
             </a:r>
             <a:r>
-              <a:rPr lang="en-US" dirty="0">
+              <a:rPr lang="en-US">
                 <a:solidFill>
                   <a:srgbClr val="242E41">
                     <a:alpha val="77000"/>
@@ -8568,7 +8687,7 @@
               <a:t> </a:t>
             </a:r>
             <a:r>
-              <a:rPr lang="en-US" dirty="0" err="1">
+              <a:rPr lang="en-US" err="1">
                 <a:solidFill>
                   <a:srgbClr val="242E41">
                     <a:alpha val="77000"/>
@@ -8580,7 +8699,7 @@
               <a:t>שליחה</a:t>
             </a:r>
             <a:r>
-              <a:rPr lang="en-US" dirty="0">
+              <a:rPr lang="en-US">
                 <a:solidFill>
                   <a:srgbClr val="242E41">
                     <a:alpha val="77000"/>
@@ -8592,7 +8711,7 @@
               <a:t> </a:t>
             </a:r>
             <a:r>
-              <a:rPr lang="en-US" dirty="0" err="1">
+              <a:rPr lang="en-US" err="1">
                 <a:solidFill>
                   <a:srgbClr val="242E41">
                     <a:alpha val="77000"/>
@@ -8603,7 +8722,7 @@
               </a:rPr>
               <a:t>וקבלה</a:t>
             </a:r>
-            <a:endParaRPr lang="en-US" dirty="0">
+            <a:endParaRPr lang="en-US">
               <a:solidFill>
                 <a:srgbClr val="242E41">
                   <a:alpha val="77000"/>
@@ -8616,20 +8735,20 @@
           <a:p>
             <a:pPr marL="702945" lvl="1" indent="-342900" algn="r" rtl="1"/>
             <a:r>
-              <a:rPr lang="he-IL" dirty="0">
+              <a:rPr lang="he-IL">
                 <a:ea typeface="Microsoft Sans Serif"/>
                 <a:cs typeface="Microsoft Sans Serif"/>
               </a:rPr>
               <a:t>שימוש ב ו</a:t>
             </a:r>
             <a:r>
-              <a:rPr lang="en-US" dirty="0">
+              <a:rPr lang="en-US">
                 <a:ea typeface="Microsoft Sans Serif"/>
                 <a:cs typeface="Microsoft Sans Serif"/>
               </a:rPr>
               <a:t>poll/select</a:t>
             </a:r>
-            <a:endParaRPr lang="he-IL" dirty="0">
+            <a:endParaRPr lang="he-IL">
               <a:ea typeface="Microsoft Sans Serif"/>
               <a:cs typeface="Microsoft Sans Serif"/>
             </a:endParaRPr>
@@ -8637,35 +8756,35 @@
           <a:p>
             <a:pPr marL="702945" lvl="1" indent="-342900" algn="r" rtl="1"/>
             <a:r>
-              <a:rPr lang="he-IL" dirty="0">
+              <a:rPr lang="he-IL">
                 <a:ea typeface="Microsoft Sans Serif"/>
                 <a:cs typeface="Microsoft Sans Serif"/>
               </a:rPr>
               <a:t>ובנוסף ציינו מספר נוספות כדוגמת </a:t>
             </a:r>
             <a:r>
-              <a:rPr lang="en-US" dirty="0">
+              <a:rPr lang="en-US">
                 <a:ea typeface="Microsoft Sans Serif"/>
                 <a:cs typeface="Microsoft Sans Serif"/>
               </a:rPr>
               <a:t>epoll</a:t>
             </a:r>
             <a:r>
-              <a:rPr lang="he-IL" dirty="0">
+              <a:rPr lang="he-IL">
                 <a:ea typeface="Microsoft Sans Serif"/>
                 <a:cs typeface="Microsoft Sans Serif"/>
               </a:rPr>
               <a:t> ו</a:t>
             </a:r>
             <a:r>
-              <a:rPr lang="en-US" dirty="0">
+              <a:rPr lang="en-US">
                 <a:ea typeface="Microsoft Sans Serif"/>
                 <a:cs typeface="Microsoft Sans Serif"/>
               </a:rPr>
               <a:t>async I/O</a:t>
             </a:r>
             <a:r>
-              <a:rPr lang="he-IL" dirty="0">
+              <a:rPr lang="he-IL">
                 <a:ea typeface="Microsoft Sans Serif"/>
                 <a:cs typeface="Microsoft Sans Serif"/>
               </a:rPr>
@@ -8675,7 +8794,7 @@
           <a:p>
             <a:pPr marL="342945" indent="-342900" algn="r" rtl="1"/>
             <a:r>
-              <a:rPr lang="he-IL" dirty="0">
+              <a:rPr lang="he-IL">
                 <a:solidFill>
                   <a:srgbClr val="242E41">
                     <a:alpha val="77000"/>
@@ -8687,7 +8806,7 @@
               <a:t>בנוסף לכך ציינו גם טכנולוגיות של </a:t>
             </a:r>
             <a:r>
-              <a:rPr lang="en-US" dirty="0">
+              <a:rPr lang="en-US">
                 <a:solidFill>
                   <a:srgbClr val="242E41">
                     <a:alpha val="77000"/>
@@ -8699,7 +8818,7 @@
               <a:t>broadcast</a:t>
             </a:r>
             <a:r>
-              <a:rPr lang="he-IL" dirty="0">
+              <a:rPr lang="he-IL">
                 <a:solidFill>
                   <a:srgbClr val="242E41">
                     <a:alpha val="77000"/>
@@ -8711,7 +8830,7 @@
               <a:t> ושימושים עיקריים </a:t>
             </a:r>
             <a:br>
-              <a:rPr lang="en-US" dirty="0">
+              <a:rPr lang="en-US">
                 <a:solidFill>
                   <a:srgbClr val="242E41">
                     <a:alpha val="77000"/>
@@ -8722,7 +8841,7 @@
               </a:rPr>
             </a:br>
             <a:r>
-              <a:rPr lang="he-IL" dirty="0">
+              <a:rPr lang="he-IL">
                 <a:solidFill>
                   <a:srgbClr val="242E41">
                     <a:alpha val="77000"/>
@@ -8736,7 +8855,7 @@
           </a:p>
           <a:p>
             <a:pPr marL="342900" indent="0" algn="r" rtl="1"/>
-            <a:endParaRPr lang="he-IL" dirty="0">
+            <a:endParaRPr lang="he-IL">
               <a:solidFill>
                 <a:srgbClr val="242E41">
                   <a:alpha val="77000"/>
@@ -8748,7 +8867,7 @@
           </a:p>
           <a:p>
             <a:pPr marL="702945" lvl="1" indent="-342900" algn="r" rtl="1"/>
-            <a:endParaRPr lang="he-IL" dirty="0">
+            <a:endParaRPr lang="he-IL">
               <a:solidFill>
                 <a:srgbClr val="242E41">
                   <a:alpha val="77000"/>
@@ -8760,7 +8879,7 @@
           </a:p>
           <a:p>
             <a:pPr marL="342900" indent="-342900" algn="r" rtl="1"/>
-            <a:endParaRPr lang="he-IL" dirty="0">
+            <a:endParaRPr lang="he-IL">
               <a:solidFill>
                 <a:srgbClr val="242E41">
                   <a:alpha val="77000"/>
@@ -8815,7 +8934,7 @@
 </p:sld>
 </file>
 
-<file path=ppt/slides/slide16.xml><?xml version="1.0" encoding="utf-8"?>
+<file path=ppt/slides/slide17.xml><?xml version="1.0" encoding="utf-8"?>
 <p:sld xmlns:a="http://schemas.openxmlformats.org/drawingml/2006/main" xmlns:r="http://schemas.openxmlformats.org/officeDocument/2006/relationships" xmlns:p="http://schemas.openxmlformats.org/presentationml/2006/main">
   <p:cSld>
     <p:bg>
@@ -9011,7 +9130,7 @@
           <a:lstStyle/>
           <a:p>
             <a:r>
-              <a:rPr lang="en-US" sz="2400" dirty="0">
+              <a:rPr lang="en-US" sz="2400">
                 <a:solidFill>
                   <a:schemeClr val="bg2"/>
                 </a:solidFill>
@@ -9060,7 +9179,7 @@
               <a:buChar char="à"/>
             </a:pPr>
             <a:r>
-              <a:rPr lang="en-US" dirty="0">
+              <a:rPr lang="en-US">
                 <a:solidFill>
                   <a:schemeClr val="tx2"/>
                 </a:solidFill>
@@ -9083,7 +9202,7 @@
               <a:buChar char="à"/>
             </a:pPr>
             <a:r>
-              <a:rPr lang="en-US" dirty="0">
+              <a:rPr lang="en-US">
                 <a:solidFill>
                   <a:schemeClr val="tx2"/>
                 </a:solidFill>
@@ -9106,7 +9225,7 @@
               <a:buChar char="à"/>
             </a:pPr>
             <a:r>
-              <a:rPr lang="en-US" dirty="0">
+              <a:rPr lang="en-US">
                 <a:solidFill>
                   <a:schemeClr val="tx2"/>
                 </a:solidFill>
@@ -9117,7 +9236,7 @@
               <a:t>razgino11/</a:t>
             </a:r>
             <a:r>
-              <a:rPr lang="en-US" dirty="0" err="1">
+              <a:rPr lang="en-US" err="1">
                 <a:solidFill>
                   <a:schemeClr val="tx2"/>
                 </a:solidFill>
@@ -9128,7 +9247,7 @@
               <a:t>MultithreadingLecture</a:t>
             </a:r>
             <a:r>
-              <a:rPr lang="en-US" dirty="0">
+              <a:rPr lang="en-US">
                 <a:solidFill>
                   <a:schemeClr val="tx2"/>
                 </a:solidFill>
@@ -9138,7 +9257,7 @@
               </a:rPr>
               <a:t>: A lecture by Raz Gino and Yair Fihman (github.com)</a:t>
             </a:r>
-            <a:endParaRPr lang="en-US" dirty="0">
+            <a:endParaRPr lang="en-US">
               <a:solidFill>
                 <a:schemeClr val="tx2"/>
               </a:solidFill>
@@ -9672,63 +9791,63 @@
           <a:p>
             <a:pPr algn="r" rtl="1"/>
             <a:r>
-              <a:rPr lang="en-US" dirty="0"/>
+              <a:rPr lang="en-US"/>
               <a:t>Thread</a:t>
             </a:r>
             <a:r>
-              <a:rPr lang="he-IL" dirty="0"/>
+              <a:rPr lang="he-IL"/>
               <a:t> – בעברית תהליכון, הוא אלמנט שניתן לנו על ידי מערכת ההפעלה, שמאפשר לנהל מספר קווי ריצה </a:t>
             </a:r>
             <a:r>
-              <a:rPr lang="he-IL" dirty="0" err="1"/>
+              <a:rPr lang="he-IL" err="1"/>
               <a:t>סינכורנים</a:t>
             </a:r>
             <a:r>
-              <a:rPr lang="he-IL" dirty="0"/>
+              <a:rPr lang="he-IL"/>
               <a:t> במקביל במסגרת תהליך אחד.</a:t>
             </a:r>
           </a:p>
           <a:p>
             <a:pPr algn="r" rtl="1"/>
             <a:r>
-              <a:rPr lang="he-IL" dirty="0"/>
+              <a:rPr lang="he-IL"/>
               <a:t>תהליך כתיבת תוכנה המפעילה ומשתמשת במספר תהליכונים נקרא </a:t>
             </a:r>
             <a:r>
-              <a:rPr lang="en-US" dirty="0"/>
+              <a:rPr lang="en-US"/>
               <a:t>Multithreaded Programming</a:t>
             </a:r>
             <a:r>
-              <a:rPr lang="he-IL" dirty="0"/>
+              <a:rPr lang="he-IL"/>
               <a:t>.</a:t>
             </a:r>
           </a:p>
           <a:p>
             <a:pPr algn="r" rtl="1"/>
             <a:r>
-              <a:rPr lang="he-IL" dirty="0"/>
+              <a:rPr lang="he-IL"/>
               <a:t>כתיבה שכזאת מאפשרת לנו לכתוב תוכנה אשר תדע לתת תחושה של מקביליות, גם אם היא רצה על מעבד יחיד, על ידי קפיצה בין תהליכון אחד לאחר בעקבות אירועים, או בעקבות זמן שבו התהליך לא מבצע דבר ע"י </a:t>
             </a:r>
             <a:r>
-              <a:rPr lang="en-US" dirty="0"/>
+              <a:rPr lang="en-US"/>
               <a:t>Context Switching</a:t>
             </a:r>
             <a:r>
-              <a:rPr lang="he-IL" dirty="0"/>
+              <a:rPr lang="he-IL"/>
               <a:t>.</a:t>
             </a:r>
           </a:p>
           <a:p>
             <a:pPr algn="r" rtl="1"/>
-            <a:endParaRPr lang="en-US" dirty="0"/>
+            <a:endParaRPr lang="en-US"/>
           </a:p>
           <a:p>
             <a:pPr algn="r" rtl="1"/>
-            <a:endParaRPr lang="en-US" dirty="0"/>
+            <a:endParaRPr lang="en-US"/>
           </a:p>
           <a:p>
             <a:pPr algn="r" rtl="1"/>
-            <a:endParaRPr lang="he-IL" dirty="0"/>
+            <a:endParaRPr lang="he-IL"/>
           </a:p>
         </p:txBody>
       </p:sp>
@@ -10007,55 +10126,41 @@
           <a:p>
             <a:pPr algn="ctr" rtl="1"/>
             <a:r>
-              <a:rPr lang="he-IL" sz="2800">
+              <a:rPr lang="he-IL" sz="2800" dirty="0">
                 <a:ea typeface="Microsoft Sans Serif"/>
                 <a:cs typeface="Microsoft Sans Serif"/>
               </a:rPr>
               <a:t>אז מה בעצם ההבדל בין תהליך</a:t>
             </a:r>
             <a:r>
-              <a:rPr lang="en-US" sz="2800">
+              <a:rPr lang="en-US" sz="2800" dirty="0">
                 <a:ea typeface="Microsoft Sans Serif"/>
                 <a:cs typeface="Microsoft Sans Serif"/>
               </a:rPr>
               <a:t> (Process) </a:t>
             </a:r>
             <a:r>
-              <a:rPr lang="he-IL" sz="2800">
-                <a:ea typeface="Microsoft Sans Serif"/>
-                <a:cs typeface="Microsoft Sans Serif"/>
-              </a:rPr>
-              <a:t>, </a:t>
-            </a:r>
-            <a:r>
-              <a:rPr lang="he-IL" sz="2800" err="1">
-                <a:ea typeface="Microsoft Sans Serif"/>
-                <a:cs typeface="Microsoft Sans Serif"/>
-              </a:rPr>
-              <a:t>לתהליכון</a:t>
-            </a:r>
-            <a:r>
-              <a:rPr lang="he-IL" sz="2800">
-                <a:ea typeface="Microsoft Sans Serif"/>
-                <a:cs typeface="Microsoft Sans Serif"/>
-              </a:rPr>
-              <a:t> </a:t>
-            </a:r>
-            <a:r>
-              <a:rPr lang="en-US" sz="2800">
+              <a:rPr lang="he-IL" sz="2800" dirty="0">
+                <a:ea typeface="Microsoft Sans Serif"/>
+                <a:cs typeface="Microsoft Sans Serif"/>
+              </a:rPr>
+              <a:t>, לתהליכון </a:t>
+            </a:r>
+            <a:r>
+              <a:rPr lang="en-US" sz="2800" dirty="0">
                 <a:ea typeface="Microsoft Sans Serif"/>
                 <a:cs typeface="Microsoft Sans Serif"/>
               </a:rPr>
               <a:t>(Thread) </a:t>
             </a:r>
             <a:r>
-              <a:rPr lang="he-IL" sz="2800">
+              <a:rPr lang="he-IL" sz="2800" dirty="0">
                 <a:ea typeface="Microsoft Sans Serif"/>
                 <a:cs typeface="Microsoft Sans Serif"/>
               </a:rPr>
               <a:t>?</a:t>
             </a:r>
-            <a:endParaRPr lang="en-US" sz="2800">
+            <a:endParaRPr lang="en-US" sz="2800" dirty="0">
               <a:ea typeface="Microsoft Sans Serif"/>
               <a:cs typeface="Microsoft Sans Serif"/>
             </a:endParaRPr>
@@ -10158,41 +10263,41 @@
               <a:buNone/>
             </a:pPr>
             <a:r>
-              <a:rPr lang="he-IL">
+              <a:rPr lang="he-IL" dirty="0">
                 <a:ea typeface="Microsoft Sans Serif"/>
                 <a:cs typeface="Microsoft Sans Serif"/>
               </a:rPr>
               <a:t>כמו תהליכים, גם לתהליכונים יש סט אוגרים משלהם ו</a:t>
             </a:r>
             <a:r>
-              <a:rPr lang="en-US">
+              <a:rPr lang="en-US" dirty="0">
                 <a:ea typeface="Microsoft Sans Serif"/>
                 <a:cs typeface="Microsoft Sans Serif"/>
               </a:rPr>
               <a:t>context </a:t>
             </a:r>
             <a:r>
-              <a:rPr lang="he-IL">
+              <a:rPr lang="he-IL" dirty="0">
                 <a:ea typeface="Microsoft Sans Serif"/>
                 <a:cs typeface="Microsoft Sans Serif"/>
               </a:rPr>
               <a:t> ריצה (שכולל גם את ה</a:t>
             </a:r>
             <a:r>
-              <a:rPr lang="en-US">
+              <a:rPr lang="en-US" dirty="0">
                 <a:ea typeface="Microsoft Sans Serif"/>
                 <a:cs typeface="Microsoft Sans Serif"/>
               </a:rPr>
               <a:t>Program Counter</a:t>
             </a:r>
             <a:r>
-              <a:rPr lang="he-IL">
+              <a:rPr lang="he-IL" dirty="0">
                 <a:ea typeface="Microsoft Sans Serif"/>
                 <a:cs typeface="Microsoft Sans Serif"/>
               </a:rPr>
               <a:t> – שמסמן את המיקום המדויק בריצה) ומחסנית משלהם לניהול זיכרון</a:t>
             </a:r>
-            <a:endParaRPr lang="en-US">
+            <a:endParaRPr lang="en-US" dirty="0">
               <a:solidFill>
                 <a:srgbClr val="242E41">
                   <a:alpha val="77000"/>
@@ -11588,40 +11693,40 @@
           <a:p>
             <a:pPr marL="359410" indent="-359410" algn="r" rtl="1"/>
             <a:r>
-              <a:rPr lang="he-IL" dirty="0">
+              <a:rPr lang="he-IL">
                 <a:ea typeface="Microsoft Sans Serif"/>
                 <a:cs typeface="Microsoft Sans Serif"/>
               </a:rPr>
               <a:t>נשים לב כי במהלך העבודה חשוב לדאוג לסנכרון כאשר עובדים עם משאבים משותפים </a:t>
             </a:r>
             <a:br>
-              <a:rPr lang="he-IL" dirty="0">
+              <a:rPr lang="he-IL">
                 <a:ea typeface="Microsoft Sans Serif"/>
                 <a:cs typeface="Microsoft Sans Serif"/>
               </a:rPr>
             </a:br>
             <a:r>
-              <a:rPr lang="he-IL" dirty="0">
+              <a:rPr lang="he-IL">
                 <a:ea typeface="Microsoft Sans Serif"/>
                 <a:cs typeface="Microsoft Sans Serif"/>
               </a:rPr>
               <a:t>(</a:t>
             </a:r>
             <a:r>
-              <a:rPr lang="en-US" dirty="0">
+              <a:rPr lang="en-US">
                 <a:ea typeface="Microsoft Sans Serif"/>
                 <a:cs typeface="Microsoft Sans Serif"/>
               </a:rPr>
               <a:t>files, handles</a:t>
             </a:r>
             <a:r>
-              <a:rPr lang="he-IL" dirty="0">
+              <a:rPr lang="he-IL">
                 <a:ea typeface="Microsoft Sans Serif"/>
                 <a:cs typeface="Microsoft Sans Serif"/>
               </a:rPr>
               <a:t>, משתנים משותפים) או לעבוד עם ספריות שמספקות את השירותים האלה מראש. </a:t>
             </a:r>
-            <a:endParaRPr lang="en-US" dirty="0">
+            <a:endParaRPr lang="en-US">
               <a:solidFill>
                 <a:srgbClr val="242E41">
                   <a:alpha val="77000"/>
@@ -11632,13 +11737,13 @@
           <a:p>
             <a:pPr marL="359410" indent="-359410" algn="r" rtl="1"/>
             <a:r>
-              <a:rPr lang="he-IL" sz="1800" dirty="0">
+              <a:rPr lang="he-IL" sz="1800">
                 <a:ea typeface="Microsoft Sans Serif"/>
                 <a:cs typeface="Microsoft Sans Serif"/>
               </a:rPr>
               <a:t>על מנת ליצור סנכרון יש מספר אובייקטים של מערכת ההפעלה אשר ניתן להשתמש בהם:</a:t>
             </a:r>
-            <a:endParaRPr lang="he-IL" sz="1800" dirty="0">
+            <a:endParaRPr lang="he-IL" sz="1800">
               <a:solidFill>
                 <a:srgbClr val="242E41">
                   <a:alpha val="77000"/>
@@ -11651,89 +11756,89 @@
           <a:p>
             <a:pPr marL="719455" lvl="1" indent="-359410" algn="r" rtl="1"/>
             <a:r>
-              <a:rPr lang="en-US" sz="1800" dirty="0">
+              <a:rPr lang="en-US" sz="1800">
                 <a:ea typeface="Microsoft Sans Serif"/>
                 <a:cs typeface="Microsoft Sans Serif"/>
               </a:rPr>
               <a:t>Semaphore</a:t>
             </a:r>
             <a:r>
-              <a:rPr lang="he-IL" sz="1800" dirty="0">
+              <a:rPr lang="he-IL" sz="1800">
                 <a:ea typeface="Microsoft Sans Serif"/>
                 <a:cs typeface="Microsoft Sans Serif"/>
               </a:rPr>
               <a:t> – בקצרה, </a:t>
             </a:r>
             <a:r>
-              <a:rPr lang="he-IL" sz="1800" dirty="0" err="1">
+              <a:rPr lang="he-IL" sz="1800" err="1">
                 <a:ea typeface="Microsoft Sans Serif"/>
                 <a:cs typeface="Microsoft Sans Serif"/>
               </a:rPr>
               <a:t>סמפור</a:t>
             </a:r>
             <a:r>
-              <a:rPr lang="he-IL" sz="1800" dirty="0">
+              <a:rPr lang="he-IL" sz="1800">
                 <a:ea typeface="Microsoft Sans Serif"/>
                 <a:cs typeface="Microsoft Sans Serif"/>
               </a:rPr>
               <a:t> הוא מן מונה </a:t>
             </a:r>
             <a:r>
-              <a:rPr lang="en-US" sz="1800" dirty="0">
+              <a:rPr lang="en-US" sz="1800">
                 <a:ea typeface="Microsoft Sans Serif"/>
                 <a:cs typeface="Microsoft Sans Serif"/>
               </a:rPr>
               <a:t>counter)</a:t>
             </a:r>
             <a:r>
-              <a:rPr lang="he-IL" sz="1800" dirty="0">
+              <a:rPr lang="he-IL" sz="1800">
                 <a:ea typeface="Microsoft Sans Serif"/>
                 <a:cs typeface="Microsoft Sans Serif"/>
               </a:rPr>
               <a:t>) אשר מאפשר </a:t>
             </a:r>
             <a:br>
-              <a:rPr lang="he-IL" sz="1800" dirty="0">
+              <a:rPr lang="he-IL" sz="1800">
                 <a:ea typeface="Microsoft Sans Serif"/>
                 <a:cs typeface="Microsoft Sans Serif"/>
               </a:rPr>
             </a:br>
             <a:r>
-              <a:rPr lang="he-IL" sz="1800" dirty="0">
+              <a:rPr lang="he-IL" sz="1800">
                 <a:ea typeface="Microsoft Sans Serif"/>
                 <a:cs typeface="Microsoft Sans Serif"/>
               </a:rPr>
               <a:t>לנו להגביל גישה לאזורי זיכרון </a:t>
             </a:r>
             <a:r>
-              <a:rPr lang="he-IL" sz="1800" dirty="0" err="1">
+              <a:rPr lang="he-IL" sz="1800" err="1">
                 <a:ea typeface="Microsoft Sans Serif"/>
                 <a:cs typeface="Microsoft Sans Serif"/>
               </a:rPr>
               <a:t>קריטים</a:t>
             </a:r>
             <a:r>
-              <a:rPr lang="he-IL" sz="1800" dirty="0">
+              <a:rPr lang="he-IL" sz="1800">
                 <a:ea typeface="Microsoft Sans Serif"/>
                 <a:cs typeface="Microsoft Sans Serif"/>
               </a:rPr>
               <a:t> כך שרק מספר מוגבל של </a:t>
             </a:r>
             <a:r>
-              <a:rPr lang="en-US" sz="1800" dirty="0">
+              <a:rPr lang="en-US" sz="1800">
                 <a:ea typeface="Microsoft Sans Serif"/>
                 <a:cs typeface="Microsoft Sans Serif"/>
               </a:rPr>
               <a:t>thread</a:t>
             </a:r>
             <a:r>
-              <a:rPr lang="he-IL" sz="1800" dirty="0">
+              <a:rPr lang="he-IL" sz="1800">
                 <a:ea typeface="Microsoft Sans Serif"/>
                 <a:cs typeface="Microsoft Sans Serif"/>
               </a:rPr>
               <a:t>ים יוכלו לגשת אליהם בו זמנית .</a:t>
             </a:r>
-            <a:endParaRPr lang="he-IL" sz="1800" dirty="0">
+            <a:endParaRPr lang="he-IL" sz="1800">
               <a:solidFill>
                 <a:srgbClr val="242E41">
                   <a:alpha val="77000"/>
@@ -11746,89 +11851,89 @@
           <a:p>
             <a:pPr marL="719455" lvl="1" indent="-359410" algn="r" rtl="1"/>
             <a:r>
-              <a:rPr lang="en-US" sz="1800" dirty="0">
+              <a:rPr lang="en-US" sz="1800">
                 <a:ea typeface="Microsoft Sans Serif"/>
                 <a:cs typeface="Microsoft Sans Serif"/>
               </a:rPr>
               <a:t>Mutex </a:t>
             </a:r>
             <a:r>
-              <a:rPr lang="he-IL" sz="1800" dirty="0">
+              <a:rPr lang="he-IL" sz="1800">
                 <a:ea typeface="Microsoft Sans Serif"/>
                 <a:cs typeface="Microsoft Sans Serif"/>
               </a:rPr>
               <a:t> -</a:t>
             </a:r>
             <a:r>
-              <a:rPr lang="en-US" sz="1800" dirty="0">
+              <a:rPr lang="en-US" sz="1800">
                 <a:ea typeface="Microsoft Sans Serif"/>
                 <a:cs typeface="Microsoft Sans Serif"/>
               </a:rPr>
               <a:t> </a:t>
             </a:r>
             <a:r>
-              <a:rPr lang="en-US" sz="1800" dirty="0" err="1">
+              <a:rPr lang="en-US" sz="1800" err="1">
                 <a:ea typeface="Microsoft Sans Serif"/>
                 <a:cs typeface="Microsoft Sans Serif"/>
               </a:rPr>
               <a:t>זהו</a:t>
             </a:r>
             <a:r>
-              <a:rPr lang="en-US" sz="1800" dirty="0">
+              <a:rPr lang="en-US" sz="1800">
                 <a:ea typeface="Microsoft Sans Serif"/>
                 <a:cs typeface="Microsoft Sans Serif"/>
               </a:rPr>
               <a:t> </a:t>
             </a:r>
             <a:r>
-              <a:rPr lang="en-US" sz="1800" dirty="0" err="1">
+              <a:rPr lang="en-US" sz="1800" err="1">
                 <a:ea typeface="Microsoft Sans Serif"/>
                 <a:cs typeface="Microsoft Sans Serif"/>
               </a:rPr>
               <a:t>סוג</a:t>
             </a:r>
             <a:r>
-              <a:rPr lang="en-US" sz="1800" dirty="0">
+              <a:rPr lang="en-US" sz="1800">
                 <a:ea typeface="Microsoft Sans Serif"/>
                 <a:cs typeface="Microsoft Sans Serif"/>
               </a:rPr>
               <a:t> </a:t>
             </a:r>
             <a:r>
-              <a:rPr lang="en-US" sz="1800" dirty="0" err="1">
+              <a:rPr lang="en-US" sz="1800" err="1">
                 <a:ea typeface="Microsoft Sans Serif"/>
                 <a:cs typeface="Microsoft Sans Serif"/>
               </a:rPr>
               <a:t>של</a:t>
             </a:r>
             <a:r>
-              <a:rPr lang="en-US" sz="1800" dirty="0">
+              <a:rPr lang="en-US" sz="1800">
                 <a:ea typeface="Microsoft Sans Serif"/>
                 <a:cs typeface="Microsoft Sans Serif"/>
               </a:rPr>
               <a:t> Semaphore</a:t>
             </a:r>
             <a:r>
-              <a:rPr lang="he-IL" sz="1800" dirty="0">
+              <a:rPr lang="he-IL" sz="1800">
                 <a:ea typeface="Microsoft Sans Serif"/>
                 <a:cs typeface="Microsoft Sans Serif"/>
               </a:rPr>
               <a:t> אשר יכול לעלות רק עד למספר 1</a:t>
             </a:r>
             <a:br>
-              <a:rPr lang="he-IL" sz="1800" dirty="0">
+              <a:rPr lang="he-IL" sz="1800">
                 <a:ea typeface="Microsoft Sans Serif"/>
                 <a:cs typeface="Microsoft Sans Serif"/>
               </a:rPr>
             </a:br>
             <a:r>
-              <a:rPr lang="he-IL" sz="1800" dirty="0">
+              <a:rPr lang="he-IL" sz="1800">
                 <a:ea typeface="Microsoft Sans Serif"/>
                 <a:cs typeface="Microsoft Sans Serif"/>
               </a:rPr>
               <a:t> זאת אומרת שרק תהליכון אחד יכול להיות בקטע הקריטי כל פעם</a:t>
             </a:r>
-            <a:endParaRPr lang="he-IL" sz="1800" dirty="0">
+            <a:endParaRPr lang="he-IL" sz="1800">
               <a:solidFill>
                 <a:srgbClr val="242E41">
                   <a:alpha val="77000"/>
@@ -11842,7 +11947,7 @@
             <a:pPr marL="360045" lvl="1" indent="0" algn="r" rtl="1">
               <a:buNone/>
             </a:pPr>
-            <a:endParaRPr lang="he-IL" dirty="0">
+            <a:endParaRPr lang="he-IL">
               <a:solidFill>
                 <a:srgbClr val="242E41">
                   <a:alpha val="77000"/>
@@ -12874,7 +12979,7 @@
               </a:rPr>
               <a:t>Multithreaded Servers</a:t>
             </a:r>
-            <a:endParaRPr lang="en-US" dirty="0"/>
+            <a:endParaRPr lang="en-US"/>
           </a:p>
         </p:txBody>
       </p:sp>
@@ -12907,7 +13012,7 @@
           <a:lstStyle/>
           <a:p>
             <a:pPr marL="359410" indent="-359410" algn="r" rtl="1"/>
-            <a:endParaRPr lang="he-IL" dirty="0">
+            <a:endParaRPr lang="he-IL">
               <a:solidFill>
                 <a:srgbClr val="242E41">
                   <a:alpha val="77000"/>
@@ -12920,7 +13025,7 @@
           <a:p>
             <a:pPr marL="359410" indent="-359410" algn="r" rtl="1"/>
             <a:r>
-              <a:rPr lang="he-IL" dirty="0">
+              <a:rPr lang="he-IL">
                 <a:solidFill>
                   <a:srgbClr val="242E41">
                     <a:alpha val="77000"/>
@@ -12935,7 +13040,7 @@
           <a:p>
             <a:pPr marL="359410" indent="-359410" algn="r" rtl="1"/>
             <a:r>
-              <a:rPr lang="he-IL" dirty="0">
+              <a:rPr lang="he-IL">
                 <a:solidFill>
                   <a:srgbClr val="242E41">
                     <a:alpha val="77000"/>
@@ -12950,7 +13055,7 @@
           <a:p>
             <a:pPr marL="359410" indent="-359410" algn="r" rtl="1"/>
             <a:r>
-              <a:rPr lang="he-IL" dirty="0">
+              <a:rPr lang="he-IL">
                 <a:solidFill>
                   <a:srgbClr val="242E41">
                     <a:alpha val="77000"/>
@@ -12965,7 +13070,7 @@
           <a:p>
             <a:pPr marL="359410" indent="-359410" algn="r" rtl="1"/>
             <a:r>
-              <a:rPr lang="he-IL" dirty="0">
+              <a:rPr lang="he-IL">
                 <a:solidFill>
                   <a:srgbClr val="242E41">
                     <a:alpha val="77000"/>
@@ -12977,7 +13082,7 @@
               <a:t>עיצוב התוכנה של השרת יכול לבוא במספר גישות,</a:t>
             </a:r>
             <a:br>
-              <a:rPr lang="he-IL" dirty="0">
+              <a:rPr lang="he-IL">
                 <a:solidFill>
                   <a:srgbClr val="242E41">
                     <a:alpha val="77000"/>
@@ -12988,7 +13093,7 @@
               </a:rPr>
             </a:br>
             <a:r>
-              <a:rPr lang="he-IL" dirty="0">
+              <a:rPr lang="he-IL">
                 <a:solidFill>
                   <a:srgbClr val="242E41">
                     <a:alpha val="77000"/>
@@ -12999,7 +13104,7 @@
               </a:rPr>
               <a:t> נפרט ונדגים על 2 מהן.</a:t>
             </a:r>
-            <a:endParaRPr lang="he-IL" sz="1800" dirty="0">
+            <a:endParaRPr lang="he-IL" sz="1800">
               <a:solidFill>
                 <a:srgbClr val="242E41">
                   <a:alpha val="77000"/>
@@ -13279,7 +13384,7 @@
           </a:lstStyle>
           <a:p>
             <a:pPr marL="359410" indent="-359410" algn="r" rtl="1"/>
-            <a:endParaRPr lang="he-IL" dirty="0">
+            <a:endParaRPr lang="he-IL">
               <a:solidFill>
                 <a:srgbClr val="242E41">
                   <a:alpha val="77000"/>
@@ -13294,7 +13399,7 @@
               <a:buNone/>
             </a:pPr>
             <a:r>
-              <a:rPr lang="he-IL" sz="2800" b="1" dirty="0">
+              <a:rPr lang="he-IL" sz="2800" b="1">
                 <a:solidFill>
                   <a:srgbClr val="242E41">
                     <a:alpha val="77000"/>
@@ -13305,7 +13410,7 @@
               </a:rPr>
               <a:t>גישה א</a:t>
             </a:r>
-            <a:endParaRPr lang="he-IL" dirty="0">
+            <a:endParaRPr lang="he-IL">
               <a:solidFill>
                 <a:srgbClr val="242E41">
                   <a:alpha val="77000"/>
@@ -13318,7 +13423,7 @@
               <a:buNone/>
             </a:pPr>
             <a:r>
-              <a:rPr lang="he-IL" dirty="0">
+              <a:rPr lang="he-IL">
                 <a:solidFill>
                   <a:srgbClr val="242E41">
                     <a:alpha val="77000"/>
@@ -13335,7 +13440,7 @@
               <a:buNone/>
             </a:pPr>
             <a:r>
-              <a:rPr lang="he-IL" dirty="0">
+              <a:rPr lang="he-IL">
                 <a:solidFill>
                   <a:srgbClr val="242E41">
                     <a:alpha val="77000"/>
@@ -13352,7 +13457,7 @@
               <a:buNone/>
             </a:pPr>
             <a:r>
-              <a:rPr lang="he-IL" dirty="0">
+              <a:rPr lang="he-IL">
                 <a:solidFill>
                   <a:srgbClr val="242E41">
                     <a:alpha val="77000"/>
@@ -13369,7 +13474,7 @@
               <a:buNone/>
             </a:pPr>
             <a:r>
-              <a:rPr lang="he-IL" dirty="0">
+              <a:rPr lang="he-IL">
                 <a:solidFill>
                   <a:srgbClr val="242E41">
                     <a:alpha val="77000"/>
@@ -13385,7 +13490,7 @@
             <a:pPr marL="0" indent="0" algn="r" rtl="1">
               <a:buNone/>
             </a:pPr>
-            <a:endParaRPr lang="he-IL" dirty="0">
+            <a:endParaRPr lang="he-IL">
               <a:solidFill>
                 <a:srgbClr val="242E41">
                   <a:alpha val="77000"/>
@@ -13397,7 +13502,7 @@
             <a:pPr marL="0" indent="0" algn="r" rtl="1">
               <a:buNone/>
             </a:pPr>
-            <a:endParaRPr lang="he-IL" dirty="0">
+            <a:endParaRPr lang="he-IL">
               <a:solidFill>
                 <a:srgbClr val="242E41">
                   <a:alpha val="77000"/>
@@ -14252,7 +14357,7 @@
           </a:lstStyle>
           <a:p>
             <a:pPr marL="359410" indent="-359410" algn="r" rtl="1"/>
-            <a:endParaRPr lang="he-IL" dirty="0">
+            <a:endParaRPr lang="he-IL">
               <a:solidFill>
                 <a:srgbClr val="242E41">
                   <a:alpha val="77000"/>
@@ -14267,7 +14372,7 @@
               <a:buNone/>
             </a:pPr>
             <a:r>
-              <a:rPr lang="he-IL" sz="2800" b="1" dirty="0">
+              <a:rPr lang="he-IL" sz="2800" b="1">
                 <a:solidFill>
                   <a:srgbClr val="242E41">
                     <a:alpha val="77000"/>
@@ -14278,7 +14383,7 @@
               </a:rPr>
               <a:t>גישה ב</a:t>
             </a:r>
-            <a:endParaRPr lang="he-IL" dirty="0">
+            <a:endParaRPr lang="he-IL">
               <a:solidFill>
                 <a:srgbClr val="242E41">
                   <a:alpha val="77000"/>
@@ -14291,7 +14396,7 @@
               <a:buNone/>
             </a:pPr>
             <a:r>
-              <a:rPr lang="he-IL" dirty="0">
+              <a:rPr lang="he-IL">
                 <a:solidFill>
                   <a:srgbClr val="242E41">
                     <a:alpha val="77000"/>
@@ -14308,7 +14413,7 @@
               <a:buNone/>
             </a:pPr>
             <a:r>
-              <a:rPr lang="he-IL" dirty="0">
+              <a:rPr lang="he-IL">
                 <a:solidFill>
                   <a:srgbClr val="242E41">
                     <a:alpha val="77000"/>
@@ -14319,7 +14424,7 @@
               </a:rPr>
               <a:t>- נפתח תהליכון שיהיה אחראי לטיפול באירועים נכנסים מלקוחות</a:t>
             </a:r>
-            <a:endParaRPr lang="he-IL" dirty="0">
+            <a:endParaRPr lang="he-IL">
               <a:solidFill>
                 <a:srgbClr val="242E41">
                   <a:alpha val="77000"/>
@@ -14332,7 +14437,7 @@
               <a:buNone/>
             </a:pPr>
             <a:r>
-              <a:rPr lang="he-IL" dirty="0">
+              <a:rPr lang="he-IL">
                 <a:solidFill>
                   <a:srgbClr val="242E41">
                     <a:alpha val="77000"/>
@@ -14343,7 +14448,7 @@
               </a:rPr>
               <a:t>- נפתח תהליכון שיהיה אחראי לטיפול באירועים יוצאים מתוך השרת אל הלקוחות</a:t>
             </a:r>
-            <a:endParaRPr lang="he-IL" dirty="0">
+            <a:endParaRPr lang="he-IL">
               <a:solidFill>
                 <a:srgbClr val="242E41">
                   <a:alpha val="77000"/>
@@ -14356,7 +14461,7 @@
               <a:buNone/>
             </a:pPr>
             <a:r>
-              <a:rPr lang="he-IL" dirty="0">
+              <a:rPr lang="he-IL">
                 <a:solidFill>
                   <a:srgbClr val="242E41">
                     <a:alpha val="77000"/>
@@ -14367,7 +14472,7 @@
               </a:rPr>
               <a:t>- גישה זו תאפשר לנו (במקרה של הדוגמה) לשלוח הודעות במקביל לכך שאנחנו מקבלים הודעות, מה שלא התאפשר בדוגמא הקודמת.</a:t>
             </a:r>
-            <a:endParaRPr lang="he-IL" dirty="0">
+            <a:endParaRPr lang="he-IL">
               <a:solidFill>
                 <a:srgbClr val="242E41">
                   <a:alpha val="77000"/>
@@ -14379,7 +14484,7 @@
             <a:pPr marL="0" indent="0" algn="r" rtl="1">
               <a:buNone/>
             </a:pPr>
-            <a:endParaRPr lang="he-IL" dirty="0">
+            <a:endParaRPr lang="he-IL">
               <a:solidFill>
                 <a:srgbClr val="242E41">
                   <a:alpha val="77000"/>
@@ -14391,7 +14496,7 @@
             <a:pPr marL="0" indent="0" algn="r" rtl="1">
               <a:buNone/>
             </a:pPr>
-            <a:endParaRPr lang="he-IL" dirty="0">
+            <a:endParaRPr lang="he-IL">
               <a:solidFill>
                 <a:srgbClr val="242E41">
                   <a:alpha val="77000"/>
@@ -15161,7 +15266,7 @@
           <a:p>
             <a:pPr marL="719455" lvl="1" indent="-359410" algn="r" rtl="1"/>
             <a:r>
-              <a:rPr lang="he-IL" sz="1800" dirty="0">
+              <a:rPr lang="he-IL" sz="1800">
                 <a:solidFill>
                   <a:srgbClr val="242E41">
                     <a:alpha val="77000"/>
@@ -15185,7 +15290,7 @@
               <a:t>תהליכון</a:t>
             </a:r>
             <a:r>
-              <a:rPr lang="he-IL" sz="1800" dirty="0">
+              <a:rPr lang="he-IL" sz="1800">
                 <a:solidFill>
                   <a:srgbClr val="242E41">
                     <a:alpha val="77000"/>
@@ -15194,21 +15299,9 @@
                 <a:ea typeface="Microsoft Sans Serif"/>
                 <a:cs typeface="Microsoft Sans Serif"/>
               </a:rPr>
-              <a:t> שימתין לכל אחד מהאירועים הללו בזמן שהוא יכול לבצע פעולות חשובות.</a:t>
-            </a:r>
-            <a:r>
-              <a:rPr lang="he-IL" sz="1800">
-                <a:solidFill>
-                  <a:srgbClr val="242E41">
-                    <a:alpha val="77000"/>
-                  </a:srgbClr>
-                </a:solidFill>
-                <a:ea typeface="Microsoft Sans Serif"/>
-                <a:cs typeface="Microsoft Sans Serif"/>
-              </a:rPr>
-              <a:t> </a:t>
-            </a:r>
-            <a:endParaRPr lang="en-US" sz="1800" dirty="0">
+              <a:t> שימתין לכל אחד מהאירועים הללו בזמן שהוא יכול לבצע פעולות חשובות. </a:t>
+            </a:r>
+            <a:endParaRPr lang="en-US" sz="1800">
               <a:solidFill>
                 <a:srgbClr val="242E41">
                   <a:alpha val="77000"/>
@@ -15221,7 +15314,7 @@
           <a:p>
             <a:pPr marL="719455" lvl="1" indent="-359410" algn="r" rtl="1"/>
             <a:r>
-              <a:rPr lang="he-IL" sz="1800" dirty="0">
+              <a:rPr lang="he-IL" sz="1800">
                 <a:solidFill>
                   <a:srgbClr val="242E41">
                     <a:alpha val="77000"/>
@@ -15233,7 +15326,7 @@
               <a:t>שתי הפעולות </a:t>
             </a:r>
             <a:r>
-              <a:rPr lang="he-IL" sz="1800" dirty="0" err="1">
+              <a:rPr lang="he-IL" sz="1800" err="1">
                 <a:solidFill>
                   <a:srgbClr val="242E41">
                     <a:alpha val="77000"/>
@@ -15245,7 +15338,7 @@
               <a:t>select</a:t>
             </a:r>
             <a:r>
-              <a:rPr lang="he-IL" sz="1800" dirty="0">
+              <a:rPr lang="he-IL" sz="1800">
                 <a:solidFill>
                   <a:srgbClr val="242E41">
                     <a:alpha val="77000"/>
@@ -15257,7 +15350,7 @@
               <a:t> </a:t>
             </a:r>
             <a:r>
-              <a:rPr lang="he-IL" sz="1800" dirty="0" err="1">
+              <a:rPr lang="he-IL" sz="1800" err="1">
                 <a:solidFill>
                   <a:srgbClr val="242E41">
                     <a:alpha val="77000"/>
@@ -15269,7 +15362,7 @@
               <a:t>וpoll</a:t>
             </a:r>
             <a:r>
-              <a:rPr lang="he-IL" sz="1800" dirty="0">
+              <a:rPr lang="he-IL" sz="1800">
                 <a:solidFill>
                   <a:srgbClr val="242E41">
                     <a:alpha val="77000"/>
@@ -15281,7 +15374,7 @@
               <a:t> הן צורות שונות לניהול אסינכרוני של </a:t>
             </a:r>
             <a:r>
-              <a:rPr lang="he-IL" sz="1800" dirty="0" err="1">
+              <a:rPr lang="he-IL" sz="1800" err="1">
                 <a:solidFill>
                   <a:srgbClr val="242E41">
                     <a:alpha val="77000"/>
@@ -15293,7 +15386,7 @@
               <a:t>eventים</a:t>
             </a:r>
             <a:r>
-              <a:rPr lang="he-IL" sz="1800" dirty="0">
+              <a:rPr lang="he-IL" sz="1800">
                 <a:solidFill>
                   <a:srgbClr val="242E41">
                     <a:alpha val="77000"/>
@@ -15305,7 +15398,7 @@
               <a:t> בעזרת </a:t>
             </a:r>
             <a:r>
-              <a:rPr lang="he-IL" sz="1800" dirty="0" err="1">
+              <a:rPr lang="he-IL" sz="1800" err="1">
                 <a:solidFill>
                   <a:srgbClr val="242E41">
                     <a:alpha val="77000"/>
@@ -15317,7 +15410,7 @@
               <a:t>file</a:t>
             </a:r>
             <a:r>
-              <a:rPr lang="he-IL" sz="1800" dirty="0">
+              <a:rPr lang="he-IL" sz="1800">
                 <a:solidFill>
                   <a:srgbClr val="242E41">
                     <a:alpha val="77000"/>
@@ -15329,7 +15422,7 @@
               <a:t> </a:t>
             </a:r>
             <a:r>
-              <a:rPr lang="he-IL" sz="1800" dirty="0" err="1">
+              <a:rPr lang="he-IL" sz="1800" err="1">
                 <a:solidFill>
                   <a:srgbClr val="242E41">
                     <a:alpha val="77000"/>
@@ -15341,7 +15434,7 @@
               <a:t>descriptors</a:t>
             </a:r>
             <a:r>
-              <a:rPr lang="he-IL" sz="1800" dirty="0">
+              <a:rPr lang="he-IL" sz="1800">
                 <a:solidFill>
                   <a:srgbClr val="242E41">
                     <a:alpha val="77000"/>
@@ -15353,7 +15446,7 @@
               <a:t> (בקיצור </a:t>
             </a:r>
             <a:r>
-              <a:rPr lang="he-IL" sz="1800" dirty="0" err="1">
+              <a:rPr lang="he-IL" sz="1800" err="1">
                 <a:solidFill>
                   <a:srgbClr val="242E41">
                     <a:alpha val="77000"/>
@@ -15365,7 +15458,7 @@
               <a:t>fd</a:t>
             </a:r>
             <a:r>
-              <a:rPr lang="he-IL" sz="1800" dirty="0">
+              <a:rPr lang="he-IL" sz="1800">
                 <a:solidFill>
                   <a:srgbClr val="242E41">
                     <a:alpha val="77000"/>
@@ -15377,7 +15470,7 @@
               <a:t>)  שהם ייצוג של "קובץ" - במקרה הזה הקובץ יהיה צינור המידע אליו ייכתבו אירועים ואליו אנחנו נאזין (כתלות במערכת ההפעלה הם יכולים לרוץ על כל </a:t>
             </a:r>
             <a:r>
-              <a:rPr lang="he-IL" sz="1800" dirty="0" err="1">
+              <a:rPr lang="he-IL" sz="1800" err="1">
                 <a:solidFill>
                   <a:srgbClr val="242E41">
                     <a:alpha val="77000"/>
@@ -15389,7 +15482,7 @@
               <a:t>fd</a:t>
             </a:r>
             <a:r>
-              <a:rPr lang="he-IL" sz="1800" dirty="0">
+              <a:rPr lang="he-IL" sz="1800">
                 <a:solidFill>
                   <a:srgbClr val="242E41">
                     <a:alpha val="77000"/>
@@ -15401,7 +15494,7 @@
               <a:t> או רק על </a:t>
             </a:r>
             <a:r>
-              <a:rPr lang="he-IL" sz="1800" dirty="0" err="1">
+              <a:rPr lang="he-IL" sz="1800" err="1">
                 <a:solidFill>
                   <a:srgbClr val="242E41">
                     <a:alpha val="77000"/>
@@ -15413,7 +15506,7 @@
               <a:t>socketים</a:t>
             </a:r>
             <a:r>
-              <a:rPr lang="he-IL" sz="1800" dirty="0">
+              <a:rPr lang="he-IL" sz="1800">
                 <a:solidFill>
                   <a:srgbClr val="242E41">
                     <a:alpha val="77000"/>
@@ -15424,7 +15517,7 @@
               </a:rPr>
               <a:t>). </a:t>
             </a:r>
-            <a:endParaRPr lang="en-US" sz="1800" dirty="0">
+            <a:endParaRPr lang="en-US" sz="1800">
               <a:solidFill>
                 <a:srgbClr val="242E41">
                   <a:alpha val="77000"/>
@@ -15437,7 +15530,7 @@
           <a:p>
             <a:pPr marL="719455" lvl="1" indent="-359410" algn="r" rtl="1"/>
             <a:r>
-              <a:rPr lang="he-IL" sz="1800" dirty="0">
+              <a:rPr lang="he-IL" sz="1800">
                 <a:solidFill>
                   <a:srgbClr val="242E41">
                     <a:alpha val="77000"/>
@@ -15449,7 +15542,7 @@
               <a:t>נשים לב כי יש שוני בין 2 הפונקציות בצורת העבודה מולן, </a:t>
             </a:r>
             <a:br>
-              <a:rPr lang="he-IL" sz="1800" dirty="0">
+              <a:rPr lang="he-IL" sz="1800">
                 <a:solidFill>
                   <a:srgbClr val="242E41">
                     <a:alpha val="77000"/>
@@ -15460,7 +15553,7 @@
               </a:rPr>
             </a:br>
             <a:r>
-              <a:rPr lang="he-IL" sz="1800" dirty="0">
+              <a:rPr lang="he-IL" sz="1800">
                 <a:solidFill>
                   <a:srgbClr val="242E41">
                     <a:alpha val="77000"/>
@@ -15472,7 +15565,7 @@
               <a:t>אותו נפרט בדוגמות הקוד ובשקופיות הבאות, אבל המשותף </a:t>
             </a:r>
             <a:br>
-              <a:rPr lang="he-IL" sz="1800" dirty="0">
+              <a:rPr lang="he-IL" sz="1800">
                 <a:solidFill>
                   <a:srgbClr val="242E41">
                     <a:alpha val="77000"/>
@@ -15483,7 +15576,7 @@
               </a:rPr>
             </a:br>
             <a:r>
-              <a:rPr lang="he-IL" sz="1800" dirty="0">
+              <a:rPr lang="he-IL" sz="1800">
                 <a:solidFill>
                   <a:srgbClr val="242E41">
                     <a:alpha val="77000"/>
@@ -15492,10 +15585,10 @@
                 <a:ea typeface="Microsoft Sans Serif"/>
                 <a:cs typeface="Microsoft Sans Serif"/>
               </a:rPr>
-              <a:t>הוא שכל </a:t>
-            </a:r>
-            <a:r>
-              <a:rPr lang="he-IL" sz="1800">
+              <a:t>הוא שכל אחת מהן מקבלת בצורה </a:t>
+            </a:r>
+            <a:r>
+              <a:rPr lang="he-IL" sz="1800" err="1">
                 <a:solidFill>
                   <a:srgbClr val="242E41">
                     <a:alpha val="77000"/>
@@ -15504,10 +15597,10 @@
                 <a:ea typeface="Microsoft Sans Serif"/>
                 <a:cs typeface="Microsoft Sans Serif"/>
               </a:rPr>
-              <a:t>אחת</a:t>
-            </a:r>
-            <a:r>
-              <a:rPr lang="he-IL" sz="1800" dirty="0">
+              <a:t>מסויימת</a:t>
+            </a:r>
+            <a:r>
+              <a:rPr lang="he-IL" sz="1800">
                 <a:solidFill>
                   <a:srgbClr val="242E41">
                     <a:alpha val="77000"/>
@@ -15516,10 +15609,10 @@
                 <a:ea typeface="Microsoft Sans Serif"/>
                 <a:cs typeface="Microsoft Sans Serif"/>
               </a:rPr>
-              <a:t> </a:t>
-            </a:r>
-            <a:r>
-              <a:rPr lang="he-IL" sz="1800">
+              <a:t> את אוסף ה</a:t>
+            </a:r>
+            <a:r>
+              <a:rPr lang="en-US" sz="1800" err="1">
                 <a:solidFill>
                   <a:srgbClr val="242E41">
                     <a:alpha val="77000"/>
@@ -15528,10 +15621,10 @@
                 <a:ea typeface="Microsoft Sans Serif"/>
                 <a:cs typeface="Microsoft Sans Serif"/>
               </a:rPr>
-              <a:t>מהן</a:t>
-            </a:r>
-            <a:r>
-              <a:rPr lang="he-IL" sz="1800" dirty="0">
+              <a:t>fd</a:t>
+            </a:r>
+            <a:r>
+              <a:rPr lang="he-IL" sz="1800">
                 <a:solidFill>
                   <a:srgbClr val="242E41">
                     <a:alpha val="77000"/>
@@ -15540,9 +15633,9 @@
                 <a:ea typeface="Microsoft Sans Serif"/>
                 <a:cs typeface="Microsoft Sans Serif"/>
               </a:rPr>
-              <a:t> </a:t>
-            </a:r>
-            <a:r>
+              <a:t> עליהם </a:t>
+            </a:r>
+            <a:br>
               <a:rPr lang="he-IL" sz="1800">
                 <a:solidFill>
                   <a:srgbClr val="242E41">
@@ -15552,10 +15645,9 @@
                 <a:ea typeface="Microsoft Sans Serif"/>
                 <a:cs typeface="Microsoft Sans Serif"/>
               </a:rPr>
-              <a:t>מקבלת</a:t>
-            </a:r>
-            <a:r>
-              <a:rPr lang="he-IL" sz="1800" dirty="0">
+            </a:br>
+            <a:r>
+              <a:rPr lang="he-IL" sz="1800">
                 <a:solidFill>
                   <a:srgbClr val="242E41">
                     <a:alpha val="77000"/>
@@ -15564,10 +15656,10 @@
                 <a:ea typeface="Microsoft Sans Serif"/>
                 <a:cs typeface="Microsoft Sans Serif"/>
               </a:rPr>
-              <a:t> בצורה </a:t>
-            </a:r>
-            <a:r>
-              <a:rPr lang="he-IL" sz="1800" dirty="0" err="1">
+              <a:t>הוא מאזינה, וכשיש אירוע באחת מהם היא יודעת להחזיר אותו חזרה </a:t>
+            </a:r>
+            <a:br>
+              <a:rPr lang="he-IL" sz="1800">
                 <a:solidFill>
                   <a:srgbClr val="242E41">
                     <a:alpha val="77000"/>
@@ -15576,10 +15668,9 @@
                 <a:ea typeface="Microsoft Sans Serif"/>
                 <a:cs typeface="Microsoft Sans Serif"/>
               </a:rPr>
-              <a:t>מסויימת</a:t>
-            </a:r>
-            <a:r>
-              <a:rPr lang="he-IL" sz="1800" dirty="0">
+            </a:br>
+            <a:r>
+              <a:rPr lang="he-IL" sz="1800">
                 <a:solidFill>
                   <a:srgbClr val="242E41">
                     <a:alpha val="77000"/>
@@ -15588,10 +15679,10 @@
                 <a:ea typeface="Microsoft Sans Serif"/>
                 <a:cs typeface="Microsoft Sans Serif"/>
               </a:rPr>
-              <a:t> את אוסף ה</a:t>
-            </a:r>
-            <a:r>
-              <a:rPr lang="en-US" sz="1800" dirty="0" err="1">
+              <a:t>לתהליך הראשי עם סימון על איזה אירוע קרה. בצורה זו ניתן על </a:t>
+            </a:r>
+            <a:br>
+              <a:rPr lang="he-IL" sz="1800">
                 <a:solidFill>
                   <a:srgbClr val="242E41">
                     <a:alpha val="77000"/>
@@ -15600,10 +15691,9 @@
                 <a:ea typeface="Microsoft Sans Serif"/>
                 <a:cs typeface="Microsoft Sans Serif"/>
               </a:rPr>
-              <a:t>fd</a:t>
-            </a:r>
-            <a:r>
-              <a:rPr lang="he-IL" sz="1800" dirty="0">
+            </a:br>
+            <a:r>
+              <a:rPr lang="he-IL" sz="1800">
                 <a:solidFill>
                   <a:srgbClr val="242E41">
                     <a:alpha val="77000"/>
@@ -15612,10 +15702,10 @@
                 <a:ea typeface="Microsoft Sans Serif"/>
                 <a:cs typeface="Microsoft Sans Serif"/>
               </a:rPr>
-              <a:t> עליהם </a:t>
-            </a:r>
-            <a:br>
-              <a:rPr lang="he-IL" sz="1800" dirty="0">
+              <a:t>ידי </a:t>
+            </a:r>
+            <a:r>
+              <a:rPr lang="en-US" sz="1800">
                 <a:solidFill>
                   <a:srgbClr val="242E41">
                     <a:alpha val="77000"/>
@@ -15624,9 +15714,10 @@
                 <a:ea typeface="Microsoft Sans Serif"/>
                 <a:cs typeface="Microsoft Sans Serif"/>
               </a:rPr>
-            </a:br>
-            <a:r>
-              <a:rPr lang="he-IL" sz="1800" dirty="0">
+              <a:t>thread</a:t>
+            </a:r>
+            <a:r>
+              <a:rPr lang="he-IL" sz="1800">
                 <a:solidFill>
                   <a:srgbClr val="242E41">
                     <a:alpha val="77000"/>
@@ -15635,148 +15726,6 @@
                 <a:ea typeface="Microsoft Sans Serif"/>
                 <a:cs typeface="Microsoft Sans Serif"/>
               </a:rPr>
-              <a:t>הוא </a:t>
-            </a:r>
-            <a:r>
-              <a:rPr lang="he-IL" sz="1800">
-                <a:solidFill>
-                  <a:srgbClr val="242E41">
-                    <a:alpha val="77000"/>
-                  </a:srgbClr>
-                </a:solidFill>
-                <a:ea typeface="Microsoft Sans Serif"/>
-                <a:cs typeface="Microsoft Sans Serif"/>
-              </a:rPr>
-              <a:t>מאזינה</a:t>
-            </a:r>
-            <a:r>
-              <a:rPr lang="he-IL" sz="1800" dirty="0">
-                <a:solidFill>
-                  <a:srgbClr val="242E41">
-                    <a:alpha val="77000"/>
-                  </a:srgbClr>
-                </a:solidFill>
-                <a:ea typeface="Microsoft Sans Serif"/>
-                <a:cs typeface="Microsoft Sans Serif"/>
-              </a:rPr>
-              <a:t>, וכשיש אירוע </a:t>
-            </a:r>
-            <a:r>
-              <a:rPr lang="he-IL" sz="1800">
-                <a:solidFill>
-                  <a:srgbClr val="242E41">
-                    <a:alpha val="77000"/>
-                  </a:srgbClr>
-                </a:solidFill>
-                <a:ea typeface="Microsoft Sans Serif"/>
-                <a:cs typeface="Microsoft Sans Serif"/>
-              </a:rPr>
-              <a:t>באחת</a:t>
-            </a:r>
-            <a:r>
-              <a:rPr lang="he-IL" sz="1800" dirty="0">
-                <a:solidFill>
-                  <a:srgbClr val="242E41">
-                    <a:alpha val="77000"/>
-                  </a:srgbClr>
-                </a:solidFill>
-                <a:ea typeface="Microsoft Sans Serif"/>
-                <a:cs typeface="Microsoft Sans Serif"/>
-              </a:rPr>
-              <a:t> מהם </a:t>
-            </a:r>
-            <a:r>
-              <a:rPr lang="he-IL" sz="1800">
-                <a:solidFill>
-                  <a:srgbClr val="242E41">
-                    <a:alpha val="77000"/>
-                  </a:srgbClr>
-                </a:solidFill>
-                <a:ea typeface="Microsoft Sans Serif"/>
-                <a:cs typeface="Microsoft Sans Serif"/>
-              </a:rPr>
-              <a:t>היא יודעת</a:t>
-            </a:r>
-            <a:r>
-              <a:rPr lang="he-IL" sz="1800" dirty="0">
-                <a:solidFill>
-                  <a:srgbClr val="242E41">
-                    <a:alpha val="77000"/>
-                  </a:srgbClr>
-                </a:solidFill>
-                <a:ea typeface="Microsoft Sans Serif"/>
-                <a:cs typeface="Microsoft Sans Serif"/>
-              </a:rPr>
-              <a:t> להחזיר אותו חזרה </a:t>
-            </a:r>
-            <a:br>
-              <a:rPr lang="he-IL" sz="1800" dirty="0">
-                <a:solidFill>
-                  <a:srgbClr val="242E41">
-                    <a:alpha val="77000"/>
-                  </a:srgbClr>
-                </a:solidFill>
-                <a:ea typeface="Microsoft Sans Serif"/>
-                <a:cs typeface="Microsoft Sans Serif"/>
-              </a:rPr>
-            </a:br>
-            <a:r>
-              <a:rPr lang="he-IL" sz="1800" dirty="0">
-                <a:solidFill>
-                  <a:srgbClr val="242E41">
-                    <a:alpha val="77000"/>
-                  </a:srgbClr>
-                </a:solidFill>
-                <a:ea typeface="Microsoft Sans Serif"/>
-                <a:cs typeface="Microsoft Sans Serif"/>
-              </a:rPr>
-              <a:t>לתהליך הראשי עם סימון על איזה אירוע קרה. בצורה זו ניתן על </a:t>
-            </a:r>
-            <a:br>
-              <a:rPr lang="he-IL" sz="1800" dirty="0">
-                <a:solidFill>
-                  <a:srgbClr val="242E41">
-                    <a:alpha val="77000"/>
-                  </a:srgbClr>
-                </a:solidFill>
-                <a:ea typeface="Microsoft Sans Serif"/>
-                <a:cs typeface="Microsoft Sans Serif"/>
-              </a:rPr>
-            </a:br>
-            <a:r>
-              <a:rPr lang="he-IL" sz="1800" dirty="0">
-                <a:solidFill>
-                  <a:srgbClr val="242E41">
-                    <a:alpha val="77000"/>
-                  </a:srgbClr>
-                </a:solidFill>
-                <a:ea typeface="Microsoft Sans Serif"/>
-                <a:cs typeface="Microsoft Sans Serif"/>
-              </a:rPr>
-              <a:t>ידי </a:t>
-            </a:r>
-            <a:r>
-              <a:rPr lang="en-US" sz="1800" dirty="0">
-                <a:solidFill>
-                  <a:srgbClr val="242E41">
-                    <a:alpha val="77000"/>
-                  </a:srgbClr>
-                </a:solidFill>
-                <a:ea typeface="Microsoft Sans Serif"/>
-                <a:cs typeface="Microsoft Sans Serif"/>
-              </a:rPr>
-              <a:t>thread</a:t>
-            </a:r>
-            <a:r>
-              <a:rPr lang="he-IL" sz="1800" dirty="0">
-                <a:solidFill>
-                  <a:srgbClr val="242E41">
-                    <a:alpha val="77000"/>
-                  </a:srgbClr>
-                </a:solidFill>
-                <a:ea typeface="Microsoft Sans Serif"/>
-                <a:cs typeface="Microsoft Sans Serif"/>
-              </a:rPr>
               <a:t> אחד לנהל מספר רב של ערוצי תקשורת. </a:t>
             </a:r>
           </a:p>
@@ -15784,7 +15733,7 @@
             <a:pPr marL="360045" lvl="1" indent="0" algn="r" rtl="1">
               <a:buNone/>
             </a:pPr>
-            <a:endParaRPr lang="he-IL" sz="1800" dirty="0">
+            <a:endParaRPr lang="he-IL" sz="1800">
               <a:solidFill>
                 <a:srgbClr val="242E41">
                   <a:alpha val="77000"/>
@@ -15796,7 +15745,7 @@
           </a:p>
           <a:p>
             <a:pPr marL="1079500" lvl="2" indent="-287655" algn="r" rtl="1"/>
-            <a:endParaRPr lang="en-IL" sz="1400" dirty="0">
+            <a:endParaRPr lang="en-IL" sz="1400">
               <a:solidFill>
                 <a:srgbClr val="242E41">
                   <a:alpha val="77000"/>
@@ -16215,18 +16164,18 @@
 </file>
 
 <file path=customXml/item2.xml><?xml version="1.0" encoding="utf-8"?>
+<p:properties xmlns:p="http://schemas.microsoft.com/office/2006/metadata/properties" xmlns:xsi="http://www.w3.org/2001/XMLSchema-instance" xmlns:pc="http://schemas.microsoft.com/office/infopath/2007/PartnerControls">
+  <documentManagement/>
+</p:properties>
+</file>
+
+<file path=customXml/item3.xml><?xml version="1.0" encoding="utf-8"?>
 <?mso-contentType ?>
 <FormTemplates xmlns="http://schemas.microsoft.com/sharepoint/v3/contenttype/forms">
   <Display>DocumentLibraryForm</Display>
   <Edit>DocumentLibraryForm</Edit>
   <New>DocumentLibraryForm</New>
 </FormTemplates>
-</file>
-
-<file path=customXml/item3.xml><?xml version="1.0" encoding="utf-8"?>
-<p:properties xmlns:p="http://schemas.microsoft.com/office/2006/metadata/properties" xmlns:xsi="http://www.w3.org/2001/XMLSchema-instance" xmlns:pc="http://schemas.microsoft.com/office/infopath/2007/PartnerControls">
-  <documentManagement/>
-</p:properties>
 </file>
 
 <file path=customXml/itemProps1.xml><?xml version="1.0" encoding="utf-8"?>
@@ -16248,14 +16197,6 @@
 </file>
 
 <file path=customXml/itemProps2.xml><?xml version="1.0" encoding="utf-8"?>
-<ds:datastoreItem xmlns:ds="http://schemas.openxmlformats.org/officeDocument/2006/customXml" ds:itemID="{9551FBC5-52EB-4FF0-BFAC-34C404C7C886}">
-  <ds:schemaRefs>
-    <ds:schemaRef ds:uri="http://schemas.microsoft.com/sharepoint/v3/contenttype/forms"/>
-  </ds:schemaRefs>
-</ds:datastoreItem>
-</file>
-
-<file path=customXml/itemProps3.xml><?xml version="1.0" encoding="utf-8"?>
 <ds:datastoreItem xmlns:ds="http://schemas.openxmlformats.org/officeDocument/2006/customXml" ds:itemID="{974DAC5A-E451-47BA-9A92-A1BF0D488CFB}">
   <ds:schemaRefs>
     <ds:schemaRef ds:uri="05dc61c3-a155-4049-aa90-c374737a5a20"/>
@@ -16269,4 +16210,12 @@
     <ds:schemaRef ds:uri="http://www.w3.org/XML/1998/namespace"/>
   </ds:schemaRefs>
 </ds:datastoreItem>
+</file>
+
+<file path=customXml/itemProps3.xml><?xml version="1.0" encoding="utf-8"?>
+<ds:datastoreItem xmlns:ds="http://schemas.openxmlformats.org/officeDocument/2006/customXml" ds:itemID="{9551FBC5-52EB-4FF0-BFAC-34C404C7C886}">
+  <ds:schemaRefs>
+    <ds:schemaRef ds:uri="http://schemas.microsoft.com/sharepoint/v3/contenttype/forms"/>
+  </ds:schemaRefs>
+</ds:datastoreItem>
 </file>